--- a/Semester 2/Software Architecture/Assignment 2/SA-Assignment-2021MT12054.pptx
+++ b/Semester 2/Software Architecture/Assignment 2/SA-Assignment-2021MT12054.pptx
@@ -6,19 +6,14 @@
   </p:sldMasterIdLst>
   <p:sldIdLst>
     <p:sldId id="257" r:id="rId5"/>
-    <p:sldId id="258" r:id="rId6"/>
-    <p:sldId id="260" r:id="rId7"/>
-    <p:sldId id="262" r:id="rId8"/>
-    <p:sldId id="272" r:id="rId9"/>
-    <p:sldId id="273" r:id="rId10"/>
-    <p:sldId id="274" r:id="rId11"/>
-    <p:sldId id="263" r:id="rId12"/>
-    <p:sldId id="264" r:id="rId13"/>
-    <p:sldId id="265" r:id="rId14"/>
-    <p:sldId id="266" r:id="rId15"/>
-    <p:sldId id="267" r:id="rId16"/>
-    <p:sldId id="268" r:id="rId17"/>
-    <p:sldId id="271" r:id="rId18"/>
+    <p:sldId id="262" r:id="rId6"/>
+    <p:sldId id="278" r:id="rId7"/>
+    <p:sldId id="272" r:id="rId8"/>
+    <p:sldId id="263" r:id="rId9"/>
+    <p:sldId id="266" r:id="rId10"/>
+    <p:sldId id="276" r:id="rId11"/>
+    <p:sldId id="271" r:id="rId12"/>
+    <p:sldId id="277" r:id="rId13"/>
   </p:sldIdLst>
   <p:sldSz cx="12192000" cy="6858000"/>
   <p:notesSz cx="6858000" cy="9144000"/>
@@ -150,7 +145,7 @@
         </p:nvSpPr>
         <p:spPr>
           <a:xfrm>
-            <a:off x="446534" y="3085764"/>
+            <a:off x="446539" y="3085771"/>
             <a:ext cx="11298932" cy="3338149"/>
           </a:xfrm>
           <a:prstGeom prst="rect">
@@ -191,8 +186,8 @@
         </p:nvSpPr>
         <p:spPr>
           <a:xfrm>
-            <a:off x="581191" y="1020431"/>
-            <a:ext cx="10993549" cy="1475013"/>
+            <a:off x="581193" y="1020434"/>
+            <a:ext cx="10993550" cy="1475013"/>
           </a:xfrm>
           <a:effectLst/>
         </p:spPr>
@@ -233,8 +228,8 @@
         </p:nvSpPr>
         <p:spPr>
           <a:xfrm>
-            <a:off x="581194" y="2495445"/>
-            <a:ext cx="10993546" cy="590321"/>
+            <a:off x="581196" y="2495451"/>
+            <a:ext cx="10993547" cy="590321"/>
           </a:xfrm>
         </p:spPr>
         <p:txBody>
@@ -250,7 +245,7 @@
                 </a:solidFill>
               </a:defRPr>
             </a:lvl1pPr>
-            <a:lvl2pPr marL="457200" indent="0" algn="ctr">
+            <a:lvl2pPr marL="457211" indent="0" algn="ctr">
               <a:buNone/>
               <a:defRPr>
                 <a:solidFill>
@@ -260,7 +255,7 @@
                 </a:solidFill>
               </a:defRPr>
             </a:lvl2pPr>
-            <a:lvl3pPr marL="914400" indent="0" algn="ctr">
+            <a:lvl3pPr marL="914424" indent="0" algn="ctr">
               <a:buNone/>
               <a:defRPr>
                 <a:solidFill>
@@ -270,7 +265,7 @@
                 </a:solidFill>
               </a:defRPr>
             </a:lvl3pPr>
-            <a:lvl4pPr marL="1371600" indent="0" algn="ctr">
+            <a:lvl4pPr marL="1371635" indent="0" algn="ctr">
               <a:buNone/>
               <a:defRPr>
                 <a:solidFill>
@@ -280,7 +275,7 @@
                 </a:solidFill>
               </a:defRPr>
             </a:lvl4pPr>
-            <a:lvl5pPr marL="1828800" indent="0" algn="ctr">
+            <a:lvl5pPr marL="1828846" indent="0" algn="ctr">
               <a:buNone/>
               <a:defRPr>
                 <a:solidFill>
@@ -290,7 +285,7 @@
                 </a:solidFill>
               </a:defRPr>
             </a:lvl5pPr>
-            <a:lvl6pPr marL="2286000" indent="0" algn="ctr">
+            <a:lvl6pPr marL="2286057" indent="0" algn="ctr">
               <a:buNone/>
               <a:defRPr>
                 <a:solidFill>
@@ -300,7 +295,7 @@
                 </a:solidFill>
               </a:defRPr>
             </a:lvl6pPr>
-            <a:lvl7pPr marL="2743200" indent="0" algn="ctr">
+            <a:lvl7pPr marL="2743270" indent="0" algn="ctr">
               <a:buNone/>
               <a:defRPr>
                 <a:solidFill>
@@ -310,7 +305,7 @@
                 </a:solidFill>
               </a:defRPr>
             </a:lvl7pPr>
-            <a:lvl8pPr marL="3200400" indent="0" algn="ctr">
+            <a:lvl8pPr marL="3200481" indent="0" algn="ctr">
               <a:buNone/>
               <a:defRPr>
                 <a:solidFill>
@@ -320,7 +315,7 @@
                 </a:solidFill>
               </a:defRPr>
             </a:lvl8pPr>
-            <a:lvl9pPr marL="3657600" indent="0" algn="ctr">
+            <a:lvl9pPr marL="3657690" indent="0" algn="ctr">
               <a:buNone/>
               <a:defRPr>
                 <a:solidFill>
@@ -465,7 +460,7 @@
         </p:nvSpPr>
         <p:spPr>
           <a:xfrm>
-            <a:off x="581192" y="702156"/>
+            <a:off x="581197" y="702156"/>
             <a:ext cx="11029616" cy="1013800"/>
           </a:xfrm>
         </p:spPr>
@@ -654,7 +649,7 @@
         </p:nvSpPr>
         <p:spPr>
           <a:xfrm>
-            <a:off x="8058151" y="599725"/>
+            <a:off x="8058155" y="599726"/>
             <a:ext cx="3687316" cy="5816950"/>
           </a:xfrm>
           <a:prstGeom prst="rect">
@@ -695,8 +690,8 @@
         </p:nvSpPr>
         <p:spPr>
           <a:xfrm>
-            <a:off x="8204200" y="863600"/>
-            <a:ext cx="3124200" cy="4807326"/>
+            <a:off x="8204205" y="863600"/>
+            <a:ext cx="3124201" cy="4807326"/>
           </a:xfrm>
         </p:spPr>
         <p:txBody>
@@ -731,7 +726,7 @@
         </p:nvSpPr>
         <p:spPr>
           <a:xfrm>
-            <a:off x="774923" y="863600"/>
+            <a:off x="774926" y="863600"/>
             <a:ext cx="7161625" cy="4807326"/>
           </a:xfrm>
         </p:spPr>
@@ -790,8 +785,8 @@
         </p:nvSpPr>
         <p:spPr>
           <a:xfrm>
-            <a:off x="446534" y="457200"/>
-            <a:ext cx="3703320" cy="94997"/>
+            <a:off x="446535" y="457203"/>
+            <a:ext cx="3703321" cy="94997"/>
           </a:xfrm>
           <a:prstGeom prst="rect">
             <a:avLst/>
@@ -833,8 +828,8 @@
         </p:nvSpPr>
         <p:spPr>
           <a:xfrm>
-            <a:off x="8042147" y="453643"/>
-            <a:ext cx="3703320" cy="98554"/>
+            <a:off x="8042146" y="453645"/>
+            <a:ext cx="3703321" cy="98554"/>
           </a:xfrm>
           <a:prstGeom prst="rect">
             <a:avLst/>
@@ -876,8 +871,8 @@
         </p:nvSpPr>
         <p:spPr>
           <a:xfrm>
-            <a:off x="4241830" y="457200"/>
-            <a:ext cx="3703320" cy="91440"/>
+            <a:off x="4241831" y="457200"/>
+            <a:ext cx="3703321" cy="91440"/>
           </a:xfrm>
           <a:prstGeom prst="rect">
             <a:avLst/>
@@ -1030,7 +1025,7 @@
         </p:nvSpPr>
         <p:spPr>
           <a:xfrm>
-            <a:off x="581192" y="702156"/>
+            <a:off x="581197" y="702156"/>
             <a:ext cx="11029616" cy="1188720"/>
           </a:xfrm>
         </p:spPr>
@@ -1058,8 +1053,8 @@
         </p:nvSpPr>
         <p:spPr>
           <a:xfrm>
-            <a:off x="581192" y="2340864"/>
-            <a:ext cx="11029615" cy="3634486"/>
+            <a:off x="581197" y="2340864"/>
+            <a:ext cx="11029614" cy="3634486"/>
           </a:xfrm>
         </p:spPr>
         <p:txBody>
@@ -1226,7 +1221,7 @@
         </p:nvSpPr>
         <p:spPr>
           <a:xfrm>
-            <a:off x="447817" y="5141974"/>
+            <a:off x="447823" y="5141981"/>
             <a:ext cx="11290860" cy="1258827"/>
           </a:xfrm>
           <a:prstGeom prst="rect">
@@ -1267,8 +1262,8 @@
         </p:nvSpPr>
         <p:spPr>
           <a:xfrm>
-            <a:off x="581193" y="2393950"/>
-            <a:ext cx="11029615" cy="2147467"/>
+            <a:off x="581197" y="2393957"/>
+            <a:ext cx="11029614" cy="2147467"/>
           </a:xfrm>
         </p:spPr>
         <p:txBody>
@@ -1308,8 +1303,8 @@
         </p:nvSpPr>
         <p:spPr>
           <a:xfrm>
-            <a:off x="581192" y="4541417"/>
-            <a:ext cx="11029615" cy="600556"/>
+            <a:off x="581197" y="4541418"/>
+            <a:ext cx="11029614" cy="600556"/>
           </a:xfrm>
         </p:spPr>
         <p:txBody>
@@ -1319,15 +1314,15 @@
           <a:lstStyle>
             <a:lvl1pPr marL="0" indent="0" algn="l">
               <a:buNone/>
-              <a:defRPr sz="1800" cap="all">
+              <a:defRPr sz="1801" cap="all">
                 <a:solidFill>
                   <a:schemeClr val="accent1"/>
                 </a:solidFill>
               </a:defRPr>
             </a:lvl1pPr>
-            <a:lvl2pPr marL="457200" indent="0">
-              <a:buNone/>
-              <a:defRPr sz="1800">
+            <a:lvl2pPr marL="457211" indent="0">
+              <a:buNone/>
+              <a:defRPr sz="1801">
                 <a:solidFill>
                   <a:schemeClr val="tx1">
                     <a:tint val="75000"/>
@@ -1335,7 +1330,7 @@
                 </a:solidFill>
               </a:defRPr>
             </a:lvl2pPr>
-            <a:lvl3pPr marL="914400" indent="0">
+            <a:lvl3pPr marL="914424" indent="0">
               <a:buNone/>
               <a:defRPr sz="1600">
                 <a:solidFill>
@@ -1345,9 +1340,9 @@
                 </a:solidFill>
               </a:defRPr>
             </a:lvl3pPr>
-            <a:lvl4pPr marL="1371600" indent="0">
-              <a:buNone/>
-              <a:defRPr sz="1400">
+            <a:lvl4pPr marL="1371635" indent="0">
+              <a:buNone/>
+              <a:defRPr sz="1401">
                 <a:solidFill>
                   <a:schemeClr val="tx1">
                     <a:tint val="75000"/>
@@ -1355,9 +1350,9 @@
                 </a:solidFill>
               </a:defRPr>
             </a:lvl4pPr>
-            <a:lvl5pPr marL="1828800" indent="0">
-              <a:buNone/>
-              <a:defRPr sz="1400">
+            <a:lvl5pPr marL="1828846" indent="0">
+              <a:buNone/>
+              <a:defRPr sz="1401">
                 <a:solidFill>
                   <a:schemeClr val="tx1">
                     <a:tint val="75000"/>
@@ -1365,9 +1360,9 @@
                 </a:solidFill>
               </a:defRPr>
             </a:lvl5pPr>
-            <a:lvl6pPr marL="2286000" indent="0">
-              <a:buNone/>
-              <a:defRPr sz="1400">
+            <a:lvl6pPr marL="2286057" indent="0">
+              <a:buNone/>
+              <a:defRPr sz="1401">
                 <a:solidFill>
                   <a:schemeClr val="tx1">
                     <a:tint val="75000"/>
@@ -1375,9 +1370,9 @@
                 </a:solidFill>
               </a:defRPr>
             </a:lvl6pPr>
-            <a:lvl7pPr marL="2743200" indent="0">
-              <a:buNone/>
-              <a:defRPr sz="1400">
+            <a:lvl7pPr marL="2743270" indent="0">
+              <a:buNone/>
+              <a:defRPr sz="1401">
                 <a:solidFill>
                   <a:schemeClr val="tx1">
                     <a:tint val="75000"/>
@@ -1385,9 +1380,9 @@
                 </a:solidFill>
               </a:defRPr>
             </a:lvl7pPr>
-            <a:lvl8pPr marL="3200400" indent="0">
-              <a:buNone/>
-              <a:defRPr sz="1400">
+            <a:lvl8pPr marL="3200481" indent="0">
+              <a:buNone/>
+              <a:defRPr sz="1401">
                 <a:solidFill>
                   <a:schemeClr val="tx1">
                     <a:tint val="75000"/>
@@ -1395,9 +1390,9 @@
                 </a:solidFill>
               </a:defRPr>
             </a:lvl8pPr>
-            <a:lvl9pPr marL="3657600" indent="0">
-              <a:buNone/>
-              <a:defRPr sz="1400">
+            <a:lvl9pPr marL="3657690" indent="0">
+              <a:buNone/>
+              <a:defRPr sz="1401">
                 <a:solidFill>
                   <a:schemeClr val="tx1">
                     <a:tint val="75000"/>
@@ -1540,7 +1535,7 @@
         </p:nvSpPr>
         <p:spPr>
           <a:xfrm>
-            <a:off x="581193" y="729658"/>
+            <a:off x="581197" y="729659"/>
             <a:ext cx="11029616" cy="988332"/>
           </a:xfrm>
         </p:spPr>
@@ -1568,8 +1563,8 @@
         </p:nvSpPr>
         <p:spPr>
           <a:xfrm>
-            <a:off x="581193" y="2228003"/>
-            <a:ext cx="5194767" cy="3633047"/>
+            <a:off x="581197" y="2228006"/>
+            <a:ext cx="5194766" cy="3633047"/>
           </a:xfrm>
         </p:spPr>
         <p:txBody>
@@ -1627,8 +1622,8 @@
         </p:nvSpPr>
         <p:spPr>
           <a:xfrm>
-            <a:off x="6416039" y="2228003"/>
-            <a:ext cx="5194769" cy="3633047"/>
+            <a:off x="6416043" y="2228006"/>
+            <a:ext cx="5194770" cy="3633047"/>
           </a:xfrm>
         </p:spPr>
         <p:txBody>
@@ -1781,7 +1776,7 @@
         </p:nvSpPr>
         <p:spPr>
           <a:xfrm>
-            <a:off x="581193" y="729658"/>
+            <a:off x="581197" y="729659"/>
             <a:ext cx="11029616" cy="988332"/>
           </a:xfrm>
         </p:spPr>
@@ -1809,8 +1804,8 @@
         </p:nvSpPr>
         <p:spPr>
           <a:xfrm>
-            <a:off x="581191" y="2250891"/>
-            <a:ext cx="5194769" cy="557784"/>
+            <a:off x="581195" y="2250891"/>
+            <a:ext cx="5194770" cy="557784"/>
           </a:xfrm>
         </p:spPr>
         <p:txBody>
@@ -1829,35 +1824,35 @@
                 </a:solidFill>
               </a:defRPr>
             </a:lvl1pPr>
-            <a:lvl2pPr marL="457200" indent="0">
+            <a:lvl2pPr marL="457211" indent="0">
               <a:buNone/>
               <a:defRPr sz="2000" b="1"/>
             </a:lvl2pPr>
-            <a:lvl3pPr marL="914400" indent="0">
-              <a:buNone/>
-              <a:defRPr sz="1800" b="1"/>
+            <a:lvl3pPr marL="914424" indent="0">
+              <a:buNone/>
+              <a:defRPr sz="1801" b="1"/>
             </a:lvl3pPr>
-            <a:lvl4pPr marL="1371600" indent="0">
+            <a:lvl4pPr marL="1371635" indent="0">
               <a:buNone/>
               <a:defRPr sz="1600" b="1"/>
             </a:lvl4pPr>
-            <a:lvl5pPr marL="1828800" indent="0">
+            <a:lvl5pPr marL="1828846" indent="0">
               <a:buNone/>
               <a:defRPr sz="1600" b="1"/>
             </a:lvl5pPr>
-            <a:lvl6pPr marL="2286000" indent="0">
+            <a:lvl6pPr marL="2286057" indent="0">
               <a:buNone/>
               <a:defRPr sz="1600" b="1"/>
             </a:lvl6pPr>
-            <a:lvl7pPr marL="2743200" indent="0">
+            <a:lvl7pPr marL="2743270" indent="0">
               <a:buNone/>
               <a:defRPr sz="1600" b="1"/>
             </a:lvl7pPr>
-            <a:lvl8pPr marL="3200400" indent="0">
+            <a:lvl8pPr marL="3200481" indent="0">
               <a:buNone/>
               <a:defRPr sz="1600" b="1"/>
             </a:lvl8pPr>
-            <a:lvl9pPr marL="3657600" indent="0">
+            <a:lvl9pPr marL="3657690" indent="0">
               <a:buNone/>
               <a:defRPr sz="1600" b="1"/>
             </a:lvl9pPr>
@@ -1883,7 +1878,7 @@
         </p:nvSpPr>
         <p:spPr>
           <a:xfrm>
-            <a:off x="581194" y="2926052"/>
+            <a:off x="581197" y="2926058"/>
             <a:ext cx="5194766" cy="2934999"/>
           </a:xfrm>
         </p:spPr>
@@ -1942,7 +1937,7 @@
         </p:nvSpPr>
         <p:spPr>
           <a:xfrm>
-            <a:off x="6416039" y="2250892"/>
+            <a:off x="6416041" y="2250899"/>
             <a:ext cx="5194770" cy="553373"/>
           </a:xfrm>
         </p:spPr>
@@ -1951,7 +1946,7 @@
             <a:noAutofit/>
           </a:bodyPr>
           <a:lstStyle>
-            <a:lvl1pPr marL="0" marR="0" indent="0" algn="l" defTabSz="457200" rtl="0" eaLnBrk="1" fontAlgn="auto" latinLnBrk="0" hangingPunct="1">
+            <a:lvl1pPr marL="0" marR="0" indent="0" algn="l" defTabSz="457211" rtl="0" eaLnBrk="1" fontAlgn="auto" latinLnBrk="0" hangingPunct="1">
               <a:lnSpc>
                 <a:spcPct val="100000"/>
               </a:lnSpc>
@@ -1959,7 +1954,7 @@
                 <a:spcPct val="20000"/>
               </a:spcBef>
               <a:spcAft>
-                <a:spcPts val="600"/>
+                <a:spcPts val="601"/>
               </a:spcAft>
               <a:buClr>
                 <a:schemeClr val="accent1"/>
@@ -1977,41 +1972,41 @@
                 </a:solidFill>
               </a:defRPr>
             </a:lvl1pPr>
-            <a:lvl2pPr marL="457200" indent="0">
+            <a:lvl2pPr marL="457211" indent="0">
               <a:buNone/>
               <a:defRPr sz="2000" b="1"/>
             </a:lvl2pPr>
-            <a:lvl3pPr marL="914400" indent="0">
-              <a:buNone/>
-              <a:defRPr sz="1800" b="1"/>
+            <a:lvl3pPr marL="914424" indent="0">
+              <a:buNone/>
+              <a:defRPr sz="1801" b="1"/>
             </a:lvl3pPr>
-            <a:lvl4pPr marL="1371600" indent="0">
+            <a:lvl4pPr marL="1371635" indent="0">
               <a:buNone/>
               <a:defRPr sz="1600" b="1"/>
             </a:lvl4pPr>
-            <a:lvl5pPr marL="1828800" indent="0">
+            <a:lvl5pPr marL="1828846" indent="0">
               <a:buNone/>
               <a:defRPr sz="1600" b="1"/>
             </a:lvl5pPr>
-            <a:lvl6pPr marL="2286000" indent="0">
+            <a:lvl6pPr marL="2286057" indent="0">
               <a:buNone/>
               <a:defRPr sz="1600" b="1"/>
             </a:lvl6pPr>
-            <a:lvl7pPr marL="2743200" indent="0">
+            <a:lvl7pPr marL="2743270" indent="0">
               <a:buNone/>
               <a:defRPr sz="1600" b="1"/>
             </a:lvl7pPr>
-            <a:lvl8pPr marL="3200400" indent="0">
+            <a:lvl8pPr marL="3200481" indent="0">
               <a:buNone/>
               <a:defRPr sz="1600" b="1"/>
             </a:lvl8pPr>
-            <a:lvl9pPr marL="3657600" indent="0">
+            <a:lvl9pPr marL="3657690" indent="0">
               <a:buNone/>
               <a:defRPr sz="1600" b="1"/>
             </a:lvl9pPr>
           </a:lstStyle>
           <a:p>
-            <a:pPr marL="0" marR="0" lvl="0" indent="0" algn="l" defTabSz="457200" rtl="0" eaLnBrk="1" fontAlgn="auto" latinLnBrk="0" hangingPunct="1">
+            <a:pPr marL="0" marR="0" lvl="0" indent="0" algn="l" defTabSz="457211" rtl="0" eaLnBrk="1" fontAlgn="auto" latinLnBrk="0" hangingPunct="1">
               <a:lnSpc>
                 <a:spcPct val="100000"/>
               </a:lnSpc>
@@ -2019,7 +2014,7 @@
                 <a:spcPct val="20000"/>
               </a:spcBef>
               <a:spcAft>
-                <a:spcPts val="600"/>
+                <a:spcPts val="601"/>
               </a:spcAft>
               <a:buClr>
                 <a:schemeClr val="accent1"/>
@@ -2049,8 +2044,8 @@
         </p:nvSpPr>
         <p:spPr>
           <a:xfrm>
-            <a:off x="6416037" y="2926052"/>
-            <a:ext cx="5194771" cy="2934999"/>
+            <a:off x="6416039" y="2926058"/>
+            <a:ext cx="5194770" cy="2934999"/>
           </a:xfrm>
         </p:spPr>
         <p:txBody>
@@ -2203,7 +2198,7 @@
         </p:nvSpPr>
         <p:spPr>
           <a:xfrm>
-            <a:off x="575894" y="729658"/>
+            <a:off x="575901" y="729659"/>
             <a:ext cx="11029616" cy="988332"/>
           </a:xfrm>
         </p:spPr>
@@ -2419,8 +2414,8 @@
         </p:nvSpPr>
         <p:spPr>
           <a:xfrm>
-            <a:off x="447817" y="601200"/>
-            <a:ext cx="3682723" cy="5815475"/>
+            <a:off x="447819" y="601204"/>
+            <a:ext cx="3682722" cy="5815475"/>
           </a:xfrm>
           <a:prstGeom prst="rect">
             <a:avLst/>
@@ -2460,7 +2455,7 @@
         </p:nvSpPr>
         <p:spPr>
           <a:xfrm>
-            <a:off x="767857" y="933450"/>
+            <a:off x="767862" y="933457"/>
             <a:ext cx="3031852" cy="1722419"/>
           </a:xfrm>
         </p:spPr>
@@ -2498,8 +2493,8 @@
         </p:nvSpPr>
         <p:spPr>
           <a:xfrm>
-            <a:off x="4900928" y="1179829"/>
-            <a:ext cx="6650991" cy="4658216"/>
+            <a:off x="4900932" y="1179829"/>
+            <a:ext cx="6650990" cy="4658216"/>
           </a:xfrm>
         </p:spPr>
         <p:txBody>
@@ -2515,7 +2510,7 @@
               </a:defRPr>
             </a:lvl1pPr>
             <a:lvl2pPr>
-              <a:defRPr sz="1800">
+              <a:defRPr sz="1801">
                 <a:solidFill>
                   <a:schemeClr val="tx2"/>
                 </a:solidFill>
@@ -2529,42 +2524,42 @@
               </a:defRPr>
             </a:lvl3pPr>
             <a:lvl4pPr>
-              <a:defRPr sz="1400">
+              <a:defRPr sz="1401">
                 <a:solidFill>
                   <a:schemeClr val="tx2"/>
                 </a:solidFill>
               </a:defRPr>
             </a:lvl4pPr>
             <a:lvl5pPr>
-              <a:defRPr sz="1400">
+              <a:defRPr sz="1401">
                 <a:solidFill>
                   <a:schemeClr val="tx2"/>
                 </a:solidFill>
               </a:defRPr>
             </a:lvl5pPr>
             <a:lvl6pPr>
-              <a:defRPr sz="1400">
+              <a:defRPr sz="1401">
                 <a:solidFill>
                   <a:schemeClr val="tx2"/>
                 </a:solidFill>
               </a:defRPr>
             </a:lvl6pPr>
             <a:lvl7pPr>
-              <a:defRPr sz="1400">
+              <a:defRPr sz="1401">
                 <a:solidFill>
                   <a:schemeClr val="tx2"/>
                 </a:solidFill>
               </a:defRPr>
             </a:lvl7pPr>
             <a:lvl8pPr>
-              <a:defRPr sz="1400">
+              <a:defRPr sz="1401">
                 <a:solidFill>
                   <a:schemeClr val="tx2"/>
                 </a:solidFill>
               </a:defRPr>
             </a:lvl8pPr>
             <a:lvl9pPr>
-              <a:defRPr sz="1400">
+              <a:defRPr sz="1401">
                 <a:solidFill>
                   <a:schemeClr val="tx2"/>
                 </a:solidFill>
@@ -2621,7 +2616,7 @@
         </p:nvSpPr>
         <p:spPr>
           <a:xfrm>
-            <a:off x="767857" y="2836654"/>
+            <a:off x="767862" y="2836654"/>
             <a:ext cx="3031852" cy="3001392"/>
           </a:xfrm>
         </p:spPr>
@@ -2638,35 +2633,35 @@
                 </a:solidFill>
               </a:defRPr>
             </a:lvl1pPr>
-            <a:lvl2pPr marL="457200" indent="0">
+            <a:lvl2pPr marL="457211" indent="0">
               <a:buNone/>
               <a:defRPr sz="1100"/>
             </a:lvl2pPr>
-            <a:lvl3pPr marL="914400" indent="0">
-              <a:buNone/>
-              <a:defRPr sz="1000"/>
+            <a:lvl3pPr marL="914424" indent="0">
+              <a:buNone/>
+              <a:defRPr sz="1001"/>
             </a:lvl3pPr>
-            <a:lvl4pPr marL="1371600" indent="0">
+            <a:lvl4pPr marL="1371635" indent="0">
               <a:buNone/>
               <a:defRPr sz="900"/>
             </a:lvl4pPr>
-            <a:lvl5pPr marL="1828800" indent="0">
+            <a:lvl5pPr marL="1828846" indent="0">
               <a:buNone/>
               <a:defRPr sz="900"/>
             </a:lvl5pPr>
-            <a:lvl6pPr marL="2286000" indent="0">
+            <a:lvl6pPr marL="2286057" indent="0">
               <a:buNone/>
               <a:defRPr sz="900"/>
             </a:lvl6pPr>
-            <a:lvl7pPr marL="2743200" indent="0">
+            <a:lvl7pPr marL="2743270" indent="0">
               <a:buNone/>
               <a:defRPr sz="900"/>
             </a:lvl7pPr>
-            <a:lvl8pPr marL="3200400" indent="0">
+            <a:lvl8pPr marL="3200481" indent="0">
               <a:buNone/>
               <a:defRPr sz="900"/>
             </a:lvl8pPr>
-            <a:lvl9pPr marL="3657600" indent="0">
+            <a:lvl9pPr marL="3657690" indent="0">
               <a:buNone/>
               <a:defRPr sz="900"/>
             </a:lvl9pPr>
@@ -2698,8 +2693,8 @@
         </p:nvSpPr>
         <p:spPr>
           <a:xfrm>
-            <a:off x="7605951" y="6456916"/>
-            <a:ext cx="2844799" cy="365125"/>
+            <a:off x="7605958" y="6456923"/>
+            <a:ext cx="2844798" cy="365125"/>
           </a:xfrm>
         </p:spPr>
         <p:txBody>
@@ -2732,8 +2727,8 @@
         </p:nvSpPr>
         <p:spPr>
           <a:xfrm>
-            <a:off x="581192" y="6452590"/>
-            <a:ext cx="6917210" cy="365125"/>
+            <a:off x="581197" y="6452597"/>
+            <a:ext cx="6917211" cy="365125"/>
           </a:xfrm>
         </p:spPr>
         <p:txBody>
@@ -2762,7 +2757,7 @@
         </p:nvSpPr>
         <p:spPr>
           <a:xfrm>
-            <a:off x="10558300" y="6456916"/>
+            <a:off x="10558303" y="6456923"/>
             <a:ext cx="1052510" cy="365125"/>
           </a:xfrm>
         </p:spPr>
@@ -2821,7 +2816,7 @@
         </p:nvSpPr>
         <p:spPr>
           <a:xfrm>
-            <a:off x="581193" y="4693389"/>
+            <a:off x="581197" y="4693390"/>
             <a:ext cx="11029616" cy="566738"/>
           </a:xfrm>
         </p:spPr>
@@ -2862,7 +2857,7 @@
         </p:nvSpPr>
         <p:spPr>
           <a:xfrm>
-            <a:off x="447817" y="641350"/>
+            <a:off x="447820" y="641357"/>
             <a:ext cx="11290859" cy="3651249"/>
           </a:xfrm>
         </p:spPr>
@@ -2875,35 +2870,35 @@
               <a:buNone/>
               <a:defRPr sz="1600"/>
             </a:lvl1pPr>
-            <a:lvl2pPr marL="457200" indent="0">
+            <a:lvl2pPr marL="457211" indent="0">
               <a:buNone/>
               <a:defRPr sz="1600"/>
             </a:lvl2pPr>
-            <a:lvl3pPr marL="914400" indent="0">
+            <a:lvl3pPr marL="914424" indent="0">
               <a:buNone/>
               <a:defRPr sz="1600"/>
             </a:lvl3pPr>
-            <a:lvl4pPr marL="1371600" indent="0">
+            <a:lvl4pPr marL="1371635" indent="0">
               <a:buNone/>
               <a:defRPr sz="1600"/>
             </a:lvl4pPr>
-            <a:lvl5pPr marL="1828800" indent="0">
+            <a:lvl5pPr marL="1828846" indent="0">
               <a:buNone/>
               <a:defRPr sz="1600"/>
             </a:lvl5pPr>
-            <a:lvl6pPr marL="2286000" indent="0">
+            <a:lvl6pPr marL="2286057" indent="0">
               <a:buNone/>
               <a:defRPr sz="1600"/>
             </a:lvl6pPr>
-            <a:lvl7pPr marL="2743200" indent="0">
+            <a:lvl7pPr marL="2743270" indent="0">
               <a:buNone/>
               <a:defRPr sz="1600"/>
             </a:lvl7pPr>
-            <a:lvl8pPr marL="3200400" indent="0">
+            <a:lvl8pPr marL="3200481" indent="0">
               <a:buNone/>
               <a:defRPr sz="1600"/>
             </a:lvl8pPr>
-            <a:lvl9pPr marL="3657600" indent="0">
+            <a:lvl9pPr marL="3657690" indent="0">
               <a:buNone/>
               <a:defRPr sz="1600"/>
             </a:lvl9pPr>
@@ -2929,8 +2924,8 @@
         </p:nvSpPr>
         <p:spPr>
           <a:xfrm>
-            <a:off x="581192" y="5260127"/>
-            <a:ext cx="11029617" cy="998148"/>
+            <a:off x="581195" y="5260127"/>
+            <a:ext cx="11029618" cy="998148"/>
           </a:xfrm>
         </p:spPr>
         <p:txBody>
@@ -2942,35 +2937,35 @@
               <a:buNone/>
               <a:defRPr sz="1600"/>
             </a:lvl1pPr>
-            <a:lvl2pPr marL="457200" indent="0">
+            <a:lvl2pPr marL="457211" indent="0">
               <a:buNone/>
               <a:defRPr sz="1200"/>
             </a:lvl2pPr>
-            <a:lvl3pPr marL="914400" indent="0">
-              <a:buNone/>
-              <a:defRPr sz="1000"/>
+            <a:lvl3pPr marL="914424" indent="0">
+              <a:buNone/>
+              <a:defRPr sz="1001"/>
             </a:lvl3pPr>
-            <a:lvl4pPr marL="1371600" indent="0">
+            <a:lvl4pPr marL="1371635" indent="0">
               <a:buNone/>
               <a:defRPr sz="900"/>
             </a:lvl4pPr>
-            <a:lvl5pPr marL="1828800" indent="0">
+            <a:lvl5pPr marL="1828846" indent="0">
               <a:buNone/>
               <a:defRPr sz="900"/>
             </a:lvl5pPr>
-            <a:lvl6pPr marL="2286000" indent="0">
+            <a:lvl6pPr marL="2286057" indent="0">
               <a:buNone/>
               <a:defRPr sz="900"/>
             </a:lvl6pPr>
-            <a:lvl7pPr marL="2743200" indent="0">
+            <a:lvl7pPr marL="2743270" indent="0">
               <a:buNone/>
               <a:defRPr sz="900"/>
             </a:lvl7pPr>
-            <a:lvl8pPr marL="3200400" indent="0">
+            <a:lvl8pPr marL="3200481" indent="0">
               <a:buNone/>
               <a:defRPr sz="900"/>
             </a:lvl8pPr>
-            <a:lvl9pPr marL="3657600" indent="0">
+            <a:lvl9pPr marL="3657690" indent="0">
               <a:buNone/>
               <a:defRPr sz="900"/>
             </a:lvl9pPr>
@@ -3097,7 +3092,7 @@
         </p:nvSpPr>
         <p:spPr>
           <a:xfrm>
-            <a:off x="581192" y="705124"/>
+            <a:off x="581197" y="705125"/>
             <a:ext cx="11029616" cy="1189554"/>
           </a:xfrm>
           <a:prstGeom prst="rect">
@@ -3130,7 +3125,7 @@
         </p:nvSpPr>
         <p:spPr>
           <a:xfrm>
-            <a:off x="581192" y="2336002"/>
+            <a:off x="581197" y="2336006"/>
             <a:ext cx="11029616" cy="3652047"/>
           </a:xfrm>
           <a:prstGeom prst="rect">
@@ -3192,8 +3187,8 @@
         </p:nvSpPr>
         <p:spPr>
           <a:xfrm>
-            <a:off x="7605951" y="6423914"/>
-            <a:ext cx="2844799" cy="365125"/>
+            <a:off x="7605958" y="6423921"/>
+            <a:ext cx="2844798" cy="365125"/>
           </a:xfrm>
           <a:prstGeom prst="rect">
             <a:avLst/>
@@ -3234,8 +3229,8 @@
         </p:nvSpPr>
         <p:spPr>
           <a:xfrm>
-            <a:off x="581192" y="6423914"/>
-            <a:ext cx="6917210" cy="365125"/>
+            <a:off x="581197" y="6423921"/>
+            <a:ext cx="6917211" cy="365125"/>
           </a:xfrm>
           <a:prstGeom prst="rect">
             <a:avLst/>
@@ -3272,7 +3267,7 @@
         </p:nvSpPr>
         <p:spPr>
           <a:xfrm>
-            <a:off x="10558300" y="6423914"/>
+            <a:off x="10558303" y="6423921"/>
             <a:ext cx="1052510" cy="365125"/>
           </a:xfrm>
           <a:prstGeom prst="rect">
@@ -3310,8 +3305,8 @@
         </p:nvSpPr>
         <p:spPr>
           <a:xfrm>
-            <a:off x="446534" y="457200"/>
-            <a:ext cx="3703320" cy="94997"/>
+            <a:off x="446535" y="457203"/>
+            <a:ext cx="3703321" cy="94997"/>
           </a:xfrm>
           <a:prstGeom prst="rect">
             <a:avLst/>
@@ -3347,8 +3342,8 @@
         </p:nvSpPr>
         <p:spPr>
           <a:xfrm>
-            <a:off x="8042147" y="453643"/>
-            <a:ext cx="3703320" cy="98554"/>
+            <a:off x="8042146" y="453645"/>
+            <a:ext cx="3703321" cy="98554"/>
           </a:xfrm>
           <a:prstGeom prst="rect">
             <a:avLst/>
@@ -3384,8 +3379,8 @@
         </p:nvSpPr>
         <p:spPr>
           <a:xfrm>
-            <a:off x="4241830" y="457200"/>
-            <a:ext cx="3703320" cy="91440"/>
+            <a:off x="4241831" y="457200"/>
+            <a:ext cx="3703321" cy="91440"/>
           </a:xfrm>
           <a:prstGeom prst="rect">
             <a:avLst/>
@@ -3437,7 +3432,7 @@
   <p:hf sldNum="0" hdr="0" ftr="0" dt="0"/>
   <p:txStyles>
     <p:titleStyle>
-      <a:lvl1pPr algn="l" defTabSz="457200" rtl="0" eaLnBrk="1" latinLnBrk="0" hangingPunct="1">
+      <a:lvl1pPr algn="l" defTabSz="457211" rtl="0" eaLnBrk="1" latinLnBrk="0" hangingPunct="1">
         <a:lnSpc>
           <a:spcPct val="100000"/>
         </a:lnSpc>
@@ -3515,7 +3510,7 @@
       </a:lvl9pPr>
     </p:titleStyle>
     <p:bodyStyle>
-      <a:lvl1pPr marL="306000" indent="-306000" algn="l" defTabSz="457200" rtl="0" eaLnBrk="1" latinLnBrk="0" hangingPunct="1">
+      <a:lvl1pPr marL="306009" indent="-306009" algn="l" defTabSz="457211" rtl="0" eaLnBrk="1" latinLnBrk="0" hangingPunct="1">
         <a:lnSpc>
           <a:spcPct val="110000"/>
         </a:lnSpc>
@@ -3523,7 +3518,7 @@
           <a:spcPct val="20000"/>
         </a:spcBef>
         <a:spcAft>
-          <a:spcPts val="600"/>
+          <a:spcPts val="601"/>
         </a:spcAft>
         <a:buClr>
           <a:schemeClr val="accent1"/>
@@ -3543,12 +3538,12 @@
           <a:cs typeface="+mn-cs"/>
         </a:defRPr>
       </a:lvl1pPr>
-      <a:lvl2pPr marL="630000" indent="-306000" algn="l" defTabSz="457200" rtl="0" eaLnBrk="1" latinLnBrk="0" hangingPunct="1">
+      <a:lvl2pPr marL="630017" indent="-306009" algn="l" defTabSz="457211" rtl="0" eaLnBrk="1" latinLnBrk="0" hangingPunct="1">
         <a:spcBef>
           <a:spcPct val="20000"/>
         </a:spcBef>
         <a:spcAft>
-          <a:spcPts val="600"/>
+          <a:spcPts val="601"/>
         </a:spcAft>
         <a:buClr>
           <a:schemeClr val="accent1"/>
@@ -3556,7 +3551,7 @@
         <a:buSzPct val="92000"/>
         <a:buFont typeface="Wingdings 2" panose="05020102010507070707" pitchFamily="18" charset="2"/>
         <a:buChar char=""/>
-        <a:defRPr sz="1400" kern="1200">
+        <a:defRPr sz="1401" kern="1200">
           <a:solidFill>
             <a:schemeClr val="tx1">
               <a:lumMod val="75000"/>
@@ -3568,12 +3563,12 @@
           <a:cs typeface="+mn-cs"/>
         </a:defRPr>
       </a:lvl2pPr>
-      <a:lvl3pPr marL="900000" indent="-270000" algn="l" defTabSz="457200" rtl="0" eaLnBrk="1" latinLnBrk="0" hangingPunct="1">
+      <a:lvl3pPr marL="900022" indent="-270007" algn="l" defTabSz="457211" rtl="0" eaLnBrk="1" latinLnBrk="0" hangingPunct="1">
         <a:spcBef>
           <a:spcPct val="20000"/>
         </a:spcBef>
         <a:spcAft>
-          <a:spcPts val="600"/>
+          <a:spcPts val="601"/>
         </a:spcAft>
         <a:buClr>
           <a:schemeClr val="accent1"/>
@@ -3593,12 +3588,12 @@
           <a:cs typeface="+mn-cs"/>
         </a:defRPr>
       </a:lvl3pPr>
-      <a:lvl4pPr marL="1242000" indent="-234000" algn="l" defTabSz="457200" rtl="0" eaLnBrk="1" latinLnBrk="0" hangingPunct="1">
+      <a:lvl4pPr marL="1242030" indent="-234005" algn="l" defTabSz="457211" rtl="0" eaLnBrk="1" latinLnBrk="0" hangingPunct="1">
         <a:spcBef>
           <a:spcPct val="20000"/>
         </a:spcBef>
         <a:spcAft>
-          <a:spcPts val="600"/>
+          <a:spcPts val="601"/>
         </a:spcAft>
         <a:buClr>
           <a:schemeClr val="accent1"/>
@@ -3618,12 +3613,12 @@
           <a:cs typeface="+mn-cs"/>
         </a:defRPr>
       </a:lvl4pPr>
-      <a:lvl5pPr marL="1602000" indent="-234000" algn="l" defTabSz="457200" rtl="0" eaLnBrk="1" latinLnBrk="0" hangingPunct="1">
+      <a:lvl5pPr marL="1602041" indent="-234005" algn="l" defTabSz="457211" rtl="0" eaLnBrk="1" latinLnBrk="0" hangingPunct="1">
         <a:spcBef>
           <a:spcPct val="20000"/>
         </a:spcBef>
         <a:spcAft>
-          <a:spcPts val="600"/>
+          <a:spcPts val="601"/>
         </a:spcAft>
         <a:buClr>
           <a:schemeClr val="accent1"/>
@@ -3643,12 +3638,12 @@
           <a:cs typeface="+mn-cs"/>
         </a:defRPr>
       </a:lvl5pPr>
-      <a:lvl6pPr marL="1900000" indent="-228600" algn="l" defTabSz="457200" rtl="0" eaLnBrk="1" latinLnBrk="0" hangingPunct="1">
+      <a:lvl6pPr marL="1900049" indent="-228606" algn="l" defTabSz="457211" rtl="0" eaLnBrk="1" latinLnBrk="0" hangingPunct="1">
         <a:spcBef>
           <a:spcPct val="20000"/>
         </a:spcBef>
         <a:spcAft>
-          <a:spcPts val="600"/>
+          <a:spcPts val="601"/>
         </a:spcAft>
         <a:buClr>
           <a:schemeClr val="accent2"/>
@@ -3665,12 +3660,12 @@
           <a:cs typeface="+mn-cs"/>
         </a:defRPr>
       </a:lvl6pPr>
-      <a:lvl7pPr marL="2200000" indent="-228600" algn="l" defTabSz="457200" rtl="0" eaLnBrk="1" latinLnBrk="0" hangingPunct="1">
+      <a:lvl7pPr marL="2200056" indent="-228606" algn="l" defTabSz="457211" rtl="0" eaLnBrk="1" latinLnBrk="0" hangingPunct="1">
         <a:spcBef>
           <a:spcPct val="20000"/>
         </a:spcBef>
         <a:spcAft>
-          <a:spcPts val="600"/>
+          <a:spcPts val="601"/>
         </a:spcAft>
         <a:buClr>
           <a:schemeClr val="accent2"/>
@@ -3687,12 +3682,12 @@
           <a:cs typeface="+mn-cs"/>
         </a:defRPr>
       </a:lvl7pPr>
-      <a:lvl8pPr marL="2500000" indent="-228600" algn="l" defTabSz="457200" rtl="0" eaLnBrk="1" latinLnBrk="0" hangingPunct="1">
+      <a:lvl8pPr marL="2500061" indent="-228606" algn="l" defTabSz="457211" rtl="0" eaLnBrk="1" latinLnBrk="0" hangingPunct="1">
         <a:spcBef>
           <a:spcPct val="20000"/>
         </a:spcBef>
         <a:spcAft>
-          <a:spcPts val="600"/>
+          <a:spcPts val="601"/>
         </a:spcAft>
         <a:buClr>
           <a:schemeClr val="accent2"/>
@@ -3709,12 +3704,12 @@
           <a:cs typeface="+mn-cs"/>
         </a:defRPr>
       </a:lvl8pPr>
-      <a:lvl9pPr marL="2800000" indent="-228600" algn="l" defTabSz="457200" rtl="0" eaLnBrk="1" latinLnBrk="0" hangingPunct="1">
+      <a:lvl9pPr marL="2800069" indent="-228606" algn="l" defTabSz="457211" rtl="0" eaLnBrk="1" latinLnBrk="0" hangingPunct="1">
         <a:spcBef>
           <a:spcPct val="20000"/>
         </a:spcBef>
         <a:spcAft>
-          <a:spcPts val="600"/>
+          <a:spcPts val="601"/>
         </a:spcAft>
         <a:buClr>
           <a:schemeClr val="accent2"/>
@@ -3736,8 +3731,8 @@
       <a:defPPr>
         <a:defRPr lang="en-US"/>
       </a:defPPr>
-      <a:lvl1pPr marL="0" algn="l" defTabSz="457200" rtl="0" eaLnBrk="1" latinLnBrk="0" hangingPunct="1">
-        <a:defRPr sz="1800" kern="1200">
+      <a:lvl1pPr marL="0" algn="l" defTabSz="457211" rtl="0" eaLnBrk="1" latinLnBrk="0" hangingPunct="1">
+        <a:defRPr sz="1801" kern="1200">
           <a:solidFill>
             <a:schemeClr val="tx1"/>
           </a:solidFill>
@@ -3746,8 +3741,8 @@
           <a:cs typeface="+mn-cs"/>
         </a:defRPr>
       </a:lvl1pPr>
-      <a:lvl2pPr marL="457200" algn="l" defTabSz="457200" rtl="0" eaLnBrk="1" latinLnBrk="0" hangingPunct="1">
-        <a:defRPr sz="1800" kern="1200">
+      <a:lvl2pPr marL="457211" algn="l" defTabSz="457211" rtl="0" eaLnBrk="1" latinLnBrk="0" hangingPunct="1">
+        <a:defRPr sz="1801" kern="1200">
           <a:solidFill>
             <a:schemeClr val="tx1"/>
           </a:solidFill>
@@ -3756,8 +3751,8 @@
           <a:cs typeface="+mn-cs"/>
         </a:defRPr>
       </a:lvl2pPr>
-      <a:lvl3pPr marL="914400" algn="l" defTabSz="457200" rtl="0" eaLnBrk="1" latinLnBrk="0" hangingPunct="1">
-        <a:defRPr sz="1800" kern="1200">
+      <a:lvl3pPr marL="914424" algn="l" defTabSz="457211" rtl="0" eaLnBrk="1" latinLnBrk="0" hangingPunct="1">
+        <a:defRPr sz="1801" kern="1200">
           <a:solidFill>
             <a:schemeClr val="tx1"/>
           </a:solidFill>
@@ -3766,8 +3761,8 @@
           <a:cs typeface="+mn-cs"/>
         </a:defRPr>
       </a:lvl3pPr>
-      <a:lvl4pPr marL="1371600" algn="l" defTabSz="457200" rtl="0" eaLnBrk="1" latinLnBrk="0" hangingPunct="1">
-        <a:defRPr sz="1800" kern="1200">
+      <a:lvl4pPr marL="1371635" algn="l" defTabSz="457211" rtl="0" eaLnBrk="1" latinLnBrk="0" hangingPunct="1">
+        <a:defRPr sz="1801" kern="1200">
           <a:solidFill>
             <a:schemeClr val="tx1"/>
           </a:solidFill>
@@ -3776,8 +3771,8 @@
           <a:cs typeface="+mn-cs"/>
         </a:defRPr>
       </a:lvl4pPr>
-      <a:lvl5pPr marL="1828800" algn="l" defTabSz="457200" rtl="0" eaLnBrk="1" latinLnBrk="0" hangingPunct="1">
-        <a:defRPr sz="1800" kern="1200">
+      <a:lvl5pPr marL="1828846" algn="l" defTabSz="457211" rtl="0" eaLnBrk="1" latinLnBrk="0" hangingPunct="1">
+        <a:defRPr sz="1801" kern="1200">
           <a:solidFill>
             <a:schemeClr val="tx1"/>
           </a:solidFill>
@@ -3786,8 +3781,8 @@
           <a:cs typeface="+mn-cs"/>
         </a:defRPr>
       </a:lvl5pPr>
-      <a:lvl6pPr marL="2286000" algn="l" defTabSz="457200" rtl="0" eaLnBrk="1" latinLnBrk="0" hangingPunct="1">
-        <a:defRPr sz="1800" kern="1200">
+      <a:lvl6pPr marL="2286057" algn="l" defTabSz="457211" rtl="0" eaLnBrk="1" latinLnBrk="0" hangingPunct="1">
+        <a:defRPr sz="1801" kern="1200">
           <a:solidFill>
             <a:schemeClr val="tx1"/>
           </a:solidFill>
@@ -3796,8 +3791,8 @@
           <a:cs typeface="+mn-cs"/>
         </a:defRPr>
       </a:lvl6pPr>
-      <a:lvl7pPr marL="2743200" algn="l" defTabSz="457200" rtl="0" eaLnBrk="1" latinLnBrk="0" hangingPunct="1">
-        <a:defRPr sz="1800" kern="1200">
+      <a:lvl7pPr marL="2743270" algn="l" defTabSz="457211" rtl="0" eaLnBrk="1" latinLnBrk="0" hangingPunct="1">
+        <a:defRPr sz="1801" kern="1200">
           <a:solidFill>
             <a:schemeClr val="tx1"/>
           </a:solidFill>
@@ -3806,8 +3801,8 @@
           <a:cs typeface="+mn-cs"/>
         </a:defRPr>
       </a:lvl7pPr>
-      <a:lvl8pPr marL="3200400" algn="l" defTabSz="457200" rtl="0" eaLnBrk="1" latinLnBrk="0" hangingPunct="1">
-        <a:defRPr sz="1800" kern="1200">
+      <a:lvl8pPr marL="3200481" algn="l" defTabSz="457211" rtl="0" eaLnBrk="1" latinLnBrk="0" hangingPunct="1">
+        <a:defRPr sz="1801" kern="1200">
           <a:solidFill>
             <a:schemeClr val="tx1"/>
           </a:solidFill>
@@ -3816,8 +3811,8 @@
           <a:cs typeface="+mn-cs"/>
         </a:defRPr>
       </a:lvl8pPr>
-      <a:lvl9pPr marL="3657600" algn="l" defTabSz="457200" rtl="0" eaLnBrk="1" latinLnBrk="0" hangingPunct="1">
-        <a:defRPr sz="1800" kern="1200">
+      <a:lvl9pPr marL="3657690" algn="l" defTabSz="457211" rtl="0" eaLnBrk="1" latinLnBrk="0" hangingPunct="1">
+        <a:defRPr sz="1801" kern="1200">
           <a:solidFill>
             <a:schemeClr val="tx1"/>
           </a:solidFill>
@@ -3881,7 +3876,7 @@
         </p:nvSpPr>
         <p:spPr>
           <a:xfrm>
-            <a:off x="0" y="0"/>
+            <a:off x="0" y="4"/>
             <a:ext cx="12192000" cy="6858000"/>
           </a:xfrm>
           <a:prstGeom prst="rect">
@@ -3912,7 +3907,7 @@
           <a:lstStyle/>
           <a:p>
             <a:pPr algn="ctr"/>
-            <a:endParaRPr lang="en-US"/>
+            <a:endParaRPr lang="en-US" sz="1801"/>
           </a:p>
         </p:txBody>
       </p:sp>
@@ -3934,8 +3929,8 @@
         </p:nvSpPr>
         <p:spPr>
           <a:xfrm>
-            <a:off x="4579243" y="1419225"/>
-            <a:ext cx="6798608" cy="2346136"/>
+            <a:off x="4579247" y="1419228"/>
+            <a:ext cx="6798608" cy="2346137"/>
           </a:xfrm>
         </p:spPr>
         <p:txBody>
@@ -3979,8 +3974,8 @@
         </p:nvSpPr>
         <p:spPr>
           <a:xfrm>
-            <a:off x="4579243" y="3829878"/>
-            <a:ext cx="6798608" cy="802511"/>
+            <a:off x="4579247" y="3829884"/>
+            <a:ext cx="6798608" cy="802510"/>
           </a:xfrm>
         </p:spPr>
         <p:txBody>
@@ -3990,7 +3985,7 @@
           <a:lstStyle/>
           <a:p>
             <a:r>
-              <a:rPr lang="en-US" sz="1800" b="1" dirty="0"/>
+              <a:rPr lang="en-US" sz="1801" b="1" dirty="0"/>
               <a:t>A system that handles IOT sensor events and execute routines for Lighting, whether control, Gate/Door Control and Security Systems</a:t>
             </a:r>
           </a:p>
@@ -4021,8 +4016,8 @@
         </p:nvSpPr>
         <p:spPr>
           <a:xfrm>
-            <a:off x="446534" y="457200"/>
-            <a:ext cx="3703320" cy="94997"/>
+            <a:off x="446535" y="457201"/>
+            <a:ext cx="3703321" cy="94997"/>
           </a:xfrm>
           <a:prstGeom prst="rect">
             <a:avLst/>
@@ -4075,8 +4070,8 @@
         </p:nvSpPr>
         <p:spPr>
           <a:xfrm>
-            <a:off x="4241830" y="457200"/>
-            <a:ext cx="3703320" cy="91440"/>
+            <a:off x="4241833" y="457204"/>
+            <a:ext cx="3703321" cy="91440"/>
           </a:xfrm>
           <a:prstGeom prst="rect">
             <a:avLst/>
@@ -4129,8 +4124,8 @@
         </p:nvSpPr>
         <p:spPr>
           <a:xfrm>
-            <a:off x="8042147" y="453643"/>
-            <a:ext cx="3703320" cy="98554"/>
+            <a:off x="8042148" y="453646"/>
+            <a:ext cx="3703321" cy="98555"/>
           </a:xfrm>
           <a:prstGeom prst="rect">
             <a:avLst/>
@@ -4158,44 +4153,6 @@
           </a:fontRef>
         </p:style>
       </p:sp>
-      <p:pic>
-        <p:nvPicPr>
-          <p:cNvPr id="5" name="Picture 4" descr="Icon&#10;&#10;Description automatically generated">
-            <a:extLst>
-              <a:ext uri="{FF2B5EF4-FFF2-40B4-BE49-F238E27FC236}">
-                <a16:creationId xmlns:a16="http://schemas.microsoft.com/office/drawing/2014/main" id="{334C6F93-C332-46DC-81D2-0BAB25F976F7}"/>
-              </a:ext>
-            </a:extLst>
-          </p:cNvPr>
-          <p:cNvPicPr>
-            <a:picLocks noChangeAspect="1"/>
-          </p:cNvPicPr>
-          <p:nvPr/>
-        </p:nvPicPr>
-        <p:blipFill>
-          <a:blip r:embed="rId2">
-            <a:duotone>
-              <a:schemeClr val="accent1">
-                <a:shade val="45000"/>
-                <a:satMod val="135000"/>
-              </a:schemeClr>
-              <a:prstClr val="white"/>
-            </a:duotone>
-          </a:blip>
-          <a:stretch>
-            <a:fillRect/>
-          </a:stretch>
-        </p:blipFill>
-        <p:spPr>
-          <a:xfrm>
-            <a:off x="774700" y="2053180"/>
-            <a:ext cx="3053422" cy="3045771"/>
-          </a:xfrm>
-          <a:prstGeom prst="rect">
-            <a:avLst/>
-          </a:prstGeom>
-        </p:spPr>
-      </p:pic>
       <p:sp>
         <p:nvSpPr>
           <p:cNvPr id="15" name="Subtitle 2">
@@ -4212,16 +4169,16 @@
         </p:nvSpPr>
         <p:spPr>
           <a:xfrm>
-            <a:off x="4459034" y="5945678"/>
-            <a:ext cx="7166225" cy="455122"/>
+            <a:off x="4253326" y="5945674"/>
+            <a:ext cx="7383655" cy="455122"/>
           </a:xfrm>
           <a:prstGeom prst="rect">
             <a:avLst/>
           </a:prstGeom>
         </p:spPr>
         <p:txBody>
-          <a:bodyPr vert="horz" lIns="91440" tIns="45720" rIns="91440" bIns="45720" rtlCol="0" anchor="t">
-            <a:normAutofit/>
+          <a:bodyPr vert="horz" lIns="91440" tIns="45721" rIns="91440" bIns="45721" rtlCol="0" anchor="t">
+            <a:normAutofit fontScale="47500" lnSpcReduction="20000"/>
           </a:bodyPr>
           <a:lstStyle>
             <a:lvl1pPr marL="0" indent="0" algn="l" defTabSz="457200" rtl="0" eaLnBrk="1" latinLnBrk="0" hangingPunct="1">
@@ -4449,12 +4406,12 @@
               </a:spcAft>
             </a:pPr>
             <a:r>
-              <a:rPr lang="en-US" b="1" dirty="0">
+              <a:rPr lang="en-US" sz="3300" b="1" dirty="0">
                 <a:solidFill>
                   <a:schemeClr val="tx1"/>
                 </a:solidFill>
               </a:rPr>
-              <a:t>Akhil Sudhakaran - 2021MT12054 - 2021mt12054@wilp.bits-pilani.ac.in</a:t>
+              <a:t>Akhil Sudhakaran  -  2021MT12054  -  2021mt12054@wilp.bits-pilani.ac.in</a:t>
             </a:r>
           </a:p>
           <a:p>
@@ -4467,77 +4424,12 @@
           </a:p>
         </p:txBody>
       </p:sp>
-    </p:spTree>
-    <p:extLst>
-      <p:ext uri="{BB962C8B-B14F-4D97-AF65-F5344CB8AC3E}">
-        <p14:creationId xmlns:p14="http://schemas.microsoft.com/office/powerpoint/2010/main" val="2475805559"/>
-      </p:ext>
-    </p:extLst>
-  </p:cSld>
-  <p:clrMapOvr>
-    <a:masterClrMapping/>
-  </p:clrMapOvr>
-</p:sld>
-</file>
-
-<file path=ppt/slides/slide10.xml><?xml version="1.0" encoding="utf-8"?>
-<p:sld xmlns:a="http://schemas.openxmlformats.org/drawingml/2006/main" xmlns:r="http://schemas.openxmlformats.org/officeDocument/2006/relationships" xmlns:p="http://schemas.openxmlformats.org/presentationml/2006/main">
-  <p:cSld>
-    <p:spTree>
-      <p:nvGrpSpPr>
-        <p:cNvPr id="1" name=""/>
-        <p:cNvGrpSpPr/>
-        <p:nvPr/>
-      </p:nvGrpSpPr>
-      <p:grpSpPr>
-        <a:xfrm>
-          <a:off x="0" y="0"/>
-          <a:ext cx="0" cy="0"/>
-          <a:chOff x="0" y="0"/>
-          <a:chExt cx="0" cy="0"/>
-        </a:xfrm>
-      </p:grpSpPr>
-      <p:sp>
-        <p:nvSpPr>
-          <p:cNvPr id="2" name="Title 1">
+      <p:pic>
+        <p:nvPicPr>
+          <p:cNvPr id="10" name="Picture 9" descr="Logo&#10;&#10;Description automatically generated">
             <a:extLst>
               <a:ext uri="{FF2B5EF4-FFF2-40B4-BE49-F238E27FC236}">
-                <a16:creationId xmlns:a16="http://schemas.microsoft.com/office/drawing/2014/main" id="{5E562972-3449-42D1-8185-B4BEFD52AB44}"/>
-              </a:ext>
-            </a:extLst>
-          </p:cNvPr>
-          <p:cNvSpPr>
-            <a:spLocks noGrp="1"/>
-          </p:cNvSpPr>
-          <p:nvPr>
-            <p:ph type="title"/>
-          </p:nvPr>
-        </p:nvSpPr>
-        <p:spPr>
-          <a:xfrm>
-            <a:off x="464814" y="647680"/>
-            <a:ext cx="11029616" cy="469939"/>
-          </a:xfrm>
-        </p:spPr>
-        <p:txBody>
-          <a:bodyPr>
-            <a:noAutofit/>
-          </a:bodyPr>
-          <a:lstStyle/>
-          <a:p>
-            <a:r>
-              <a:rPr lang="en-US" sz="3200" dirty="0"/>
-              <a:t>Component Connection Diagram</a:t>
-            </a:r>
-          </a:p>
-        </p:txBody>
-      </p:sp>
-      <p:pic>
-        <p:nvPicPr>
-          <p:cNvPr id="4" name="Picture 3" descr="Diagram&#10;&#10;Description automatically generated">
-            <a:extLst>
-              <a:ext uri="{FF2B5EF4-FFF2-40B4-BE49-F238E27FC236}">
-                <a16:creationId xmlns:a16="http://schemas.microsoft.com/office/drawing/2014/main" id="{7E8098F4-D437-47C0-99A0-8F3DFDD62D4C}"/>
+                <a16:creationId xmlns:a16="http://schemas.microsoft.com/office/drawing/2014/main" id="{F9A22C55-1678-4CFD-BF39-5943D1775B86}"/>
               </a:ext>
             </a:extLst>
           </p:cNvPr>
@@ -4547,15 +4439,17 @@
           <p:nvPr/>
         </p:nvPicPr>
         <p:blipFill>
-          <a:blip r:embed="rId2"/>
+          <a:blip r:embed="rId2">
+            <a:grayscl/>
+          </a:blip>
           <a:stretch>
             <a:fillRect/>
           </a:stretch>
         </p:blipFill>
         <p:spPr>
           <a:xfrm>
-            <a:off x="209871" y="1793576"/>
-            <a:ext cx="11772257" cy="4216526"/>
+            <a:off x="656435" y="1324230"/>
+            <a:ext cx="3294091" cy="3294091"/>
           </a:xfrm>
           <a:prstGeom prst="rect">
             <a:avLst/>
@@ -4565,609 +4459,7 @@
     </p:spTree>
     <p:extLst>
       <p:ext uri="{BB962C8B-B14F-4D97-AF65-F5344CB8AC3E}">
-        <p14:creationId xmlns:p14="http://schemas.microsoft.com/office/powerpoint/2010/main" val="627552129"/>
-      </p:ext>
-    </p:extLst>
-  </p:cSld>
-  <p:clrMapOvr>
-    <a:masterClrMapping/>
-  </p:clrMapOvr>
-</p:sld>
-</file>
-
-<file path=ppt/slides/slide11.xml><?xml version="1.0" encoding="utf-8"?>
-<p:sld xmlns:a="http://schemas.openxmlformats.org/drawingml/2006/main" xmlns:r="http://schemas.openxmlformats.org/officeDocument/2006/relationships" xmlns:p="http://schemas.openxmlformats.org/presentationml/2006/main">
-  <p:cSld>
-    <p:spTree>
-      <p:nvGrpSpPr>
-        <p:cNvPr id="1" name=""/>
-        <p:cNvGrpSpPr/>
-        <p:nvPr/>
-      </p:nvGrpSpPr>
-      <p:grpSpPr>
-        <a:xfrm>
-          <a:off x="0" y="0"/>
-          <a:ext cx="0" cy="0"/>
-          <a:chOff x="0" y="0"/>
-          <a:chExt cx="0" cy="0"/>
-        </a:xfrm>
-      </p:grpSpPr>
-      <p:sp>
-        <p:nvSpPr>
-          <p:cNvPr id="2" name="Title 1">
-            <a:extLst>
-              <a:ext uri="{FF2B5EF4-FFF2-40B4-BE49-F238E27FC236}">
-                <a16:creationId xmlns:a16="http://schemas.microsoft.com/office/drawing/2014/main" id="{5E562972-3449-42D1-8185-B4BEFD52AB44}"/>
-              </a:ext>
-            </a:extLst>
-          </p:cNvPr>
-          <p:cNvSpPr>
-            <a:spLocks noGrp="1"/>
-          </p:cNvSpPr>
-          <p:nvPr>
-            <p:ph type="title"/>
-          </p:nvPr>
-        </p:nvSpPr>
-        <p:spPr>
-          <a:xfrm>
-            <a:off x="464814" y="647680"/>
-            <a:ext cx="11029616" cy="469939"/>
-          </a:xfrm>
-        </p:spPr>
-        <p:txBody>
-          <a:bodyPr>
-            <a:noAutofit/>
-          </a:bodyPr>
-          <a:lstStyle/>
-          <a:p>
-            <a:r>
-              <a:rPr lang="en-US" sz="3200" dirty="0"/>
-              <a:t>Deployment Diagram</a:t>
-            </a:r>
-          </a:p>
-        </p:txBody>
-      </p:sp>
-      <p:pic>
-        <p:nvPicPr>
-          <p:cNvPr id="7" name="Picture 6" descr="Diagram&#10;&#10;Description automatically generated">
-            <a:extLst>
-              <a:ext uri="{FF2B5EF4-FFF2-40B4-BE49-F238E27FC236}">
-                <a16:creationId xmlns:a16="http://schemas.microsoft.com/office/drawing/2014/main" id="{59348FEB-22C9-4ABF-8F3B-99269721D755}"/>
-              </a:ext>
-            </a:extLst>
-          </p:cNvPr>
-          <p:cNvPicPr>
-            <a:picLocks noChangeAspect="1"/>
-          </p:cNvPicPr>
-          <p:nvPr/>
-        </p:nvPicPr>
-        <p:blipFill>
-          <a:blip r:embed="rId2"/>
-          <a:stretch>
-            <a:fillRect/>
-          </a:stretch>
-        </p:blipFill>
-        <p:spPr>
-          <a:xfrm>
-            <a:off x="1589296" y="1487804"/>
-            <a:ext cx="9013408" cy="4897755"/>
-          </a:xfrm>
-          <a:prstGeom prst="rect">
-            <a:avLst/>
-          </a:prstGeom>
-        </p:spPr>
-      </p:pic>
-    </p:spTree>
-    <p:extLst>
-      <p:ext uri="{BB962C8B-B14F-4D97-AF65-F5344CB8AC3E}">
-        <p14:creationId xmlns:p14="http://schemas.microsoft.com/office/powerpoint/2010/main" val="523763789"/>
-      </p:ext>
-    </p:extLst>
-  </p:cSld>
-  <p:clrMapOvr>
-    <a:masterClrMapping/>
-  </p:clrMapOvr>
-</p:sld>
-</file>
-
-<file path=ppt/slides/slide12.xml><?xml version="1.0" encoding="utf-8"?>
-<p:sld xmlns:a="http://schemas.openxmlformats.org/drawingml/2006/main" xmlns:r="http://schemas.openxmlformats.org/officeDocument/2006/relationships" xmlns:p="http://schemas.openxmlformats.org/presentationml/2006/main">
-  <p:cSld>
-    <p:spTree>
-      <p:nvGrpSpPr>
-        <p:cNvPr id="1" name=""/>
-        <p:cNvGrpSpPr/>
-        <p:nvPr/>
-      </p:nvGrpSpPr>
-      <p:grpSpPr>
-        <a:xfrm>
-          <a:off x="0" y="0"/>
-          <a:ext cx="0" cy="0"/>
-          <a:chOff x="0" y="0"/>
-          <a:chExt cx="0" cy="0"/>
-        </a:xfrm>
-      </p:grpSpPr>
-      <p:sp>
-        <p:nvSpPr>
-          <p:cNvPr id="2" name="Title 1">
-            <a:extLst>
-              <a:ext uri="{FF2B5EF4-FFF2-40B4-BE49-F238E27FC236}">
-                <a16:creationId xmlns:a16="http://schemas.microsoft.com/office/drawing/2014/main" id="{5E562972-3449-42D1-8185-B4BEFD52AB44}"/>
-              </a:ext>
-            </a:extLst>
-          </p:cNvPr>
-          <p:cNvSpPr>
-            <a:spLocks noGrp="1"/>
-          </p:cNvSpPr>
-          <p:nvPr>
-            <p:ph type="title"/>
-          </p:nvPr>
-        </p:nvSpPr>
-        <p:spPr>
-          <a:xfrm>
-            <a:off x="581190" y="822960"/>
-            <a:ext cx="11029616" cy="469939"/>
-          </a:xfrm>
-        </p:spPr>
-        <p:txBody>
-          <a:bodyPr>
-            <a:noAutofit/>
-          </a:bodyPr>
-          <a:lstStyle/>
-          <a:p>
-            <a:r>
-              <a:rPr lang="en-US" sz="3200" dirty="0"/>
-              <a:t>How Does AFE Work?</a:t>
-            </a:r>
-          </a:p>
-        </p:txBody>
-      </p:sp>
-      <p:sp>
-        <p:nvSpPr>
-          <p:cNvPr id="4" name="Content Placeholder 2">
-            <a:extLst>
-              <a:ext uri="{FF2B5EF4-FFF2-40B4-BE49-F238E27FC236}">
-                <a16:creationId xmlns:a16="http://schemas.microsoft.com/office/drawing/2014/main" id="{33ABCE56-A86F-4DD7-8EF9-653F2506A436}"/>
-              </a:ext>
-            </a:extLst>
-          </p:cNvPr>
-          <p:cNvSpPr>
-            <a:spLocks noGrp="1"/>
-          </p:cNvSpPr>
-          <p:nvPr>
-            <p:ph idx="1"/>
-          </p:nvPr>
-        </p:nvSpPr>
-        <p:spPr>
-          <a:xfrm>
-            <a:off x="581191" y="1483379"/>
-            <a:ext cx="11029615" cy="4551661"/>
-          </a:xfrm>
-        </p:spPr>
-        <p:txBody>
-          <a:bodyPr>
-            <a:normAutofit/>
-          </a:bodyPr>
-          <a:lstStyle/>
-          <a:p>
-            <a:pPr marL="0" indent="0" algn="just">
-              <a:buNone/>
-            </a:pPr>
-            <a:r>
-              <a:rPr lang="en-US" sz="1800" dirty="0"/>
-              <a:t>The AFE system runs flows on resources. This can be test cases or instructions to deploy services or even cleanup tasks. This is achieved by the interactions of the following components:</a:t>
-            </a:r>
-          </a:p>
-          <a:p>
-            <a:pPr algn="just"/>
-            <a:r>
-              <a:rPr lang="en-US" sz="1800" dirty="0"/>
-              <a:t>The developers develop </a:t>
-            </a:r>
-            <a:r>
-              <a:rPr lang="en-US" sz="1800" b="1" dirty="0"/>
-              <a:t>flows (written in Python/Java)</a:t>
-            </a:r>
-            <a:r>
-              <a:rPr lang="en-US" sz="1800" dirty="0"/>
-              <a:t> and aggregate related flows into </a:t>
-            </a:r>
-            <a:r>
-              <a:rPr lang="en-US" sz="1800" b="1" dirty="0"/>
-              <a:t>flow suites</a:t>
-            </a:r>
-            <a:r>
-              <a:rPr lang="en-US" sz="1800" dirty="0"/>
-              <a:t> which can be triggered by the users of AFE system. These flows are packaged and deployed in the app server.</a:t>
-            </a:r>
-          </a:p>
-          <a:p>
-            <a:pPr algn="just"/>
-            <a:r>
-              <a:rPr lang="en-US" sz="1800" dirty="0"/>
-              <a:t>The </a:t>
-            </a:r>
-            <a:r>
-              <a:rPr lang="en-US" sz="1800" b="1" dirty="0"/>
-              <a:t>AFE Controller</a:t>
-            </a:r>
-            <a:r>
-              <a:rPr lang="en-US" sz="1800" dirty="0"/>
-              <a:t> has endpoints that takes in the requests from the GUI/CLI tools and sends the parameters of the flow execution request to the </a:t>
-            </a:r>
-            <a:r>
-              <a:rPr lang="en-US" sz="1800" b="1" dirty="0"/>
-              <a:t>Option Analyzer.</a:t>
-            </a:r>
-            <a:endParaRPr lang="en-US" sz="1800" dirty="0"/>
-          </a:p>
-          <a:p>
-            <a:pPr algn="just"/>
-            <a:r>
-              <a:rPr lang="en-US" sz="1800" dirty="0"/>
-              <a:t>The </a:t>
-            </a:r>
-            <a:r>
-              <a:rPr lang="en-US" sz="1800" b="1" dirty="0"/>
-              <a:t>Option Analyzer</a:t>
-            </a:r>
-            <a:r>
-              <a:rPr lang="en-US" sz="1800" dirty="0"/>
-              <a:t> validates all the option combinations provided by the user through the GUI/CLI and if the user can run the requested flow</a:t>
-            </a:r>
-            <a:r>
-              <a:rPr lang="en-IN" sz="1800" dirty="0"/>
-              <a:t>. If the options are valid then it is sent to the </a:t>
-            </a:r>
-            <a:r>
-              <a:rPr lang="en-IN" sz="1800" b="1" dirty="0"/>
-              <a:t>Action Handler, </a:t>
-            </a:r>
-            <a:r>
-              <a:rPr lang="en-IN" sz="1800" dirty="0"/>
-              <a:t>else error is sent back to the controller to notify users.</a:t>
-            </a:r>
-          </a:p>
-          <a:p>
-            <a:pPr algn="just"/>
-            <a:r>
-              <a:rPr lang="en-IN" sz="1800" dirty="0"/>
-              <a:t>The </a:t>
-            </a:r>
-            <a:r>
-              <a:rPr lang="en-IN" sz="1800" b="1" dirty="0"/>
-              <a:t>Action Handler</a:t>
-            </a:r>
-            <a:r>
-              <a:rPr lang="en-IN" sz="1800" dirty="0"/>
-              <a:t> is responsible for pre flow execution tasks such as checking if the resources on which the flow needs to be run on exists and to even check if AFE is functioning properly by checking the logs</a:t>
-            </a:r>
-            <a:r>
-              <a:rPr lang="en-US" sz="1800" dirty="0"/>
-              <a:t>. After these checks are done the handle goes to the </a:t>
-            </a:r>
-            <a:r>
-              <a:rPr lang="en-US" sz="1800" b="1" dirty="0"/>
-              <a:t>Test Analyzer</a:t>
-            </a:r>
-            <a:r>
-              <a:rPr lang="en-US" sz="1800" dirty="0"/>
-              <a:t>.</a:t>
-            </a:r>
-          </a:p>
-        </p:txBody>
-      </p:sp>
-    </p:spTree>
-    <p:extLst>
-      <p:ext uri="{BB962C8B-B14F-4D97-AF65-F5344CB8AC3E}">
-        <p14:creationId xmlns:p14="http://schemas.microsoft.com/office/powerpoint/2010/main" val="626358407"/>
-      </p:ext>
-    </p:extLst>
-  </p:cSld>
-  <p:clrMapOvr>
-    <a:masterClrMapping/>
-  </p:clrMapOvr>
-</p:sld>
-</file>
-
-<file path=ppt/slides/slide13.xml><?xml version="1.0" encoding="utf-8"?>
-<p:sld xmlns:a="http://schemas.openxmlformats.org/drawingml/2006/main" xmlns:r="http://schemas.openxmlformats.org/officeDocument/2006/relationships" xmlns:p="http://schemas.openxmlformats.org/presentationml/2006/main">
-  <p:cSld>
-    <p:spTree>
-      <p:nvGrpSpPr>
-        <p:cNvPr id="1" name=""/>
-        <p:cNvGrpSpPr/>
-        <p:nvPr/>
-      </p:nvGrpSpPr>
-      <p:grpSpPr>
-        <a:xfrm>
-          <a:off x="0" y="0"/>
-          <a:ext cx="0" cy="0"/>
-          <a:chOff x="0" y="0"/>
-          <a:chExt cx="0" cy="0"/>
-        </a:xfrm>
-      </p:grpSpPr>
-      <p:sp>
-        <p:nvSpPr>
-          <p:cNvPr id="3" name="Content Placeholder 2">
-            <a:extLst>
-              <a:ext uri="{FF2B5EF4-FFF2-40B4-BE49-F238E27FC236}">
-                <a16:creationId xmlns:a16="http://schemas.microsoft.com/office/drawing/2014/main" id="{AD123F5A-941C-4F63-9262-F136B668FBDE}"/>
-              </a:ext>
-            </a:extLst>
-          </p:cNvPr>
-          <p:cNvSpPr>
-            <a:spLocks noGrp="1"/>
-          </p:cNvSpPr>
-          <p:nvPr>
-            <p:ph idx="1"/>
-          </p:nvPr>
-        </p:nvSpPr>
-        <p:spPr>
-          <a:xfrm>
-            <a:off x="581192" y="1534528"/>
-            <a:ext cx="11029615" cy="5007588"/>
-          </a:xfrm>
-        </p:spPr>
-        <p:txBody>
-          <a:bodyPr>
-            <a:normAutofit/>
-          </a:bodyPr>
-          <a:lstStyle/>
-          <a:p>
-            <a:pPr algn="just"/>
-            <a:r>
-              <a:rPr lang="en-US" sz="1800" dirty="0"/>
-              <a:t>The </a:t>
-            </a:r>
-            <a:r>
-              <a:rPr lang="en-US" sz="1800" b="1" dirty="0"/>
-              <a:t>Test Analyzer</a:t>
-            </a:r>
-            <a:r>
-              <a:rPr lang="en-US" sz="1800" dirty="0"/>
-              <a:t> checks for issues with the flow packages that are deployed on the AFE system. If there are issues with the flow packages deployed, then the flows are not run, and a notification is sent to teams responsible for flow deployments. If there are no issues with the flow packages, then the request is sent to the </a:t>
-            </a:r>
-            <a:r>
-              <a:rPr lang="en-US" sz="1800" b="1" dirty="0"/>
-              <a:t>Test Factory.</a:t>
-            </a:r>
-            <a:endParaRPr lang="en-US" sz="1800" dirty="0"/>
-          </a:p>
-          <a:p>
-            <a:pPr algn="just"/>
-            <a:r>
-              <a:rPr lang="en-US" sz="1800" dirty="0"/>
-              <a:t>The </a:t>
-            </a:r>
-            <a:r>
-              <a:rPr lang="en-US" sz="1800" b="1" dirty="0"/>
-              <a:t>Test Factory</a:t>
-            </a:r>
-            <a:r>
-              <a:rPr lang="en-US" sz="1800" dirty="0"/>
-              <a:t> builds the execution queue, analyzes the dependencies between flows and flow suites to be executed and constructs the best sequence for executing the flows and then hands over the control to the </a:t>
-            </a:r>
-            <a:r>
-              <a:rPr lang="en-US" sz="1800" b="1" dirty="0"/>
-              <a:t>Execution Engine</a:t>
-            </a:r>
-          </a:p>
-          <a:p>
-            <a:pPr algn="just"/>
-            <a:r>
-              <a:rPr lang="en-US" sz="1800" dirty="0"/>
-              <a:t>The </a:t>
-            </a:r>
-            <a:r>
-              <a:rPr lang="en-US" sz="1800" b="1" dirty="0"/>
-              <a:t>Execution Engine</a:t>
-            </a:r>
-            <a:r>
-              <a:rPr lang="en-US" sz="1800" dirty="0"/>
-              <a:t> is the most critical part of the AFE system. It is responsible for scheduling the run order of flows, parallelism handling, reservation of resources, updating relevant log files with status and handling failures. The status of the flows can be checked via the GUI/CLI via the </a:t>
-            </a:r>
-            <a:r>
-              <a:rPr lang="en-US" sz="1800" b="1" dirty="0"/>
-              <a:t>exposed controller endpoints</a:t>
-            </a:r>
-            <a:r>
-              <a:rPr lang="en-US" sz="1800" dirty="0"/>
-              <a:t>.</a:t>
-            </a:r>
-          </a:p>
-          <a:p>
-            <a:pPr algn="just"/>
-            <a:r>
-              <a:rPr lang="en-US" sz="1800" dirty="0"/>
-              <a:t>Apart from the above core requirements for AFE to work, there would be </a:t>
-            </a:r>
-            <a:r>
-              <a:rPr lang="en-US" sz="1800" b="1" dirty="0"/>
-              <a:t>common utilities</a:t>
-            </a:r>
-            <a:r>
-              <a:rPr lang="en-US" sz="1800" dirty="0"/>
-              <a:t> developed which help in abstracting things such as logging, process management, remote command execution etc. so that same flows can be run on multiple platforms. This improves code maintenance.</a:t>
-            </a:r>
-            <a:endParaRPr lang="en-IN" sz="1800" dirty="0"/>
-          </a:p>
-          <a:p>
-            <a:endParaRPr lang="en-IN" sz="1800" dirty="0"/>
-          </a:p>
-        </p:txBody>
-      </p:sp>
-      <p:sp>
-        <p:nvSpPr>
-          <p:cNvPr id="4" name="Title 1">
-            <a:extLst>
-              <a:ext uri="{FF2B5EF4-FFF2-40B4-BE49-F238E27FC236}">
-                <a16:creationId xmlns:a16="http://schemas.microsoft.com/office/drawing/2014/main" id="{F9B4CB05-2681-4DD6-B10E-EC6DFD4FF864}"/>
-              </a:ext>
-            </a:extLst>
-          </p:cNvPr>
-          <p:cNvSpPr>
-            <a:spLocks noGrp="1"/>
-          </p:cNvSpPr>
-          <p:nvPr>
-            <p:ph type="title"/>
-          </p:nvPr>
-        </p:nvSpPr>
-        <p:spPr>
-          <a:xfrm>
-            <a:off x="581191" y="813935"/>
-            <a:ext cx="11029616" cy="469939"/>
-          </a:xfrm>
-        </p:spPr>
-        <p:txBody>
-          <a:bodyPr>
-            <a:noAutofit/>
-          </a:bodyPr>
-          <a:lstStyle/>
-          <a:p>
-            <a:r>
-              <a:rPr lang="en-US" sz="3200" dirty="0"/>
-              <a:t>How Does AFE Work? (Cont.)</a:t>
-            </a:r>
-          </a:p>
-        </p:txBody>
-      </p:sp>
-    </p:spTree>
-    <p:extLst>
-      <p:ext uri="{BB962C8B-B14F-4D97-AF65-F5344CB8AC3E}">
-        <p14:creationId xmlns:p14="http://schemas.microsoft.com/office/powerpoint/2010/main" val="194050914"/>
-      </p:ext>
-    </p:extLst>
-  </p:cSld>
-  <p:clrMapOvr>
-    <a:masterClrMapping/>
-  </p:clrMapOvr>
-</p:sld>
-</file>
-
-<file path=ppt/slides/slide14.xml><?xml version="1.0" encoding="utf-8"?>
-<p:sld xmlns:a="http://schemas.openxmlformats.org/drawingml/2006/main" xmlns:r="http://schemas.openxmlformats.org/officeDocument/2006/relationships" xmlns:p="http://schemas.openxmlformats.org/presentationml/2006/main">
-  <p:cSld>
-    <p:spTree>
-      <p:nvGrpSpPr>
-        <p:cNvPr id="1" name=""/>
-        <p:cNvGrpSpPr/>
-        <p:nvPr/>
-      </p:nvGrpSpPr>
-      <p:grpSpPr>
-        <a:xfrm>
-          <a:off x="0" y="0"/>
-          <a:ext cx="0" cy="0"/>
-          <a:chOff x="0" y="0"/>
-          <a:chExt cx="0" cy="0"/>
-        </a:xfrm>
-      </p:grpSpPr>
-      <p:sp>
-        <p:nvSpPr>
-          <p:cNvPr id="3" name="Content Placeholder 2">
-            <a:extLst>
-              <a:ext uri="{FF2B5EF4-FFF2-40B4-BE49-F238E27FC236}">
-                <a16:creationId xmlns:a16="http://schemas.microsoft.com/office/drawing/2014/main" id="{AD123F5A-941C-4F63-9262-F136B668FBDE}"/>
-              </a:ext>
-            </a:extLst>
-          </p:cNvPr>
-          <p:cNvSpPr>
-            <a:spLocks noGrp="1"/>
-          </p:cNvSpPr>
-          <p:nvPr>
-            <p:ph idx="1"/>
-          </p:nvPr>
-        </p:nvSpPr>
-        <p:spPr>
-          <a:xfrm>
-            <a:off x="581192" y="1534528"/>
-            <a:ext cx="11029615" cy="5007588"/>
-          </a:xfrm>
-        </p:spPr>
-        <p:txBody>
-          <a:bodyPr>
-            <a:normAutofit/>
-          </a:bodyPr>
-          <a:lstStyle/>
-          <a:p>
-            <a:pPr algn="just"/>
-            <a:r>
-              <a:rPr lang="en-US" sz="1800" dirty="0"/>
-              <a:t>Apart from thinking about functional requirements it is important to figure out the nonfunctional requirements that can potentially change the way the system is modelled. For example, performance requirements can affect how an entire system is designed and knowing about it early and having the intuition to think about such potential requirements is very important.</a:t>
-            </a:r>
-          </a:p>
-          <a:p>
-            <a:pPr algn="just"/>
-            <a:r>
-              <a:rPr lang="en-US" sz="1800" dirty="0"/>
-              <a:t>Knowing how the system acts as a backbox through a context diagram helps all stakeholders understand the bigger picture. It helps in clearly showing what belongs in a system and what does not.</a:t>
-            </a:r>
-          </a:p>
-          <a:p>
-            <a:pPr algn="just"/>
-            <a:r>
-              <a:rPr lang="en-US" sz="1800" dirty="0"/>
-              <a:t>The analysis of the system in different views (Module decomposition, utility trees, component connection etc.) can be templated and be reused for other similar systems. This helps in deriving more cost vs benefit of different architecture approaches for similar problems in the future.</a:t>
-            </a:r>
-          </a:p>
-          <a:p>
-            <a:pPr algn="just"/>
-            <a:r>
-              <a:rPr lang="en-US" sz="1800" dirty="0"/>
-              <a:t>The module view and component connection diagrams help developers visualize implementation strategies much earlier in system designing and makes planning (especially in AGILE) much easier.</a:t>
-            </a:r>
-          </a:p>
-          <a:p>
-            <a:pPr algn="just"/>
-            <a:r>
-              <a:rPr lang="en-US" sz="1800" dirty="0"/>
-              <a:t>The deployment view gives a clear image to operation teams on how the application modules are deployed and helps in rough estimation of cost early on easing planning.</a:t>
-            </a:r>
-          </a:p>
-          <a:p>
-            <a:endParaRPr lang="en-IN" sz="1800" dirty="0"/>
-          </a:p>
-        </p:txBody>
-      </p:sp>
-      <p:sp>
-        <p:nvSpPr>
-          <p:cNvPr id="4" name="Title 1">
-            <a:extLst>
-              <a:ext uri="{FF2B5EF4-FFF2-40B4-BE49-F238E27FC236}">
-                <a16:creationId xmlns:a16="http://schemas.microsoft.com/office/drawing/2014/main" id="{F9B4CB05-2681-4DD6-B10E-EC6DFD4FF864}"/>
-              </a:ext>
-            </a:extLst>
-          </p:cNvPr>
-          <p:cNvSpPr>
-            <a:spLocks noGrp="1"/>
-          </p:cNvSpPr>
-          <p:nvPr>
-            <p:ph type="title"/>
-          </p:nvPr>
-        </p:nvSpPr>
-        <p:spPr>
-          <a:xfrm>
-            <a:off x="448188" y="797309"/>
-            <a:ext cx="11029616" cy="469939"/>
-          </a:xfrm>
-        </p:spPr>
-        <p:txBody>
-          <a:bodyPr>
-            <a:noAutofit/>
-          </a:bodyPr>
-          <a:lstStyle/>
-          <a:p>
-            <a:r>
-              <a:rPr lang="en-US" sz="3200" dirty="0"/>
-              <a:t>Key Learnings</a:t>
-            </a:r>
-          </a:p>
-        </p:txBody>
-      </p:sp>
-    </p:spTree>
-    <p:extLst>
-      <p:ext uri="{BB962C8B-B14F-4D97-AF65-F5344CB8AC3E}">
-        <p14:creationId xmlns:p14="http://schemas.microsoft.com/office/powerpoint/2010/main" val="708154913"/>
+        <p14:creationId xmlns:p14="http://schemas.microsoft.com/office/powerpoint/2010/main" val="2475805559"/>
       </p:ext>
     </p:extLst>
   </p:cSld>
@@ -5212,8 +4504,8 @@
         </p:nvSpPr>
         <p:spPr>
           <a:xfrm>
-            <a:off x="464814" y="647680"/>
-            <a:ext cx="11029616" cy="1064742"/>
+            <a:off x="464815" y="647681"/>
+            <a:ext cx="11029616" cy="469938"/>
           </a:xfrm>
         </p:spPr>
         <p:txBody>
@@ -5223,78 +4515,46 @@
           <a:lstStyle/>
           <a:p>
             <a:r>
-              <a:rPr lang="en-US" sz="3200" dirty="0"/>
-              <a:t>Goals</a:t>
-            </a:r>
-          </a:p>
-        </p:txBody>
-      </p:sp>
-      <p:sp>
-        <p:nvSpPr>
-          <p:cNvPr id="5" name="Content Placeholder 4">
+              <a:rPr lang="en-US" dirty="0"/>
+              <a:t>Utility tree of the top 3 ASRs for smart home systems</a:t>
+            </a:r>
+          </a:p>
+        </p:txBody>
+      </p:sp>
+      <p:pic>
+        <p:nvPicPr>
+          <p:cNvPr id="4" name="Picture 3" descr="Diagram&#10;&#10;Description automatically generated">
             <a:extLst>
               <a:ext uri="{FF2B5EF4-FFF2-40B4-BE49-F238E27FC236}">
-                <a16:creationId xmlns:a16="http://schemas.microsoft.com/office/drawing/2014/main" id="{D491B513-7DEA-4921-AC41-C1C117323CBA}"/>
+                <a16:creationId xmlns:a16="http://schemas.microsoft.com/office/drawing/2014/main" id="{FC2584F5-93A6-440F-9865-192B7469347C}"/>
               </a:ext>
             </a:extLst>
           </p:cNvPr>
-          <p:cNvSpPr>
-            <a:spLocks noGrp="1"/>
-          </p:cNvSpPr>
-          <p:nvPr>
-            <p:ph idx="1"/>
-          </p:nvPr>
-        </p:nvSpPr>
-        <p:spPr>
-          <a:xfrm>
-            <a:off x="581193" y="2078182"/>
-            <a:ext cx="11029615" cy="3940233"/>
-          </a:xfrm>
-        </p:spPr>
-        <p:txBody>
-          <a:bodyPr>
-            <a:normAutofit/>
-          </a:bodyPr>
-          <a:lstStyle/>
-          <a:p>
-            <a:pPr marL="0" indent="0">
-              <a:buNone/>
-            </a:pPr>
-            <a:r>
-              <a:rPr lang="en-US" sz="2400" dirty="0"/>
-              <a:t>The following are the goals of the AFE system:</a:t>
-            </a:r>
-          </a:p>
-          <a:p>
-            <a:r>
-              <a:rPr lang="en-US" sz="2400" dirty="0"/>
-              <a:t>Automate running test flows on services and resources through a UI/command line to aid developers, testers and dev-ops engineers in an organization.</a:t>
-            </a:r>
-          </a:p>
-          <a:p>
-            <a:r>
-              <a:rPr lang="en-US" sz="2400" dirty="0"/>
-              <a:t>Ability to run flows to deploy resources such as servers and databases that can be used by the test flows or even operation teams.</a:t>
-            </a:r>
-          </a:p>
-          <a:p>
-            <a:r>
-              <a:rPr lang="en-US" sz="2400" dirty="0"/>
-              <a:t>To run unit tests already written for applications via the automated test flows.</a:t>
-            </a:r>
-          </a:p>
-          <a:p>
-            <a:r>
-              <a:rPr lang="en-US" sz="2400" dirty="0"/>
-              <a:t>Integrate with other IT automation tools to synergize CI/CD pipelines.</a:t>
-            </a:r>
-          </a:p>
-        </p:txBody>
-      </p:sp>
+          <p:cNvPicPr>
+            <a:picLocks noChangeAspect="1"/>
+          </p:cNvPicPr>
+          <p:nvPr/>
+        </p:nvPicPr>
+        <p:blipFill>
+          <a:blip r:embed="rId2"/>
+          <a:stretch>
+            <a:fillRect/>
+          </a:stretch>
+        </p:blipFill>
+        <p:spPr>
+          <a:xfrm>
+            <a:off x="2519362" y="1117619"/>
+            <a:ext cx="7153275" cy="5448300"/>
+          </a:xfrm>
+          <a:prstGeom prst="rect">
+            <a:avLst/>
+          </a:prstGeom>
+        </p:spPr>
+      </p:pic>
     </p:spTree>
     <p:extLst>
       <p:ext uri="{BB962C8B-B14F-4D97-AF65-F5344CB8AC3E}">
-        <p14:creationId xmlns:p14="http://schemas.microsoft.com/office/powerpoint/2010/main" val="263784652"/>
+        <p14:creationId xmlns:p14="http://schemas.microsoft.com/office/powerpoint/2010/main" val="1942981705"/>
       </p:ext>
     </p:extLst>
   </p:cSld>
@@ -5339,8 +4599,8 @@
         </p:nvSpPr>
         <p:spPr>
           <a:xfrm>
-            <a:off x="464814" y="548659"/>
-            <a:ext cx="11029616" cy="469939"/>
+            <a:off x="464815" y="647681"/>
+            <a:ext cx="11029616" cy="469938"/>
           </a:xfrm>
         </p:spPr>
         <p:txBody>
@@ -5350,18 +4610,18 @@
           <a:lstStyle/>
           <a:p>
             <a:r>
-              <a:rPr lang="en-US" dirty="0"/>
-              <a:t>Functional requirements:</a:t>
+              <a:rPr lang="en-US" sz="3200" dirty="0"/>
+              <a:t>Tactics to achieve Top 3 ASRs</a:t>
             </a:r>
           </a:p>
         </p:txBody>
       </p:sp>
       <p:graphicFrame>
         <p:nvGraphicFramePr>
-          <p:cNvPr id="3" name="Table 3">
+          <p:cNvPr id="6" name="Table 6">
             <a:extLst>
               <a:ext uri="{FF2B5EF4-FFF2-40B4-BE49-F238E27FC236}">
-                <a16:creationId xmlns:a16="http://schemas.microsoft.com/office/drawing/2014/main" id="{61C85895-3C54-42E6-9FD8-023D271DA56B}"/>
+                <a16:creationId xmlns:a16="http://schemas.microsoft.com/office/drawing/2014/main" id="{9FBAFC49-0A66-4EE5-BB99-7846199194DE}"/>
               </a:ext>
             </a:extLst>
           </p:cNvPr>
@@ -5372,14 +4632,14 @@
             <p:ph idx="1"/>
             <p:extLst>
               <p:ext uri="{D42A27DB-BD31-4B8C-83A1-F6EECF244321}">
-                <p14:modId xmlns:p14="http://schemas.microsoft.com/office/powerpoint/2010/main" val="236213491"/>
+                <p14:modId xmlns:p14="http://schemas.microsoft.com/office/powerpoint/2010/main" val="2167978553"/>
               </p:ext>
             </p:extLst>
           </p:nvPr>
         </p:nvGraphicFramePr>
         <p:xfrm>
-          <a:off x="581025" y="981671"/>
-          <a:ext cx="11029950" cy="2372360"/>
+          <a:off x="813262" y="1117619"/>
+          <a:ext cx="10565476" cy="5568892"/>
         </p:xfrm>
         <a:graphic>
           <a:graphicData uri="http://schemas.openxmlformats.org/drawingml/2006/table">
@@ -5388,32 +4648,161 @@
                 <a:tableStyleId>{5C22544A-7EE6-4342-B048-85BDC9FD1C3A}</a:tableStyleId>
               </a:tblPr>
               <a:tblGrid>
-                <a:gridCol w="840451">
+                <a:gridCol w="2053646">
                   <a:extLst>
                     <a:ext uri="{9D8B030D-6E8A-4147-A177-3AD203B41FA5}">
-                      <a16:colId xmlns:a16="http://schemas.microsoft.com/office/drawing/2014/main" val="120311497"/>
+                      <a16:colId xmlns:a16="http://schemas.microsoft.com/office/drawing/2014/main" val="3979006666"/>
                     </a:ext>
                   </a:extLst>
                 </a:gridCol>
-                <a:gridCol w="10189499">
+                <a:gridCol w="3367637">
                   <a:extLst>
                     <a:ext uri="{9D8B030D-6E8A-4147-A177-3AD203B41FA5}">
-                      <a16:colId xmlns:a16="http://schemas.microsoft.com/office/drawing/2014/main" val="3458103582"/>
+                      <a16:colId xmlns:a16="http://schemas.microsoft.com/office/drawing/2014/main" val="4140222236"/>
+                    </a:ext>
+                  </a:extLst>
+                </a:gridCol>
+                <a:gridCol w="5144193">
+                  <a:extLst>
+                    <a:ext uri="{9D8B030D-6E8A-4147-A177-3AD203B41FA5}">
+                      <a16:colId xmlns:a16="http://schemas.microsoft.com/office/drawing/2014/main" val="1924539691"/>
                     </a:ext>
                   </a:extLst>
                 </a:gridCol>
               </a:tblGrid>
-              <a:tr h="370840">
+              <a:tr h="353334">
                 <a:tc>
                   <a:txBody>
                     <a:bodyPr/>
                     <a:lstStyle/>
                     <a:p>
+                      <a:pPr algn="ctr"/>
                       <a:r>
-                        <a:rPr lang="en-US" sz="1400" dirty="0"/>
-                        <a:t>FR No.</a:t>
+                        <a:rPr lang="en-US" sz="1600" dirty="0"/>
+                        <a:t>Quality Attribute</a:t>
                       </a:r>
-                      <a:endParaRPr lang="en-IN" sz="1400" dirty="0"/>
+                      <a:endParaRPr lang="en-IN" sz="1600" dirty="0"/>
+                    </a:p>
+                  </a:txBody>
+                  <a:tcPr marT="45721" marB="45721"/>
+                </a:tc>
+                <a:tc>
+                  <a:txBody>
+                    <a:bodyPr/>
+                    <a:lstStyle/>
+                    <a:p>
+                      <a:pPr algn="ctr"/>
+                      <a:r>
+                        <a:rPr lang="en-US" sz="1600" dirty="0"/>
+                        <a:t>Scenario (Attribute Refinement)</a:t>
+                      </a:r>
+                      <a:endParaRPr lang="en-IN" sz="1800" dirty="0"/>
+                    </a:p>
+                  </a:txBody>
+                  <a:tcPr marT="45721" marB="45721"/>
+                </a:tc>
+                <a:tc>
+                  <a:txBody>
+                    <a:bodyPr/>
+                    <a:lstStyle/>
+                    <a:p>
+                      <a:pPr algn="ctr"/>
+                      <a:r>
+                        <a:rPr lang="en-US" sz="1600" dirty="0"/>
+                        <a:t>Tactics</a:t>
+                      </a:r>
+                      <a:endParaRPr lang="en-IN" sz="1800" dirty="0"/>
+                    </a:p>
+                  </a:txBody>
+                  <a:tcPr marT="45721" marB="45721"/>
+                </a:tc>
+                <a:extLst>
+                  <a:ext uri="{0D108BD9-81ED-4DB2-BD59-A6C34878D82A}">
+                    <a16:rowId xmlns:a16="http://schemas.microsoft.com/office/drawing/2014/main" val="1783710936"/>
+                  </a:ext>
+                </a:extLst>
+              </a:tr>
+              <a:tr h="3020001">
+                <a:tc rowSpan="2">
+                  <a:txBody>
+                    <a:bodyPr/>
+                    <a:lstStyle/>
+                    <a:p>
+                      <a:pPr algn="ctr"/>
+                      <a:r>
+                        <a:rPr lang="en-US" sz="1800" b="1" dirty="0"/>
+                        <a:t>Security</a:t>
+                      </a:r>
+                      <a:endParaRPr lang="en-IN" sz="1800" b="1" dirty="0"/>
+                    </a:p>
+                  </a:txBody>
+                  <a:tcPr marT="45721" marB="45721" anchor="ctr"/>
+                </a:tc>
+                <a:tc>
+                  <a:txBody>
+                    <a:bodyPr/>
+                    <a:lstStyle/>
+                    <a:p>
+                      <a:pPr algn="just"/>
+                      <a:r>
+                        <a:rPr lang="en-US" sz="1600" dirty="0"/>
+                        <a:t>Only authorized users can interact with the smart home system. Role based users can also </a:t>
+                      </a:r>
+                      <a:endParaRPr lang="en-IN" sz="1600" dirty="0"/>
+                    </a:p>
+                  </a:txBody>
+                  <a:tcPr marT="45721" marB="45721" anchor="ctr"/>
+                </a:tc>
+                <a:tc>
+                  <a:txBody>
+                    <a:bodyPr/>
+                    <a:lstStyle/>
+                    <a:p>
+                      <a:pPr marL="285750" lvl="0" indent="-285750" algn="just">
+                        <a:spcAft>
+                          <a:spcPts val="0"/>
+                        </a:spcAft>
+                        <a:buFont typeface="Arial" panose="020B0604020202020204" pitchFamily="34" charset="0"/>
+                        <a:buChar char="•"/>
+                      </a:pPr>
+                      <a:r>
+                        <a:rPr lang="en-US" sz="1600" dirty="0"/>
+                        <a:t>The hosted cloud application and the hub (for direct local access) will handle requests to the smart home environment after authenticating with SSO (Single Sign On). Other measures such as two factor authentication can also be used</a:t>
+                      </a:r>
+                      <a:r>
+                        <a:rPr lang="en-IN" sz="1600" dirty="0"/>
+                        <a:t>. This can be done by integrating to OAuth providers such as google.</a:t>
+                      </a:r>
+                    </a:p>
+                    <a:p>
+                      <a:pPr marL="285750" lvl="0" indent="-285750" algn="just">
+                        <a:spcAft>
+                          <a:spcPts val="0"/>
+                        </a:spcAft>
+                        <a:buFont typeface="Arial" panose="020B0604020202020204" pitchFamily="34" charset="0"/>
+                        <a:buChar char="•"/>
+                      </a:pPr>
+                      <a:r>
+                        <a:rPr lang="en-US" sz="1600" dirty="0"/>
+                        <a:t>The application can have Users be put into guest roles and other groups which further helps in segregating the kind of interactions that can be executed in the smart home.</a:t>
+                      </a:r>
+                    </a:p>
+                  </a:txBody>
+                  <a:tcPr marT="45721" marB="45721"/>
+                </a:tc>
+                <a:extLst>
+                  <a:ext uri="{0D108BD9-81ED-4DB2-BD59-A6C34878D82A}">
+                    <a16:rowId xmlns:a16="http://schemas.microsoft.com/office/drawing/2014/main" val="1711652498"/>
+                  </a:ext>
+                </a:extLst>
+              </a:tr>
+              <a:tr h="2195557">
+                <a:tc vMerge="1">
+                  <a:txBody>
+                    <a:bodyPr/>
+                    <a:lstStyle/>
+                    <a:p>
+                      <a:endParaRPr lang="en-IN" dirty="0"/>
                     </a:p>
                   </a:txBody>
                   <a:tcPr/>
@@ -5423,624 +4812,75 @@
                     <a:bodyPr/>
                     <a:lstStyle/>
                     <a:p>
+                      <a:pPr algn="just"/>
                       <a:r>
-                        <a:rPr lang="en-US" sz="1400" dirty="0"/>
-                        <a:t>FR Description</a:t>
+                        <a:rPr lang="en-US" sz="1600" dirty="0"/>
+                        <a:t>The systems within the smart home network should use encryption supported low energy based wireless protocols to make sure the communication channels are secure</a:t>
                       </a:r>
-                      <a:endParaRPr lang="en-IN" sz="1400" dirty="0"/>
+                      <a:endParaRPr lang="en-IN" sz="1600" dirty="0"/>
                     </a:p>
                   </a:txBody>
-                  <a:tcPr/>
-                </a:tc>
-                <a:extLst>
-                  <a:ext uri="{0D108BD9-81ED-4DB2-BD59-A6C34878D82A}">
-                    <a16:rowId xmlns:a16="http://schemas.microsoft.com/office/drawing/2014/main" val="58151623"/>
-                  </a:ext>
-                </a:extLst>
-              </a:tr>
-              <a:tr h="370840">
-                <a:tc>
-                  <a:txBody>
-                    <a:bodyPr/>
-                    <a:lstStyle/>
-                    <a:p>
-                      <a:r>
-                        <a:rPr lang="en-US" sz="1400" dirty="0"/>
-                        <a:t>FR 1</a:t>
-                      </a:r>
-                      <a:endParaRPr lang="en-IN" sz="1400" dirty="0"/>
-                    </a:p>
-                  </a:txBody>
-                  <a:tcPr/>
+                  <a:tcPr marT="45721" marB="45721" anchor="ctr"/>
                 </a:tc>
                 <a:tc>
                   <a:txBody>
                     <a:bodyPr/>
                     <a:lstStyle/>
                     <a:p>
+                      <a:pPr marL="285750" marR="0" lvl="0" indent="-285750" algn="just" defTabSz="457200" rtl="0" eaLnBrk="1" fontAlgn="auto" latinLnBrk="0" hangingPunct="1">
+                        <a:lnSpc>
+                          <a:spcPct val="100000"/>
+                        </a:lnSpc>
+                        <a:spcBef>
+                          <a:spcPts val="0"/>
+                        </a:spcBef>
+                        <a:spcAft>
+                          <a:spcPts val="0"/>
+                        </a:spcAft>
+                        <a:buClrTx/>
+                        <a:buSzTx/>
+                        <a:buFont typeface="Arial" panose="020B0604020202020204" pitchFamily="34" charset="0"/>
+                        <a:buChar char="•"/>
+                        <a:tabLst/>
+                        <a:defRPr/>
+                      </a:pPr>
                       <a:r>
-                        <a:rPr lang="en-US" sz="1400" dirty="0"/>
-                        <a:t>System must run flows that can be written in languages such as Python. Flows can be test cases or a set of instructions to deploy services that developers need.</a:t>
+                        <a:rPr lang="en-US" sz="1600" dirty="0"/>
+                        <a:t>Any communication between smart systems must be encrypted with the network key or other tokens created while authenticating the user.</a:t>
                       </a:r>
-                      <a:endParaRPr lang="en-IN" sz="1400" dirty="0"/>
+                    </a:p>
+                    <a:p>
+                      <a:pPr marL="285750" marR="0" lvl="0" indent="-285750" algn="just" defTabSz="457200" rtl="0" eaLnBrk="1" fontAlgn="auto" latinLnBrk="0" hangingPunct="1">
+                        <a:lnSpc>
+                          <a:spcPct val="100000"/>
+                        </a:lnSpc>
+                        <a:spcBef>
+                          <a:spcPts val="0"/>
+                        </a:spcBef>
+                        <a:spcAft>
+                          <a:spcPts val="0"/>
+                        </a:spcAft>
+                        <a:buClrTx/>
+                        <a:buSzTx/>
+                        <a:buFont typeface="Arial" panose="020B0604020202020204" pitchFamily="34" charset="0"/>
+                        <a:buChar char="•"/>
+                        <a:tabLst/>
+                        <a:defRPr/>
+                      </a:pPr>
+                      <a:r>
+                        <a:rPr lang="en-US" sz="1600" dirty="0"/>
+                        <a:t>We can add new devices to the smart home environment by securely pairing these devices based on device identifier during setup to avoid a malicious device to interact with the environment</a:t>
+                      </a:r>
+                    </a:p>
+                    <a:p>
+                      <a:endParaRPr lang="en-IN" sz="1800" dirty="0"/>
                     </a:p>
                   </a:txBody>
-                  <a:tcPr/>
+                  <a:tcPr marT="45721" marB="45721"/>
                 </a:tc>
                 <a:extLst>
                   <a:ext uri="{0D108BD9-81ED-4DB2-BD59-A6C34878D82A}">
-                    <a16:rowId xmlns:a16="http://schemas.microsoft.com/office/drawing/2014/main" val="15272376"/>
-                  </a:ext>
-                </a:extLst>
-              </a:tr>
-              <a:tr h="370840">
-                <a:tc>
-                  <a:txBody>
-                    <a:bodyPr/>
-                    <a:lstStyle/>
-                    <a:p>
-                      <a:r>
-                        <a:rPr lang="en-US" sz="1400" dirty="0"/>
-                        <a:t>FR 2</a:t>
-                      </a:r>
-                      <a:endParaRPr lang="en-IN" sz="1400" dirty="0"/>
-                    </a:p>
-                  </a:txBody>
-                  <a:tcPr/>
-                </a:tc>
-                <a:tc>
-                  <a:txBody>
-                    <a:bodyPr/>
-                    <a:lstStyle/>
-                    <a:p>
-                      <a:r>
-                        <a:rPr lang="en-US" sz="1400" dirty="0"/>
-                        <a:t>System must have a UI that can be used by developers/testers/</a:t>
-                      </a:r>
-                      <a:r>
-                        <a:rPr lang="en-US" sz="1400" dirty="0" err="1"/>
-                        <a:t>devops</a:t>
-                      </a:r>
-                      <a:r>
-                        <a:rPr lang="en-US" sz="1400" dirty="0"/>
-                        <a:t> where they can initiate, monitor flow runs and view results.</a:t>
-                      </a:r>
-                      <a:endParaRPr lang="en-IN" sz="1400" dirty="0"/>
-                    </a:p>
-                  </a:txBody>
-                  <a:tcPr/>
-                </a:tc>
-                <a:extLst>
-                  <a:ext uri="{0D108BD9-81ED-4DB2-BD59-A6C34878D82A}">
-                    <a16:rowId xmlns:a16="http://schemas.microsoft.com/office/drawing/2014/main" val="2508240041"/>
-                  </a:ext>
-                </a:extLst>
-              </a:tr>
-              <a:tr h="370840">
-                <a:tc>
-                  <a:txBody>
-                    <a:bodyPr/>
-                    <a:lstStyle/>
-                    <a:p>
-                      <a:r>
-                        <a:rPr lang="en-US" sz="1400" dirty="0"/>
-                        <a:t>FR 3</a:t>
-                      </a:r>
-                      <a:endParaRPr lang="en-IN" sz="1400" dirty="0"/>
-                    </a:p>
-                  </a:txBody>
-                  <a:tcPr/>
-                </a:tc>
-                <a:tc>
-                  <a:txBody>
-                    <a:bodyPr/>
-                    <a:lstStyle/>
-                    <a:p>
-                      <a:r>
-                        <a:rPr lang="en-US" sz="1400" dirty="0"/>
-                        <a:t>System must also have a command line tool to allow other IT automation tools such as Jenkins and Ansible to interact with it.</a:t>
-                      </a:r>
-                    </a:p>
-                  </a:txBody>
-                  <a:tcPr/>
-                </a:tc>
-                <a:extLst>
-                  <a:ext uri="{0D108BD9-81ED-4DB2-BD59-A6C34878D82A}">
-                    <a16:rowId xmlns:a16="http://schemas.microsoft.com/office/drawing/2014/main" val="3108174958"/>
-                  </a:ext>
-                </a:extLst>
-              </a:tr>
-              <a:tr h="370840">
-                <a:tc>
-                  <a:txBody>
-                    <a:bodyPr/>
-                    <a:lstStyle/>
-                    <a:p>
-                      <a:r>
-                        <a:rPr lang="en-US" sz="1400" dirty="0"/>
-                        <a:t>FR 4</a:t>
-                      </a:r>
-                      <a:endParaRPr lang="en-IN" sz="1400" dirty="0"/>
-                    </a:p>
-                  </a:txBody>
-                  <a:tcPr/>
-                </a:tc>
-                <a:tc>
-                  <a:txBody>
-                    <a:bodyPr/>
-                    <a:lstStyle/>
-                    <a:p>
-                      <a:r>
-                        <a:rPr lang="en-US" sz="1400" dirty="0"/>
-                        <a:t>System must allow users to run flows only if they are authenticated.</a:t>
-                      </a:r>
-                    </a:p>
-                  </a:txBody>
-                  <a:tcPr/>
-                </a:tc>
-                <a:extLst>
-                  <a:ext uri="{0D108BD9-81ED-4DB2-BD59-A6C34878D82A}">
-                    <a16:rowId xmlns:a16="http://schemas.microsoft.com/office/drawing/2014/main" val="1135188606"/>
-                  </a:ext>
-                </a:extLst>
-              </a:tr>
-              <a:tr h="370840">
-                <a:tc>
-                  <a:txBody>
-                    <a:bodyPr/>
-                    <a:lstStyle/>
-                    <a:p>
-                      <a:r>
-                        <a:rPr lang="en-US" sz="1400" dirty="0"/>
-                        <a:t>FR 5</a:t>
-                      </a:r>
-                      <a:endParaRPr lang="en-IN" sz="1400" dirty="0"/>
-                    </a:p>
-                  </a:txBody>
-                  <a:tcPr/>
-                </a:tc>
-                <a:tc>
-                  <a:txBody>
-                    <a:bodyPr/>
-                    <a:lstStyle/>
-                    <a:p>
-                      <a:r>
-                        <a:rPr lang="en-US" sz="1400" dirty="0"/>
-                        <a:t>System must have capability to notify stakeholders(through email) the status of flow runs.</a:t>
-                      </a:r>
-                    </a:p>
-                  </a:txBody>
-                  <a:tcPr/>
-                </a:tc>
-                <a:extLst>
-                  <a:ext uri="{0D108BD9-81ED-4DB2-BD59-A6C34878D82A}">
-                    <a16:rowId xmlns:a16="http://schemas.microsoft.com/office/drawing/2014/main" val="3796436876"/>
-                  </a:ext>
-                </a:extLst>
-              </a:tr>
-            </a:tbl>
-          </a:graphicData>
-        </a:graphic>
-      </p:graphicFrame>
-      <p:sp>
-        <p:nvSpPr>
-          <p:cNvPr id="4" name="Title 1">
-            <a:extLst>
-              <a:ext uri="{FF2B5EF4-FFF2-40B4-BE49-F238E27FC236}">
-                <a16:creationId xmlns:a16="http://schemas.microsoft.com/office/drawing/2014/main" id="{430CA4F8-F0D8-4E82-A6EF-03D094AA3B62}"/>
-              </a:ext>
-            </a:extLst>
-          </p:cNvPr>
-          <p:cNvSpPr txBox="1">
-            <a:spLocks/>
-          </p:cNvSpPr>
-          <p:nvPr/>
-        </p:nvSpPr>
-        <p:spPr>
-          <a:xfrm>
-            <a:off x="464814" y="3425795"/>
-            <a:ext cx="11029616" cy="469939"/>
-          </a:xfrm>
-          <a:prstGeom prst="rect">
-            <a:avLst/>
-          </a:prstGeom>
-        </p:spPr>
-        <p:txBody>
-          <a:bodyPr vert="horz" lIns="91440" tIns="45720" rIns="91440" bIns="45720" rtlCol="0" anchor="b">
-            <a:noAutofit/>
-          </a:bodyPr>
-          <a:lstStyle>
-            <a:lvl1pPr algn="l" defTabSz="457200" rtl="0" eaLnBrk="1" latinLnBrk="0" hangingPunct="1">
-              <a:lnSpc>
-                <a:spcPct val="100000"/>
-              </a:lnSpc>
-              <a:spcBef>
-                <a:spcPct val="0"/>
-              </a:spcBef>
-              <a:buNone/>
-              <a:defRPr sz="2800" b="0" kern="1200" cap="all">
-                <a:solidFill>
-                  <a:schemeClr val="tx1">
-                    <a:lumMod val="75000"/>
-                    <a:lumOff val="25000"/>
-                  </a:schemeClr>
-                </a:solidFill>
-                <a:latin typeface="+mj-lt"/>
-                <a:ea typeface="+mj-ea"/>
-                <a:cs typeface="+mj-cs"/>
-              </a:defRPr>
-            </a:lvl1pPr>
-            <a:lvl2pPr eaLnBrk="1" hangingPunct="1">
-              <a:defRPr>
-                <a:solidFill>
-                  <a:schemeClr val="tx2"/>
-                </a:solidFill>
-              </a:defRPr>
-            </a:lvl2pPr>
-            <a:lvl3pPr eaLnBrk="1" hangingPunct="1">
-              <a:defRPr>
-                <a:solidFill>
-                  <a:schemeClr val="tx2"/>
-                </a:solidFill>
-              </a:defRPr>
-            </a:lvl3pPr>
-            <a:lvl4pPr eaLnBrk="1" hangingPunct="1">
-              <a:defRPr>
-                <a:solidFill>
-                  <a:schemeClr val="tx2"/>
-                </a:solidFill>
-              </a:defRPr>
-            </a:lvl4pPr>
-            <a:lvl5pPr eaLnBrk="1" hangingPunct="1">
-              <a:defRPr>
-                <a:solidFill>
-                  <a:schemeClr val="tx2"/>
-                </a:solidFill>
-              </a:defRPr>
-            </a:lvl5pPr>
-            <a:lvl6pPr eaLnBrk="1" hangingPunct="1">
-              <a:defRPr>
-                <a:solidFill>
-                  <a:schemeClr val="tx2"/>
-                </a:solidFill>
-              </a:defRPr>
-            </a:lvl6pPr>
-            <a:lvl7pPr eaLnBrk="1" hangingPunct="1">
-              <a:defRPr>
-                <a:solidFill>
-                  <a:schemeClr val="tx2"/>
-                </a:solidFill>
-              </a:defRPr>
-            </a:lvl7pPr>
-            <a:lvl8pPr eaLnBrk="1" hangingPunct="1">
-              <a:defRPr>
-                <a:solidFill>
-                  <a:schemeClr val="tx2"/>
-                </a:solidFill>
-              </a:defRPr>
-            </a:lvl8pPr>
-            <a:lvl9pPr eaLnBrk="1" hangingPunct="1">
-              <a:defRPr>
-                <a:solidFill>
-                  <a:schemeClr val="tx2"/>
-                </a:solidFill>
-              </a:defRPr>
-            </a:lvl9pPr>
-          </a:lstStyle>
-          <a:p>
-            <a:r>
-              <a:rPr lang="en-US" dirty="0"/>
-              <a:t>Non-Functional requirements:</a:t>
-            </a:r>
-          </a:p>
-        </p:txBody>
-      </p:sp>
-      <p:graphicFrame>
-        <p:nvGraphicFramePr>
-          <p:cNvPr id="6" name="Table 3">
-            <a:extLst>
-              <a:ext uri="{FF2B5EF4-FFF2-40B4-BE49-F238E27FC236}">
-                <a16:creationId xmlns:a16="http://schemas.microsoft.com/office/drawing/2014/main" id="{C0C9C1C7-B933-41C1-815B-AAF17CF9C5E9}"/>
-              </a:ext>
-            </a:extLst>
-          </p:cNvPr>
-          <p:cNvGraphicFramePr>
-            <a:graphicFrameLocks/>
-          </p:cNvGraphicFramePr>
-          <p:nvPr>
-            <p:extLst>
-              <p:ext uri="{D42A27DB-BD31-4B8C-83A1-F6EECF244321}">
-                <p14:modId xmlns:p14="http://schemas.microsoft.com/office/powerpoint/2010/main" val="710670185"/>
-              </p:ext>
-            </p:extLst>
-          </p:nvPr>
-        </p:nvGraphicFramePr>
-        <p:xfrm>
-          <a:off x="581359" y="3895734"/>
-          <a:ext cx="11029616" cy="2743200"/>
-        </p:xfrm>
-        <a:graphic>
-          <a:graphicData uri="http://schemas.openxmlformats.org/drawingml/2006/table">
-            <a:tbl>
-              <a:tblPr firstRow="1" bandRow="1">
-                <a:tableStyleId>{5C22544A-7EE6-4342-B048-85BDC9FD1C3A}</a:tableStyleId>
-              </a:tblPr>
-              <a:tblGrid>
-                <a:gridCol w="1869410">
-                  <a:extLst>
-                    <a:ext uri="{9D8B030D-6E8A-4147-A177-3AD203B41FA5}">
-                      <a16:colId xmlns:a16="http://schemas.microsoft.com/office/drawing/2014/main" val="3458103582"/>
-                    </a:ext>
-                  </a:extLst>
-                </a:gridCol>
-                <a:gridCol w="9160206">
-                  <a:extLst>
-                    <a:ext uri="{9D8B030D-6E8A-4147-A177-3AD203B41FA5}">
-                      <a16:colId xmlns:a16="http://schemas.microsoft.com/office/drawing/2014/main" val="1330769014"/>
-                    </a:ext>
-                  </a:extLst>
-                </a:gridCol>
-              </a:tblGrid>
-              <a:tr h="370840">
-                <a:tc>
-                  <a:txBody>
-                    <a:bodyPr/>
-                    <a:lstStyle/>
-                    <a:p>
-                      <a:r>
-                        <a:rPr lang="en-US" sz="1400" dirty="0"/>
-                        <a:t>Quality</a:t>
-                      </a:r>
-                      <a:endParaRPr lang="en-IN" sz="1400" dirty="0"/>
-                    </a:p>
-                  </a:txBody>
-                  <a:tcPr/>
-                </a:tc>
-                <a:tc>
-                  <a:txBody>
-                    <a:bodyPr/>
-                    <a:lstStyle/>
-                    <a:p>
-                      <a:r>
-                        <a:rPr lang="en-US" sz="1400" dirty="0"/>
-                        <a:t>NFR Description</a:t>
-                      </a:r>
-                      <a:endParaRPr lang="en-IN" sz="1400" dirty="0"/>
-                    </a:p>
-                  </a:txBody>
-                  <a:tcPr/>
-                </a:tc>
-                <a:extLst>
-                  <a:ext uri="{0D108BD9-81ED-4DB2-BD59-A6C34878D82A}">
-                    <a16:rowId xmlns:a16="http://schemas.microsoft.com/office/drawing/2014/main" val="58151623"/>
-                  </a:ext>
-                </a:extLst>
-              </a:tr>
-              <a:tr h="370840">
-                <a:tc>
-                  <a:txBody>
-                    <a:bodyPr/>
-                    <a:lstStyle/>
-                    <a:p>
-                      <a:r>
-                        <a:rPr lang="en-US" sz="1400" dirty="0"/>
-                        <a:t>Performance</a:t>
-                      </a:r>
-                      <a:endParaRPr lang="en-IN" sz="1400" dirty="0"/>
-                    </a:p>
-                  </a:txBody>
-                  <a:tcPr/>
-                </a:tc>
-                <a:tc>
-                  <a:txBody>
-                    <a:bodyPr/>
-                    <a:lstStyle/>
-                    <a:p>
-                      <a:pPr marL="342900" indent="-342900">
-                        <a:buFont typeface="Arial" panose="020B0604020202020204" pitchFamily="34" charset="0"/>
-                        <a:buChar char="•"/>
-                      </a:pPr>
-                      <a:r>
-                        <a:rPr lang="en-US" sz="1400" dirty="0"/>
-                        <a:t>System shall run test flows parallelly (At least 4 flows at a time).</a:t>
-                      </a:r>
-                    </a:p>
-                    <a:p>
-                      <a:pPr marL="342900" indent="-342900">
-                        <a:buFont typeface="Arial" panose="020B0604020202020204" pitchFamily="34" charset="0"/>
-                        <a:buChar char="•"/>
-                      </a:pPr>
-                      <a:r>
-                        <a:rPr lang="en-US" sz="1400" dirty="0"/>
-                        <a:t>Maintain CPU usage as low as 50% in standard workloads.</a:t>
-                      </a:r>
-                      <a:endParaRPr lang="en-IN" sz="1400" dirty="0"/>
-                    </a:p>
-                  </a:txBody>
-                  <a:tcPr/>
-                </a:tc>
-                <a:extLst>
-                  <a:ext uri="{0D108BD9-81ED-4DB2-BD59-A6C34878D82A}">
-                    <a16:rowId xmlns:a16="http://schemas.microsoft.com/office/drawing/2014/main" val="15272376"/>
-                  </a:ext>
-                </a:extLst>
-              </a:tr>
-              <a:tr h="370840">
-                <a:tc>
-                  <a:txBody>
-                    <a:bodyPr/>
-                    <a:lstStyle/>
-                    <a:p>
-                      <a:r>
-                        <a:rPr lang="en-US" sz="1400" dirty="0"/>
-                        <a:t>Security</a:t>
-                      </a:r>
-                      <a:endParaRPr lang="en-IN" sz="1400" dirty="0"/>
-                    </a:p>
-                  </a:txBody>
-                  <a:tcPr/>
-                </a:tc>
-                <a:tc>
-                  <a:txBody>
-                    <a:bodyPr/>
-                    <a:lstStyle/>
-                    <a:p>
-                      <a:r>
-                        <a:rPr lang="en-US" sz="1400" dirty="0"/>
-                        <a:t>The system must not allow certain operations based on permissions given to the user logged in.</a:t>
-                      </a:r>
-                      <a:endParaRPr lang="en-IN" sz="1400" dirty="0"/>
-                    </a:p>
-                  </a:txBody>
-                  <a:tcPr/>
-                </a:tc>
-                <a:extLst>
-                  <a:ext uri="{0D108BD9-81ED-4DB2-BD59-A6C34878D82A}">
-                    <a16:rowId xmlns:a16="http://schemas.microsoft.com/office/drawing/2014/main" val="3332379860"/>
-                  </a:ext>
-                </a:extLst>
-              </a:tr>
-              <a:tr h="370840">
-                <a:tc>
-                  <a:txBody>
-                    <a:bodyPr/>
-                    <a:lstStyle/>
-                    <a:p>
-                      <a:r>
-                        <a:rPr lang="en-US" sz="1400" dirty="0"/>
-                        <a:t>Availability</a:t>
-                      </a:r>
-                      <a:endParaRPr lang="en-IN" sz="1400" dirty="0"/>
-                    </a:p>
-                  </a:txBody>
-                  <a:tcPr/>
-                </a:tc>
-                <a:tc>
-                  <a:txBody>
-                    <a:bodyPr/>
-                    <a:lstStyle/>
-                    <a:p>
-                      <a:pPr marL="0" indent="0">
-                        <a:buFont typeface="Arial" panose="020B0604020202020204" pitchFamily="34" charset="0"/>
-                        <a:buNone/>
-                      </a:pPr>
-                      <a:r>
-                        <a:rPr lang="en-US" sz="1400" dirty="0"/>
-                        <a:t>MTTR of Less than 60 seconds shall be needed</a:t>
-                      </a:r>
-                      <a:endParaRPr lang="en-IN" sz="1400" dirty="0"/>
-                    </a:p>
-                  </a:txBody>
-                  <a:tcPr/>
-                </a:tc>
-                <a:extLst>
-                  <a:ext uri="{0D108BD9-81ED-4DB2-BD59-A6C34878D82A}">
-                    <a16:rowId xmlns:a16="http://schemas.microsoft.com/office/drawing/2014/main" val="3618443561"/>
-                  </a:ext>
-                </a:extLst>
-              </a:tr>
-              <a:tr h="370840">
-                <a:tc>
-                  <a:txBody>
-                    <a:bodyPr/>
-                    <a:lstStyle/>
-                    <a:p>
-                      <a:r>
-                        <a:rPr lang="en-US" sz="1400" dirty="0"/>
-                        <a:t>Portability</a:t>
-                      </a:r>
-                      <a:endParaRPr lang="en-IN" sz="1400" dirty="0"/>
-                    </a:p>
-                  </a:txBody>
-                  <a:tcPr/>
-                </a:tc>
-                <a:tc>
-                  <a:txBody>
-                    <a:bodyPr/>
-                    <a:lstStyle/>
-                    <a:p>
-                      <a:r>
-                        <a:rPr lang="en-US" sz="1400" dirty="0"/>
-                        <a:t>Should be able to deploy system in both Windows and Linux platforms</a:t>
-                      </a:r>
-                      <a:endParaRPr lang="en-IN" sz="1400" dirty="0"/>
-                    </a:p>
-                  </a:txBody>
-                  <a:tcPr/>
-                </a:tc>
-                <a:extLst>
-                  <a:ext uri="{0D108BD9-81ED-4DB2-BD59-A6C34878D82A}">
-                    <a16:rowId xmlns:a16="http://schemas.microsoft.com/office/drawing/2014/main" val="4176377026"/>
-                  </a:ext>
-                </a:extLst>
-              </a:tr>
-              <a:tr h="370840">
-                <a:tc>
-                  <a:txBody>
-                    <a:bodyPr/>
-                    <a:lstStyle/>
-                    <a:p>
-                      <a:r>
-                        <a:rPr lang="en-US" sz="1400" dirty="0"/>
-                        <a:t>Usability</a:t>
-                      </a:r>
-                      <a:endParaRPr lang="en-IN" sz="1400" dirty="0"/>
-                    </a:p>
-                  </a:txBody>
-                  <a:tcPr/>
-                </a:tc>
-                <a:tc>
-                  <a:txBody>
-                    <a:bodyPr/>
-                    <a:lstStyle/>
-                    <a:p>
-                      <a:r>
-                        <a:rPr lang="en-US" sz="1400" dirty="0"/>
-                        <a:t>System shall be easy to pick up and be used by new hires in less than two weeks of training</a:t>
-                      </a:r>
-                      <a:endParaRPr lang="en-IN" sz="1400" dirty="0"/>
-                    </a:p>
-                  </a:txBody>
-                  <a:tcPr/>
-                </a:tc>
-                <a:extLst>
-                  <a:ext uri="{0D108BD9-81ED-4DB2-BD59-A6C34878D82A}">
-                    <a16:rowId xmlns:a16="http://schemas.microsoft.com/office/drawing/2014/main" val="2688861965"/>
-                  </a:ext>
-                </a:extLst>
-              </a:tr>
-              <a:tr h="370840">
-                <a:tc>
-                  <a:txBody>
-                    <a:bodyPr/>
-                    <a:lstStyle/>
-                    <a:p>
-                      <a:r>
-                        <a:rPr lang="en-US" sz="1400" dirty="0"/>
-                        <a:t>Interoperability</a:t>
-                      </a:r>
-                      <a:endParaRPr lang="en-IN" sz="1400" dirty="0"/>
-                    </a:p>
-                  </a:txBody>
-                  <a:tcPr/>
-                </a:tc>
-                <a:tc>
-                  <a:txBody>
-                    <a:bodyPr/>
-                    <a:lstStyle/>
-                    <a:p>
-                      <a:r>
-                        <a:rPr lang="en-US" sz="1400" dirty="0"/>
-                        <a:t>System shall abstract common services such as logging, remote communication to ease flow development for flows.</a:t>
-                      </a:r>
-                      <a:endParaRPr lang="en-IN" sz="1400" dirty="0"/>
-                    </a:p>
-                  </a:txBody>
-                  <a:tcPr/>
-                </a:tc>
-                <a:extLst>
-                  <a:ext uri="{0D108BD9-81ED-4DB2-BD59-A6C34878D82A}">
-                    <a16:rowId xmlns:a16="http://schemas.microsoft.com/office/drawing/2014/main" val="571066431"/>
+                    <a16:rowId xmlns:a16="http://schemas.microsoft.com/office/drawing/2014/main" val="2769835456"/>
                   </a:ext>
                 </a:extLst>
               </a:tr>
@@ -6051,7 +4891,7 @@
     </p:spTree>
     <p:extLst>
       <p:ext uri="{BB962C8B-B14F-4D97-AF65-F5344CB8AC3E}">
-        <p14:creationId xmlns:p14="http://schemas.microsoft.com/office/powerpoint/2010/main" val="1406673193"/>
+        <p14:creationId xmlns:p14="http://schemas.microsoft.com/office/powerpoint/2010/main" val="2783789901"/>
       </p:ext>
     </p:extLst>
   </p:cSld>
@@ -6096,8 +4936,8 @@
         </p:nvSpPr>
         <p:spPr>
           <a:xfrm>
-            <a:off x="464814" y="647680"/>
-            <a:ext cx="11029616" cy="469939"/>
+            <a:off x="464815" y="647681"/>
+            <a:ext cx="11029616" cy="469938"/>
           </a:xfrm>
         </p:spPr>
         <p:txBody>
@@ -6107,47 +4947,333 @@
           <a:lstStyle/>
           <a:p>
             <a:r>
-              <a:rPr lang="en-US" sz="3200"/>
-              <a:t>Utility tree of ASR</a:t>
-            </a:r>
-            <a:endParaRPr lang="en-US" sz="3200" dirty="0"/>
-          </a:p>
-        </p:txBody>
-      </p:sp>
-      <p:pic>
-        <p:nvPicPr>
-          <p:cNvPr id="11" name="Picture 10" descr="A picture containing table&#10;&#10;Description automatically generated">
+              <a:rPr lang="en-US" sz="3200" dirty="0"/>
+              <a:t>Tactics to achieve Top 3 ASRs (Cont.)</a:t>
+            </a:r>
+          </a:p>
+        </p:txBody>
+      </p:sp>
+      <p:graphicFrame>
+        <p:nvGraphicFramePr>
+          <p:cNvPr id="6" name="Table 6">
             <a:extLst>
               <a:ext uri="{FF2B5EF4-FFF2-40B4-BE49-F238E27FC236}">
-                <a16:creationId xmlns:a16="http://schemas.microsoft.com/office/drawing/2014/main" id="{0A1EC1B2-2E6B-4011-B77A-C0F24415C207}"/>
+                <a16:creationId xmlns:a16="http://schemas.microsoft.com/office/drawing/2014/main" id="{9FBAFC49-0A66-4EE5-BB99-7846199194DE}"/>
               </a:ext>
             </a:extLst>
           </p:cNvPr>
-          <p:cNvPicPr>
-            <a:picLocks noChangeAspect="1"/>
-          </p:cNvPicPr>
-          <p:nvPr/>
-        </p:nvPicPr>
-        <p:blipFill>
-          <a:blip r:embed="rId2"/>
-          <a:stretch>
-            <a:fillRect/>
-          </a:stretch>
-        </p:blipFill>
-        <p:spPr>
-          <a:xfrm>
-            <a:off x="1873437" y="1117619"/>
-            <a:ext cx="8212369" cy="5620716"/>
-          </a:xfrm>
-          <a:prstGeom prst="rect">
-            <a:avLst/>
-          </a:prstGeom>
-        </p:spPr>
-      </p:pic>
+          <p:cNvGraphicFramePr>
+            <a:graphicFrameLocks noGrp="1"/>
+          </p:cNvGraphicFramePr>
+          <p:nvPr>
+            <p:ph idx="1"/>
+            <p:extLst>
+              <p:ext uri="{D42A27DB-BD31-4B8C-83A1-F6EECF244321}">
+                <p14:modId xmlns:p14="http://schemas.microsoft.com/office/powerpoint/2010/main" val="644658131"/>
+              </p:ext>
+            </p:extLst>
+          </p:nvPr>
+        </p:nvGraphicFramePr>
+        <p:xfrm>
+          <a:off x="813262" y="1162896"/>
+          <a:ext cx="10565476" cy="5371395"/>
+        </p:xfrm>
+        <a:graphic>
+          <a:graphicData uri="http://schemas.openxmlformats.org/drawingml/2006/table">
+            <a:tbl>
+              <a:tblPr firstRow="1" bandRow="1">
+                <a:tableStyleId>{5C22544A-7EE6-4342-B048-85BDC9FD1C3A}</a:tableStyleId>
+              </a:tblPr>
+              <a:tblGrid>
+                <a:gridCol w="2053646">
+                  <a:extLst>
+                    <a:ext uri="{9D8B030D-6E8A-4147-A177-3AD203B41FA5}">
+                      <a16:colId xmlns:a16="http://schemas.microsoft.com/office/drawing/2014/main" val="3979006666"/>
+                    </a:ext>
+                  </a:extLst>
+                </a:gridCol>
+                <a:gridCol w="3367637">
+                  <a:extLst>
+                    <a:ext uri="{9D8B030D-6E8A-4147-A177-3AD203B41FA5}">
+                      <a16:colId xmlns:a16="http://schemas.microsoft.com/office/drawing/2014/main" val="4140222236"/>
+                    </a:ext>
+                  </a:extLst>
+                </a:gridCol>
+                <a:gridCol w="5144193">
+                  <a:extLst>
+                    <a:ext uri="{9D8B030D-6E8A-4147-A177-3AD203B41FA5}">
+                      <a16:colId xmlns:a16="http://schemas.microsoft.com/office/drawing/2014/main" val="1924539691"/>
+                    </a:ext>
+                  </a:extLst>
+                </a:gridCol>
+              </a:tblGrid>
+              <a:tr h="286256">
+                <a:tc>
+                  <a:txBody>
+                    <a:bodyPr/>
+                    <a:lstStyle/>
+                    <a:p>
+                      <a:pPr algn="ctr"/>
+                      <a:r>
+                        <a:rPr lang="en-US" sz="1600" dirty="0"/>
+                        <a:t>Quality Attribute</a:t>
+                      </a:r>
+                      <a:endParaRPr lang="en-IN" sz="1600" dirty="0"/>
+                    </a:p>
+                  </a:txBody>
+                  <a:tcPr marT="45721" marB="45721"/>
+                </a:tc>
+                <a:tc>
+                  <a:txBody>
+                    <a:bodyPr/>
+                    <a:lstStyle/>
+                    <a:p>
+                      <a:pPr algn="ctr"/>
+                      <a:r>
+                        <a:rPr lang="en-US" sz="1600" dirty="0"/>
+                        <a:t>Scenario (Attribute Refinement)</a:t>
+                      </a:r>
+                      <a:endParaRPr lang="en-IN" sz="1800" dirty="0"/>
+                    </a:p>
+                  </a:txBody>
+                  <a:tcPr marT="45721" marB="45721"/>
+                </a:tc>
+                <a:tc>
+                  <a:txBody>
+                    <a:bodyPr/>
+                    <a:lstStyle/>
+                    <a:p>
+                      <a:pPr algn="ctr"/>
+                      <a:r>
+                        <a:rPr lang="en-US" sz="1600" dirty="0"/>
+                        <a:t>Tactics</a:t>
+                      </a:r>
+                      <a:endParaRPr lang="en-IN" sz="1800" dirty="0"/>
+                    </a:p>
+                  </a:txBody>
+                  <a:tcPr marT="45721" marB="45721"/>
+                </a:tc>
+                <a:extLst>
+                  <a:ext uri="{0D108BD9-81ED-4DB2-BD59-A6C34878D82A}">
+                    <a16:rowId xmlns:a16="http://schemas.microsoft.com/office/drawing/2014/main" val="1783710936"/>
+                  </a:ext>
+                </a:extLst>
+              </a:tr>
+              <a:tr h="1327181">
+                <a:tc rowSpan="2">
+                  <a:txBody>
+                    <a:bodyPr/>
+                    <a:lstStyle/>
+                    <a:p>
+                      <a:pPr algn="ctr"/>
+                      <a:r>
+                        <a:rPr lang="en-US" sz="1800" b="1" dirty="0"/>
+                        <a:t>Availability</a:t>
+                      </a:r>
+                      <a:endParaRPr lang="en-IN" sz="1800" b="1" dirty="0"/>
+                    </a:p>
+                  </a:txBody>
+                  <a:tcPr marT="45721" marB="45721" anchor="ctr"/>
+                </a:tc>
+                <a:tc>
+                  <a:txBody>
+                    <a:bodyPr/>
+                    <a:lstStyle/>
+                    <a:p>
+                      <a:pPr algn="just"/>
+                      <a:r>
+                        <a:rPr lang="en-US" sz="1800" dirty="0"/>
+                        <a:t>Detect faults with any systems in the smart home environment. </a:t>
+                      </a:r>
+                      <a:endParaRPr lang="en-IN" sz="1800" dirty="0"/>
+                    </a:p>
+                  </a:txBody>
+                  <a:tcPr marT="45721" marB="45721" anchor="ctr"/>
+                </a:tc>
+                <a:tc>
+                  <a:txBody>
+                    <a:bodyPr/>
+                    <a:lstStyle/>
+                    <a:p>
+                      <a:pPr marL="0" lvl="0" indent="0" algn="just">
+                        <a:spcAft>
+                          <a:spcPts val="0"/>
+                        </a:spcAft>
+                        <a:buFont typeface="Arial" panose="020B0604020202020204" pitchFamily="34" charset="0"/>
+                        <a:buNone/>
+                      </a:pPr>
+                      <a:r>
+                        <a:rPr lang="en-US" sz="1800" dirty="0"/>
+                        <a:t>The smart hub checks for the availability of the systems by employing </a:t>
+                      </a:r>
+                      <a:r>
+                        <a:rPr lang="en-US" sz="1800" b="1" dirty="0"/>
+                        <a:t>ping/echo messages</a:t>
+                      </a:r>
+                      <a:r>
+                        <a:rPr lang="en-IN" sz="1800" dirty="0"/>
+                        <a:t>. When there is a failure in response after a fixed number of retries then fault recovery can be triggered (This can be done activating the backup redundant system). The hub can also </a:t>
+                      </a:r>
+                      <a:r>
+                        <a:rPr lang="en-IN" sz="1800" b="1" dirty="0"/>
+                        <a:t>notify the user of failures</a:t>
+                      </a:r>
+                      <a:r>
+                        <a:rPr lang="en-IN" sz="1800" dirty="0"/>
+                        <a:t> in the system.</a:t>
+                      </a:r>
+                      <a:endParaRPr lang="en-US" sz="1800" dirty="0"/>
+                    </a:p>
+                  </a:txBody>
+                  <a:tcPr marT="45721" marB="45721"/>
+                </a:tc>
+                <a:extLst>
+                  <a:ext uri="{0D108BD9-81ED-4DB2-BD59-A6C34878D82A}">
+                    <a16:rowId xmlns:a16="http://schemas.microsoft.com/office/drawing/2014/main" val="1711652498"/>
+                  </a:ext>
+                </a:extLst>
+              </a:tr>
+              <a:tr h="1168575">
+                <a:tc vMerge="1">
+                  <a:txBody>
+                    <a:bodyPr/>
+                    <a:lstStyle/>
+                    <a:p>
+                      <a:endParaRPr lang="en-IN" dirty="0"/>
+                    </a:p>
+                  </a:txBody>
+                  <a:tcPr/>
+                </a:tc>
+                <a:tc>
+                  <a:txBody>
+                    <a:bodyPr/>
+                    <a:lstStyle/>
+                    <a:p>
+                      <a:pPr algn="just"/>
+                      <a:r>
+                        <a:rPr lang="en-US" sz="1800" dirty="0"/>
+                        <a:t>Recover faults when it is detected in any system or hub within the smart home system</a:t>
+                      </a:r>
+                      <a:endParaRPr lang="en-IN" sz="1800" dirty="0"/>
+                    </a:p>
+                  </a:txBody>
+                  <a:tcPr marT="45721" marB="45721" anchor="ctr"/>
+                </a:tc>
+                <a:tc>
+                  <a:txBody>
+                    <a:bodyPr/>
+                    <a:lstStyle/>
+                    <a:p>
+                      <a:pPr marL="0" marR="0" lvl="0" indent="0" algn="just" defTabSz="457200" rtl="0" eaLnBrk="1" fontAlgn="auto" latinLnBrk="0" hangingPunct="1">
+                        <a:lnSpc>
+                          <a:spcPct val="100000"/>
+                        </a:lnSpc>
+                        <a:spcBef>
+                          <a:spcPts val="0"/>
+                        </a:spcBef>
+                        <a:spcAft>
+                          <a:spcPts val="0"/>
+                        </a:spcAft>
+                        <a:buClrTx/>
+                        <a:buSzTx/>
+                        <a:buFont typeface="Arial" panose="020B0604020202020204" pitchFamily="34" charset="0"/>
+                        <a:buNone/>
+                        <a:tabLst/>
+                        <a:defRPr/>
+                      </a:pPr>
+                      <a:r>
+                        <a:rPr lang="en-US" sz="1800" dirty="0"/>
+                        <a:t>When the master hub fails, then we can employ </a:t>
+                      </a:r>
+                      <a:r>
+                        <a:rPr lang="en-US" sz="1800" b="1" dirty="0"/>
+                        <a:t>active redundancy</a:t>
+                      </a:r>
+                      <a:r>
+                        <a:rPr lang="en-US" sz="1800" dirty="0"/>
+                        <a:t>, where a new hub can come up soon and resume operations and </a:t>
+                      </a:r>
+                      <a:r>
+                        <a:rPr lang="en-US" sz="1800" b="1" dirty="0"/>
+                        <a:t>notify the user of the failure</a:t>
+                      </a:r>
+                      <a:r>
+                        <a:rPr lang="en-US" sz="1800" dirty="0"/>
+                        <a:t>. This measure can be employed on other systems and sensors as well</a:t>
+                      </a:r>
+                    </a:p>
+                  </a:txBody>
+                  <a:tcPr marT="45721" marB="45721"/>
+                </a:tc>
+                <a:extLst>
+                  <a:ext uri="{0D108BD9-81ED-4DB2-BD59-A6C34878D82A}">
+                    <a16:rowId xmlns:a16="http://schemas.microsoft.com/office/drawing/2014/main" val="2769835456"/>
+                  </a:ext>
+                </a:extLst>
+              </a:tr>
+              <a:tr h="1561389">
+                <a:tc>
+                  <a:txBody>
+                    <a:bodyPr/>
+                    <a:lstStyle/>
+                    <a:p>
+                      <a:pPr algn="ctr"/>
+                      <a:r>
+                        <a:rPr lang="en-US" sz="1800" b="1" dirty="0"/>
+                        <a:t>Interoperability</a:t>
+                      </a:r>
+                      <a:endParaRPr lang="en-IN" sz="1800" b="1" dirty="0"/>
+                    </a:p>
+                  </a:txBody>
+                  <a:tcPr marT="45721" marB="45721" anchor="ctr"/>
+                </a:tc>
+                <a:tc>
+                  <a:txBody>
+                    <a:bodyPr/>
+                    <a:lstStyle/>
+                    <a:p>
+                      <a:pPr algn="just"/>
+                      <a:r>
+                        <a:rPr lang="en-US" sz="1800" dirty="0"/>
+                        <a:t>The system interfaces and works with existing popular smart home systems that use standard protocols for communication.</a:t>
+                      </a:r>
+                      <a:endParaRPr lang="en-IN" sz="1800" dirty="0"/>
+                    </a:p>
+                  </a:txBody>
+                  <a:tcPr marT="45721" marB="45721" anchor="ctr"/>
+                </a:tc>
+                <a:tc>
+                  <a:txBody>
+                    <a:bodyPr/>
+                    <a:lstStyle/>
+                    <a:p>
+                      <a:pPr marL="0" indent="0">
+                        <a:buFont typeface="Arial" panose="020B0604020202020204" pitchFamily="34" charset="0"/>
+                        <a:buNone/>
+                      </a:pPr>
+                      <a:r>
+                        <a:rPr lang="en-US" sz="1800" dirty="0"/>
+                        <a:t>The hub that maintains the smart home network must support popular smart home communication protocols such as ZigBee, Bluetooth LE or Z wave.</a:t>
+                      </a:r>
+                      <a:endParaRPr lang="en-IN" sz="1800" dirty="0"/>
+                    </a:p>
+                  </a:txBody>
+                  <a:tcPr marT="45721" marB="45721"/>
+                </a:tc>
+                <a:extLst>
+                  <a:ext uri="{0D108BD9-81ED-4DB2-BD59-A6C34878D82A}">
+                    <a16:rowId xmlns:a16="http://schemas.microsoft.com/office/drawing/2014/main" val="3119534151"/>
+                  </a:ext>
+                </a:extLst>
+              </a:tr>
+            </a:tbl>
+          </a:graphicData>
+        </a:graphic>
+      </p:graphicFrame>
     </p:spTree>
     <p:extLst>
       <p:ext uri="{BB962C8B-B14F-4D97-AF65-F5344CB8AC3E}">
-        <p14:creationId xmlns:p14="http://schemas.microsoft.com/office/powerpoint/2010/main" val="1942981705"/>
+        <p14:creationId xmlns:p14="http://schemas.microsoft.com/office/powerpoint/2010/main" val="1889056572"/>
       </p:ext>
     </p:extLst>
   </p:cSld>
@@ -6192,8 +5318,8 @@
         </p:nvSpPr>
         <p:spPr>
           <a:xfrm>
-            <a:off x="464814" y="647680"/>
-            <a:ext cx="11029616" cy="469939"/>
+            <a:off x="480050" y="556913"/>
+            <a:ext cx="11029616" cy="469938"/>
           </a:xfrm>
         </p:spPr>
         <p:txBody>
@@ -6203,262 +5329,113 @@
           <a:lstStyle/>
           <a:p>
             <a:r>
-              <a:rPr lang="en-US" sz="3200" dirty="0"/>
-              <a:t>Tactics to achieve Top 5 ASRs</a:t>
-            </a:r>
-          </a:p>
-        </p:txBody>
-      </p:sp>
-      <p:graphicFrame>
-        <p:nvGraphicFramePr>
-          <p:cNvPr id="6" name="Table 6">
+              <a:rPr lang="en-US" sz="2400" dirty="0"/>
+              <a:t>Component Connector Diagram</a:t>
+            </a:r>
+          </a:p>
+        </p:txBody>
+      </p:sp>
+      <p:sp>
+        <p:nvSpPr>
+          <p:cNvPr id="8" name="Content Placeholder 2">
             <a:extLst>
               <a:ext uri="{FF2B5EF4-FFF2-40B4-BE49-F238E27FC236}">
-                <a16:creationId xmlns:a16="http://schemas.microsoft.com/office/drawing/2014/main" id="{9FBAFC49-0A66-4EE5-BB99-7846199194DE}"/>
+                <a16:creationId xmlns:a16="http://schemas.microsoft.com/office/drawing/2014/main" id="{601E0D89-CF0D-410C-B6FF-09858188B4E2}"/>
               </a:ext>
             </a:extLst>
           </p:cNvPr>
-          <p:cNvGraphicFramePr>
-            <a:graphicFrameLocks noGrp="1"/>
-          </p:cNvGraphicFramePr>
+          <p:cNvSpPr>
+            <a:spLocks noGrp="1"/>
+          </p:cNvSpPr>
           <p:nvPr>
             <p:ph idx="1"/>
-            <p:extLst>
-              <p:ext uri="{D42A27DB-BD31-4B8C-83A1-F6EECF244321}">
-                <p14:modId xmlns:p14="http://schemas.microsoft.com/office/powerpoint/2010/main" val="3742134363"/>
-              </p:ext>
-            </p:extLst>
-          </p:nvPr>
-        </p:nvGraphicFramePr>
-        <p:xfrm>
-          <a:off x="813262" y="1267480"/>
-          <a:ext cx="10565475" cy="4942840"/>
-        </p:xfrm>
-        <a:graphic>
-          <a:graphicData uri="http://schemas.openxmlformats.org/drawingml/2006/table">
-            <a:tbl>
-              <a:tblPr firstRow="1" bandRow="1">
-                <a:tableStyleId>{5C22544A-7EE6-4342-B048-85BDC9FD1C3A}</a:tableStyleId>
-              </a:tblPr>
-              <a:tblGrid>
-                <a:gridCol w="2053645">
-                  <a:extLst>
-                    <a:ext uri="{9D8B030D-6E8A-4147-A177-3AD203B41FA5}">
-                      <a16:colId xmlns:a16="http://schemas.microsoft.com/office/drawing/2014/main" val="3979006666"/>
-                    </a:ext>
-                  </a:extLst>
-                </a:gridCol>
-                <a:gridCol w="3866402">
-                  <a:extLst>
-                    <a:ext uri="{9D8B030D-6E8A-4147-A177-3AD203B41FA5}">
-                      <a16:colId xmlns:a16="http://schemas.microsoft.com/office/drawing/2014/main" val="4140222236"/>
-                    </a:ext>
-                  </a:extLst>
-                </a:gridCol>
-                <a:gridCol w="4645428">
-                  <a:extLst>
-                    <a:ext uri="{9D8B030D-6E8A-4147-A177-3AD203B41FA5}">
-                      <a16:colId xmlns:a16="http://schemas.microsoft.com/office/drawing/2014/main" val="1924539691"/>
-                    </a:ext>
-                  </a:extLst>
-                </a:gridCol>
-              </a:tblGrid>
-              <a:tr h="370840">
-                <a:tc>
-                  <a:txBody>
-                    <a:bodyPr/>
-                    <a:lstStyle/>
-                    <a:p>
-                      <a:pPr algn="ctr"/>
-                      <a:r>
-                        <a:rPr lang="en-US" dirty="0"/>
-                        <a:t>Quality Attribute</a:t>
-                      </a:r>
-                      <a:endParaRPr lang="en-IN" dirty="0"/>
-                    </a:p>
-                  </a:txBody>
-                  <a:tcPr/>
-                </a:tc>
-                <a:tc>
-                  <a:txBody>
-                    <a:bodyPr/>
-                    <a:lstStyle/>
-                    <a:p>
-                      <a:pPr algn="ctr"/>
-                      <a:r>
-                        <a:rPr lang="en-US" dirty="0"/>
-                        <a:t>Scenario (Attribute Refinement)</a:t>
-                      </a:r>
-                      <a:endParaRPr lang="en-IN" dirty="0"/>
-                    </a:p>
-                  </a:txBody>
-                  <a:tcPr/>
-                </a:tc>
-                <a:tc>
-                  <a:txBody>
-                    <a:bodyPr/>
-                    <a:lstStyle/>
-                    <a:p>
-                      <a:pPr algn="ctr"/>
-                      <a:r>
-                        <a:rPr lang="en-US" dirty="0"/>
-                        <a:t>Tactics</a:t>
-                      </a:r>
-                      <a:endParaRPr lang="en-IN" dirty="0"/>
-                    </a:p>
-                  </a:txBody>
-                  <a:tcPr/>
-                </a:tc>
-                <a:extLst>
-                  <a:ext uri="{0D108BD9-81ED-4DB2-BD59-A6C34878D82A}">
-                    <a16:rowId xmlns:a16="http://schemas.microsoft.com/office/drawing/2014/main" val="1783710936"/>
-                  </a:ext>
-                </a:extLst>
-              </a:tr>
-              <a:tr h="370840">
-                <a:tc rowSpan="2">
-                  <a:txBody>
-                    <a:bodyPr/>
-                    <a:lstStyle/>
-                    <a:p>
-                      <a:pPr algn="ctr"/>
-                      <a:r>
-                        <a:rPr lang="en-US" b="1" dirty="0"/>
-                        <a:t>Performance</a:t>
-                      </a:r>
-                      <a:endParaRPr lang="en-IN" b="1" dirty="0"/>
-                    </a:p>
-                  </a:txBody>
-                  <a:tcPr anchor="ctr"/>
-                </a:tc>
-                <a:tc>
-                  <a:txBody>
-                    <a:bodyPr/>
-                    <a:lstStyle/>
-                    <a:p>
-                      <a:pPr algn="just"/>
-                      <a:r>
-                        <a:rPr lang="en-US" dirty="0"/>
-                        <a:t>On standard operation of 4 test flows the CPU usage must be as low as 50% to let the other services to use. (System Load)</a:t>
-                      </a:r>
-                      <a:endParaRPr lang="en-IN" dirty="0"/>
-                    </a:p>
-                  </a:txBody>
-                  <a:tcPr anchor="ctr"/>
-                </a:tc>
-                <a:tc>
-                  <a:txBody>
-                    <a:bodyPr/>
-                    <a:lstStyle/>
-                    <a:p>
-                      <a:pPr marL="285750" lvl="0" indent="-285750">
-                        <a:spcAft>
-                          <a:spcPts val="0"/>
-                        </a:spcAft>
-                        <a:buFont typeface="Arial" panose="020B0604020202020204" pitchFamily="34" charset="0"/>
-                        <a:buChar char="•"/>
-                      </a:pPr>
-                      <a:r>
-                        <a:rPr lang="en-US" sz="1800" dirty="0"/>
-                        <a:t>Caching data of older flow results so that requests for them are handled quickly and not affect other flow execution requests.</a:t>
-                      </a:r>
-                    </a:p>
-                    <a:p>
-                      <a:pPr marL="285750" lvl="0" indent="-285750" algn="just">
-                        <a:spcAft>
-                          <a:spcPts val="0"/>
-                        </a:spcAft>
-                        <a:buFont typeface="Arial" panose="020B0604020202020204" pitchFamily="34" charset="0"/>
-                        <a:buChar char="•"/>
-                      </a:pPr>
-                      <a:r>
-                        <a:rPr lang="en-US" sz="1800" dirty="0"/>
-                        <a:t>Making sure resource arbitration is done by placing flow execution requests on a FIFO queue since all flow requests are of equal priority and have mechanisms in place (such as timeouts and exception handling) to avoid other flows requests from getting stuck in the queue.</a:t>
-                      </a:r>
-                      <a:endParaRPr lang="en-IN" dirty="0"/>
-                    </a:p>
-                  </a:txBody>
-                  <a:tcPr/>
-                </a:tc>
-                <a:extLst>
-                  <a:ext uri="{0D108BD9-81ED-4DB2-BD59-A6C34878D82A}">
-                    <a16:rowId xmlns:a16="http://schemas.microsoft.com/office/drawing/2014/main" val="1711652498"/>
-                  </a:ext>
-                </a:extLst>
-              </a:tr>
-              <a:tr h="370840">
-                <a:tc vMerge="1">
-                  <a:txBody>
-                    <a:bodyPr/>
-                    <a:lstStyle/>
-                    <a:p>
-                      <a:endParaRPr lang="en-IN" dirty="0"/>
-                    </a:p>
-                  </a:txBody>
-                  <a:tcPr/>
-                </a:tc>
-                <a:tc>
-                  <a:txBody>
-                    <a:bodyPr/>
-                    <a:lstStyle/>
-                    <a:p>
-                      <a:pPr algn="just"/>
-                      <a:r>
-                        <a:rPr lang="en-US" dirty="0"/>
-                        <a:t>A minimum of 4 independent flows should be able to run. (Throughput)</a:t>
-                      </a:r>
-                      <a:endParaRPr lang="en-IN" dirty="0"/>
-                    </a:p>
-                  </a:txBody>
-                  <a:tcPr anchor="ctr"/>
-                </a:tc>
-                <a:tc>
-                  <a:txBody>
-                    <a:bodyPr/>
-                    <a:lstStyle/>
-                    <a:p>
-                      <a:pPr marL="0" marR="0" lvl="0" indent="0" algn="just" defTabSz="457200" rtl="0" eaLnBrk="1" fontAlgn="auto" latinLnBrk="0" hangingPunct="1">
-                        <a:lnSpc>
-                          <a:spcPct val="100000"/>
-                        </a:lnSpc>
-                        <a:spcBef>
-                          <a:spcPts val="0"/>
-                        </a:spcBef>
-                        <a:spcAft>
-                          <a:spcPts val="0"/>
-                        </a:spcAft>
-                        <a:buClrTx/>
-                        <a:buSzTx/>
-                        <a:buFontTx/>
-                        <a:buNone/>
-                        <a:tabLst/>
-                        <a:defRPr/>
-                      </a:pPr>
-                      <a:r>
-                        <a:rPr lang="en-US" sz="1800" dirty="0"/>
-                        <a:t>Can be achieved by using multi core processors on the app server and implement the flow execution engine with multithreading to make sure flows are run in separate threads.</a:t>
-                      </a:r>
-                    </a:p>
-                    <a:p>
-                      <a:endParaRPr lang="en-IN" dirty="0"/>
-                    </a:p>
-                  </a:txBody>
-                  <a:tcPr/>
-                </a:tc>
-                <a:extLst>
-                  <a:ext uri="{0D108BD9-81ED-4DB2-BD59-A6C34878D82A}">
-                    <a16:rowId xmlns:a16="http://schemas.microsoft.com/office/drawing/2014/main" val="2769835456"/>
-                  </a:ext>
-                </a:extLst>
-              </a:tr>
-            </a:tbl>
-          </a:graphicData>
-        </a:graphic>
-      </p:graphicFrame>
+          </p:nvPr>
+        </p:nvSpPr>
+        <p:spPr>
+          <a:xfrm>
+            <a:off x="367685" y="5180311"/>
+            <a:ext cx="11456629" cy="1516379"/>
+          </a:xfrm>
+        </p:spPr>
+        <p:txBody>
+          <a:bodyPr>
+            <a:normAutofit fontScale="70000" lnSpcReduction="20000"/>
+          </a:bodyPr>
+          <a:lstStyle/>
+          <a:p>
+            <a:pPr marL="0" indent="0" algn="just">
+              <a:buNone/>
+            </a:pPr>
+            <a:r>
+              <a:rPr lang="en-US" sz="1801" dirty="0"/>
+              <a:t>The following are the interactions that are seen between the major components in the system:</a:t>
+            </a:r>
+          </a:p>
+          <a:p>
+            <a:pPr algn="just"/>
+            <a:r>
+              <a:rPr lang="en-US" sz="1801" dirty="0"/>
+              <a:t>The smart phone application can either send instructions via the cloud hosted services from a remote network or even send them in the local network through Wi-Fi.</a:t>
+            </a:r>
+          </a:p>
+          <a:p>
+            <a:pPr algn="just"/>
+            <a:r>
+              <a:rPr lang="en-US" sz="1801" dirty="0"/>
+              <a:t>The user can also use smart speakers such as Alexa or Google home to give instructions to the hub via the local </a:t>
+            </a:r>
+            <a:r>
+              <a:rPr lang="en-US" sz="1801" dirty="0" err="1"/>
+              <a:t>wifi</a:t>
+            </a:r>
+            <a:r>
+              <a:rPr lang="en-US" sz="1801" dirty="0"/>
+              <a:t> network</a:t>
+            </a:r>
+          </a:p>
+          <a:p>
+            <a:pPr algn="just"/>
+            <a:r>
+              <a:rPr lang="en-US" sz="1801" dirty="0"/>
+              <a:t>The IOT sensors, and other smart systems use standard low energy communication protocols such as ZigBee or Bluetooth LE. The Gate system, whether control and other systems communicate with the smart home hub through messages sent via a broker.</a:t>
+            </a:r>
+          </a:p>
+        </p:txBody>
+      </p:sp>
+      <p:pic>
+        <p:nvPicPr>
+          <p:cNvPr id="10" name="Picture 9" descr="Diagram&#10;&#10;Description automatically generated">
+            <a:extLst>
+              <a:ext uri="{FF2B5EF4-FFF2-40B4-BE49-F238E27FC236}">
+                <a16:creationId xmlns:a16="http://schemas.microsoft.com/office/drawing/2014/main" id="{CECF5F5D-F180-4F3A-ABCA-6095767F484C}"/>
+              </a:ext>
+            </a:extLst>
+          </p:cNvPr>
+          <p:cNvPicPr>
+            <a:picLocks noChangeAspect="1"/>
+          </p:cNvPicPr>
+          <p:nvPr/>
+        </p:nvPicPr>
+        <p:blipFill>
+          <a:blip r:embed="rId2"/>
+          <a:stretch>
+            <a:fillRect/>
+          </a:stretch>
+        </p:blipFill>
+        <p:spPr>
+          <a:xfrm>
+            <a:off x="528636" y="1026851"/>
+            <a:ext cx="11134725" cy="4019550"/>
+          </a:xfrm>
+          <a:prstGeom prst="rect">
+            <a:avLst/>
+          </a:prstGeom>
+        </p:spPr>
+      </p:pic>
     </p:spTree>
     <p:extLst>
       <p:ext uri="{BB962C8B-B14F-4D97-AF65-F5344CB8AC3E}">
-        <p14:creationId xmlns:p14="http://schemas.microsoft.com/office/powerpoint/2010/main" val="1889056572"/>
+        <p14:creationId xmlns:p14="http://schemas.microsoft.com/office/powerpoint/2010/main" val="1945074552"/>
       </p:ext>
     </p:extLst>
   </p:cSld>
@@ -6485,289 +5462,15 @@
           <a:chExt cx="0" cy="0"/>
         </a:xfrm>
       </p:grpSpPr>
-      <p:graphicFrame>
-        <p:nvGraphicFramePr>
-          <p:cNvPr id="4" name="Table 6">
+      <p:sp>
+        <p:nvSpPr>
+          <p:cNvPr id="2" name="Title 1">
             <a:extLst>
               <a:ext uri="{FF2B5EF4-FFF2-40B4-BE49-F238E27FC236}">
-                <a16:creationId xmlns:a16="http://schemas.microsoft.com/office/drawing/2014/main" id="{6C571FBE-5E87-4BC4-9A18-64026B57FC74}"/>
+                <a16:creationId xmlns:a16="http://schemas.microsoft.com/office/drawing/2014/main" id="{5E562972-3449-42D1-8185-B4BEFD52AB44}"/>
               </a:ext>
             </a:extLst>
           </p:cNvPr>
-          <p:cNvGraphicFramePr>
-            <a:graphicFrameLocks noGrp="1"/>
-          </p:cNvGraphicFramePr>
-          <p:nvPr>
-            <p:ph idx="1"/>
-            <p:extLst>
-              <p:ext uri="{D42A27DB-BD31-4B8C-83A1-F6EECF244321}">
-                <p14:modId xmlns:p14="http://schemas.microsoft.com/office/powerpoint/2010/main" val="1669013013"/>
-              </p:ext>
-            </p:extLst>
-          </p:nvPr>
-        </p:nvGraphicFramePr>
-        <p:xfrm>
-          <a:off x="813262" y="1416877"/>
-          <a:ext cx="10565475" cy="4668520"/>
-        </p:xfrm>
-        <a:graphic>
-          <a:graphicData uri="http://schemas.openxmlformats.org/drawingml/2006/table">
-            <a:tbl>
-              <a:tblPr firstRow="1" bandRow="1">
-                <a:tableStyleId>{5C22544A-7EE6-4342-B048-85BDC9FD1C3A}</a:tableStyleId>
-              </a:tblPr>
-              <a:tblGrid>
-                <a:gridCol w="2053645">
-                  <a:extLst>
-                    <a:ext uri="{9D8B030D-6E8A-4147-A177-3AD203B41FA5}">
-                      <a16:colId xmlns:a16="http://schemas.microsoft.com/office/drawing/2014/main" val="3979006666"/>
-                    </a:ext>
-                  </a:extLst>
-                </a:gridCol>
-                <a:gridCol w="3916278">
-                  <a:extLst>
-                    <a:ext uri="{9D8B030D-6E8A-4147-A177-3AD203B41FA5}">
-                      <a16:colId xmlns:a16="http://schemas.microsoft.com/office/drawing/2014/main" val="4140222236"/>
-                    </a:ext>
-                  </a:extLst>
-                </a:gridCol>
-                <a:gridCol w="4595552">
-                  <a:extLst>
-                    <a:ext uri="{9D8B030D-6E8A-4147-A177-3AD203B41FA5}">
-                      <a16:colId xmlns:a16="http://schemas.microsoft.com/office/drawing/2014/main" val="1924539691"/>
-                    </a:ext>
-                  </a:extLst>
-                </a:gridCol>
-              </a:tblGrid>
-              <a:tr h="370840">
-                <a:tc>
-                  <a:txBody>
-                    <a:bodyPr/>
-                    <a:lstStyle/>
-                    <a:p>
-                      <a:pPr algn="ctr"/>
-                      <a:r>
-                        <a:rPr lang="en-US" dirty="0"/>
-                        <a:t>Quality Attribute</a:t>
-                      </a:r>
-                      <a:endParaRPr lang="en-IN" dirty="0"/>
-                    </a:p>
-                  </a:txBody>
-                  <a:tcPr/>
-                </a:tc>
-                <a:tc>
-                  <a:txBody>
-                    <a:bodyPr/>
-                    <a:lstStyle/>
-                    <a:p>
-                      <a:pPr algn="ctr"/>
-                      <a:r>
-                        <a:rPr lang="en-US" dirty="0"/>
-                        <a:t>Scenario (Attribute Refinement)</a:t>
-                      </a:r>
-                      <a:endParaRPr lang="en-IN" dirty="0"/>
-                    </a:p>
-                  </a:txBody>
-                  <a:tcPr/>
-                </a:tc>
-                <a:tc>
-                  <a:txBody>
-                    <a:bodyPr/>
-                    <a:lstStyle/>
-                    <a:p>
-                      <a:pPr algn="ctr"/>
-                      <a:r>
-                        <a:rPr lang="en-US" dirty="0"/>
-                        <a:t>Tactics</a:t>
-                      </a:r>
-                      <a:endParaRPr lang="en-IN" dirty="0"/>
-                    </a:p>
-                  </a:txBody>
-                  <a:tcPr/>
-                </a:tc>
-                <a:extLst>
-                  <a:ext uri="{0D108BD9-81ED-4DB2-BD59-A6C34878D82A}">
-                    <a16:rowId xmlns:a16="http://schemas.microsoft.com/office/drawing/2014/main" val="1783710936"/>
-                  </a:ext>
-                </a:extLst>
-              </a:tr>
-              <a:tr h="370840">
-                <a:tc>
-                  <a:txBody>
-                    <a:bodyPr/>
-                    <a:lstStyle/>
-                    <a:p>
-                      <a:pPr algn="ctr"/>
-                      <a:r>
-                        <a:rPr lang="en-US" b="1" dirty="0"/>
-                        <a:t>Security</a:t>
-                      </a:r>
-                      <a:endParaRPr lang="en-IN" b="1" dirty="0"/>
-                    </a:p>
-                  </a:txBody>
-                  <a:tcPr anchor="ctr"/>
-                </a:tc>
-                <a:tc>
-                  <a:txBody>
-                    <a:bodyPr/>
-                    <a:lstStyle/>
-                    <a:p>
-                      <a:pPr algn="just"/>
-                      <a:r>
-                        <a:rPr lang="en-US" dirty="0"/>
-                        <a:t>Authorized AFE users are assigned to groups which decide what flows the user can execute and what they cannot (Authorization)</a:t>
-                      </a:r>
-                      <a:endParaRPr lang="en-IN" dirty="0"/>
-                    </a:p>
-                  </a:txBody>
-                  <a:tcPr anchor="ctr"/>
-                </a:tc>
-                <a:tc>
-                  <a:txBody>
-                    <a:bodyPr/>
-                    <a:lstStyle/>
-                    <a:p>
-                      <a:pPr marL="285750" lvl="0" indent="-285750" algn="just">
-                        <a:spcAft>
-                          <a:spcPts val="0"/>
-                        </a:spcAft>
-                        <a:buFont typeface="Arial" panose="020B0604020202020204" pitchFamily="34" charset="0"/>
-                        <a:buChar char="•"/>
-                      </a:pPr>
-                      <a:r>
-                        <a:rPr lang="en-US" sz="1800" dirty="0"/>
-                        <a:t>The controller that will handle requests to AFE system must be able to authenticate the requests by integrating it with the organization’s SSO (Single Sign On). </a:t>
-                      </a:r>
-                    </a:p>
-                    <a:p>
-                      <a:pPr marL="285750" lvl="0" indent="-285750" algn="just">
-                        <a:spcAft>
-                          <a:spcPts val="0"/>
-                        </a:spcAft>
-                        <a:buFont typeface="Arial" panose="020B0604020202020204" pitchFamily="34" charset="0"/>
-                        <a:buChar char="•"/>
-                      </a:pPr>
-                      <a:r>
-                        <a:rPr lang="en-US" sz="1800" dirty="0"/>
-                        <a:t>When flows are developed one can assign role permissions to it.</a:t>
-                      </a:r>
-                    </a:p>
-                    <a:p>
-                      <a:pPr marL="285750" lvl="0" indent="-285750" algn="just">
-                        <a:spcAft>
-                          <a:spcPts val="0"/>
-                        </a:spcAft>
-                        <a:buFont typeface="Arial" panose="020B0604020202020204" pitchFamily="34" charset="0"/>
-                        <a:buChar char="•"/>
-                      </a:pPr>
-                      <a:r>
-                        <a:rPr lang="en-US" sz="1800" dirty="0"/>
-                        <a:t>Users can be put into the roles and groups which further helps in segregating the kind of flows one can execute. </a:t>
-                      </a:r>
-                      <a:endParaRPr lang="en-US" sz="1800" b="1" dirty="0"/>
-                    </a:p>
-                  </a:txBody>
-                  <a:tcPr/>
-                </a:tc>
-                <a:extLst>
-                  <a:ext uri="{0D108BD9-81ED-4DB2-BD59-A6C34878D82A}">
-                    <a16:rowId xmlns:a16="http://schemas.microsoft.com/office/drawing/2014/main" val="1711652498"/>
-                  </a:ext>
-                </a:extLst>
-              </a:tr>
-              <a:tr h="370840">
-                <a:tc>
-                  <a:txBody>
-                    <a:bodyPr/>
-                    <a:lstStyle/>
-                    <a:p>
-                      <a:pPr algn="ctr"/>
-                      <a:r>
-                        <a:rPr lang="en-US" b="1" dirty="0"/>
-                        <a:t>Availability</a:t>
-                      </a:r>
-                      <a:endParaRPr lang="en-IN" b="1" dirty="0"/>
-                    </a:p>
-                  </a:txBody>
-                  <a:tcPr anchor="ctr"/>
-                </a:tc>
-                <a:tc>
-                  <a:txBody>
-                    <a:bodyPr/>
-                    <a:lstStyle/>
-                    <a:p>
-                      <a:pPr algn="just"/>
-                      <a:r>
-                        <a:rPr lang="en-US" dirty="0"/>
-                        <a:t>When core AFE services are down the system must come back up in 60 seconds </a:t>
-                      </a:r>
-                      <a:endParaRPr lang="en-IN" dirty="0"/>
-                    </a:p>
-                  </a:txBody>
-                  <a:tcPr anchor="ctr"/>
-                </a:tc>
-                <a:tc>
-                  <a:txBody>
-                    <a:bodyPr/>
-                    <a:lstStyle/>
-                    <a:p>
-                      <a:pPr marL="285750" lvl="0" indent="-285750" algn="just">
-                        <a:spcAft>
-                          <a:spcPts val="0"/>
-                        </a:spcAft>
-                        <a:buFont typeface="Arial" panose="020B0604020202020204" pitchFamily="34" charset="0"/>
-                        <a:buChar char="•"/>
-                      </a:pPr>
-                      <a:r>
-                        <a:rPr lang="en-US" sz="1800" dirty="0"/>
-                        <a:t>Make the core AFE system modules responsible for flow execution be deployed in fast readable SSD based storage.</a:t>
-                      </a:r>
-                    </a:p>
-                    <a:p>
-                      <a:pPr marL="285750" lvl="0" indent="-285750" algn="just">
-                        <a:spcAft>
-                          <a:spcPts val="0"/>
-                        </a:spcAft>
-                        <a:buFont typeface="Arial" panose="020B0604020202020204" pitchFamily="34" charset="0"/>
-                        <a:buChar char="•"/>
-                      </a:pPr>
-                      <a:r>
-                        <a:rPr lang="en-US" sz="1800" dirty="0"/>
-                        <a:t>Caching application state data so that the service restart is faster.</a:t>
-                      </a:r>
-                    </a:p>
-                    <a:p>
-                      <a:pPr marL="285750" lvl="0" indent="-285750">
-                        <a:spcAft>
-                          <a:spcPts val="0"/>
-                        </a:spcAft>
-                        <a:buFont typeface="Arial" panose="020B0604020202020204" pitchFamily="34" charset="0"/>
-                        <a:buChar char="•"/>
-                      </a:pPr>
-                      <a:endParaRPr lang="en-US" sz="1800" b="1" dirty="0"/>
-                    </a:p>
-                  </a:txBody>
-                  <a:tcPr/>
-                </a:tc>
-                <a:extLst>
-                  <a:ext uri="{0D108BD9-81ED-4DB2-BD59-A6C34878D82A}">
-                    <a16:rowId xmlns:a16="http://schemas.microsoft.com/office/drawing/2014/main" val="725873979"/>
-                  </a:ext>
-                </a:extLst>
-              </a:tr>
-            </a:tbl>
-          </a:graphicData>
-        </a:graphic>
-      </p:graphicFrame>
-      <p:sp>
-        <p:nvSpPr>
-          <p:cNvPr id="5" name="Title 1">
-            <a:extLst>
-              <a:ext uri="{FF2B5EF4-FFF2-40B4-BE49-F238E27FC236}">
-                <a16:creationId xmlns:a16="http://schemas.microsoft.com/office/drawing/2014/main" id="{D309E127-A836-4213-AD1A-244D107C6980}"/>
-              </a:ext>
-            </a:extLst>
-          </p:cNvPr>
           <p:cNvSpPr>
             <a:spLocks noGrp="1"/>
           </p:cNvSpPr>
@@ -6777,8 +5480,8 @@
         </p:nvSpPr>
         <p:spPr>
           <a:xfrm>
-            <a:off x="464814" y="647680"/>
-            <a:ext cx="11029616" cy="469939"/>
+            <a:off x="464815" y="647681"/>
+            <a:ext cx="11029616" cy="469938"/>
           </a:xfrm>
         </p:spPr>
         <p:txBody>
@@ -6789,15 +5492,45 @@
           <a:p>
             <a:r>
               <a:rPr lang="en-US" sz="3200" dirty="0"/>
-              <a:t>Tactics to achieve Top 5 ASRs (Cont.)</a:t>
-            </a:r>
-          </a:p>
-        </p:txBody>
-      </p:sp>
+              <a:t>Deployment Diagram</a:t>
+            </a:r>
+          </a:p>
+        </p:txBody>
+      </p:sp>
+      <p:pic>
+        <p:nvPicPr>
+          <p:cNvPr id="4" name="Picture 3" descr="Diagram&#10;&#10;Description automatically generated">
+            <a:extLst>
+              <a:ext uri="{FF2B5EF4-FFF2-40B4-BE49-F238E27FC236}">
+                <a16:creationId xmlns:a16="http://schemas.microsoft.com/office/drawing/2014/main" id="{AD2EF966-19B7-4CBE-8BB0-7468A73BB6B3}"/>
+              </a:ext>
+            </a:extLst>
+          </p:cNvPr>
+          <p:cNvPicPr>
+            <a:picLocks noChangeAspect="1"/>
+          </p:cNvPicPr>
+          <p:nvPr/>
+        </p:nvPicPr>
+        <p:blipFill>
+          <a:blip r:embed="rId2"/>
+          <a:stretch>
+            <a:fillRect/>
+          </a:stretch>
+        </p:blipFill>
+        <p:spPr>
+          <a:xfrm>
+            <a:off x="2019880" y="1197292"/>
+            <a:ext cx="8152239" cy="5112068"/>
+          </a:xfrm>
+          <a:prstGeom prst="rect">
+            <a:avLst/>
+          </a:prstGeom>
+        </p:spPr>
+      </p:pic>
     </p:spTree>
     <p:extLst>
       <p:ext uri="{BB962C8B-B14F-4D97-AF65-F5344CB8AC3E}">
-        <p14:creationId xmlns:p14="http://schemas.microsoft.com/office/powerpoint/2010/main" val="1152172155"/>
+        <p14:creationId xmlns:p14="http://schemas.microsoft.com/office/powerpoint/2010/main" val="523763789"/>
       </p:ext>
     </p:extLst>
   </p:cSld>
@@ -6824,251 +5557,15 @@
           <a:chExt cx="0" cy="0"/>
         </a:xfrm>
       </p:grpSpPr>
-      <p:graphicFrame>
-        <p:nvGraphicFramePr>
-          <p:cNvPr id="4" name="Table 6">
+      <p:sp>
+        <p:nvSpPr>
+          <p:cNvPr id="2" name="Title 1">
             <a:extLst>
               <a:ext uri="{FF2B5EF4-FFF2-40B4-BE49-F238E27FC236}">
-                <a16:creationId xmlns:a16="http://schemas.microsoft.com/office/drawing/2014/main" id="{512A5F74-BC7A-4C40-93A6-D8DAB2C28D9E}"/>
+                <a16:creationId xmlns:a16="http://schemas.microsoft.com/office/drawing/2014/main" id="{5E562972-3449-42D1-8185-B4BEFD52AB44}"/>
               </a:ext>
             </a:extLst>
           </p:cNvPr>
-          <p:cNvGraphicFramePr>
-            <a:graphicFrameLocks/>
-          </p:cNvGraphicFramePr>
-          <p:nvPr>
-            <p:extLst>
-              <p:ext uri="{D42A27DB-BD31-4B8C-83A1-F6EECF244321}">
-                <p14:modId xmlns:p14="http://schemas.microsoft.com/office/powerpoint/2010/main" val="68280827"/>
-              </p:ext>
-            </p:extLst>
-          </p:nvPr>
-        </p:nvGraphicFramePr>
-        <p:xfrm>
-          <a:off x="813262" y="1298401"/>
-          <a:ext cx="10565475" cy="4394200"/>
-        </p:xfrm>
-        <a:graphic>
-          <a:graphicData uri="http://schemas.openxmlformats.org/drawingml/2006/table">
-            <a:tbl>
-              <a:tblPr firstRow="1" bandRow="1">
-                <a:tableStyleId>{5C22544A-7EE6-4342-B048-85BDC9FD1C3A}</a:tableStyleId>
-              </a:tblPr>
-              <a:tblGrid>
-                <a:gridCol w="2053645">
-                  <a:extLst>
-                    <a:ext uri="{9D8B030D-6E8A-4147-A177-3AD203B41FA5}">
-                      <a16:colId xmlns:a16="http://schemas.microsoft.com/office/drawing/2014/main" val="3979006666"/>
-                    </a:ext>
-                  </a:extLst>
-                </a:gridCol>
-                <a:gridCol w="4255915">
-                  <a:extLst>
-                    <a:ext uri="{9D8B030D-6E8A-4147-A177-3AD203B41FA5}">
-                      <a16:colId xmlns:a16="http://schemas.microsoft.com/office/drawing/2014/main" val="4140222236"/>
-                    </a:ext>
-                  </a:extLst>
-                </a:gridCol>
-                <a:gridCol w="4255915">
-                  <a:extLst>
-                    <a:ext uri="{9D8B030D-6E8A-4147-A177-3AD203B41FA5}">
-                      <a16:colId xmlns:a16="http://schemas.microsoft.com/office/drawing/2014/main" val="1924539691"/>
-                    </a:ext>
-                  </a:extLst>
-                </a:gridCol>
-              </a:tblGrid>
-              <a:tr h="370840">
-                <a:tc>
-                  <a:txBody>
-                    <a:bodyPr/>
-                    <a:lstStyle/>
-                    <a:p>
-                      <a:pPr algn="ctr"/>
-                      <a:r>
-                        <a:rPr lang="en-US" dirty="0"/>
-                        <a:t>Quality Attribute</a:t>
-                      </a:r>
-                      <a:endParaRPr lang="en-IN" dirty="0"/>
-                    </a:p>
-                  </a:txBody>
-                  <a:tcPr/>
-                </a:tc>
-                <a:tc>
-                  <a:txBody>
-                    <a:bodyPr/>
-                    <a:lstStyle/>
-                    <a:p>
-                      <a:pPr algn="ctr"/>
-                      <a:r>
-                        <a:rPr lang="en-US" dirty="0"/>
-                        <a:t>Scenario (Attribute Refinement)</a:t>
-                      </a:r>
-                      <a:endParaRPr lang="en-IN" dirty="0"/>
-                    </a:p>
-                  </a:txBody>
-                  <a:tcPr/>
-                </a:tc>
-                <a:tc>
-                  <a:txBody>
-                    <a:bodyPr/>
-                    <a:lstStyle/>
-                    <a:p>
-                      <a:pPr algn="ctr"/>
-                      <a:r>
-                        <a:rPr lang="en-US" dirty="0"/>
-                        <a:t>Tactics</a:t>
-                      </a:r>
-                      <a:endParaRPr lang="en-IN" dirty="0"/>
-                    </a:p>
-                  </a:txBody>
-                  <a:tcPr/>
-                </a:tc>
-                <a:extLst>
-                  <a:ext uri="{0D108BD9-81ED-4DB2-BD59-A6C34878D82A}">
-                    <a16:rowId xmlns:a16="http://schemas.microsoft.com/office/drawing/2014/main" val="1783710936"/>
-                  </a:ext>
-                </a:extLst>
-              </a:tr>
-              <a:tr h="370840">
-                <a:tc>
-                  <a:txBody>
-                    <a:bodyPr/>
-                    <a:lstStyle/>
-                    <a:p>
-                      <a:pPr algn="ctr"/>
-                      <a:r>
-                        <a:rPr lang="en-US" sz="1800" b="1" dirty="0"/>
-                        <a:t>Portability</a:t>
-                      </a:r>
-                      <a:endParaRPr lang="en-IN" b="1" dirty="0"/>
-                    </a:p>
-                  </a:txBody>
-                  <a:tcPr anchor="ctr"/>
-                </a:tc>
-                <a:tc>
-                  <a:txBody>
-                    <a:bodyPr/>
-                    <a:lstStyle/>
-                    <a:p>
-                      <a:pPr algn="just"/>
-                      <a:r>
-                        <a:rPr lang="en-US" dirty="0"/>
-                        <a:t>AFE Services can be deployed in both Windows and Linux servers and the GUI is accessible on popular platforms.</a:t>
-                      </a:r>
-                      <a:endParaRPr lang="en-IN" dirty="0"/>
-                    </a:p>
-                  </a:txBody>
-                  <a:tcPr anchor="ctr"/>
-                </a:tc>
-                <a:tc>
-                  <a:txBody>
-                    <a:bodyPr/>
-                    <a:lstStyle/>
-                    <a:p>
-                      <a:pPr marL="285750" lvl="0" indent="-285750" algn="just">
-                        <a:spcAft>
-                          <a:spcPts val="0"/>
-                        </a:spcAft>
-                        <a:buFont typeface="Arial" panose="020B0604020202020204" pitchFamily="34" charset="0"/>
-                        <a:buChar char="•"/>
-                      </a:pPr>
-                      <a:r>
-                        <a:rPr lang="en-US" sz="1800" dirty="0"/>
-                        <a:t>The AFE application core services can be implemented with cross platform frameworks such as spring in case of Java so that it can be deployed on both Windows and Linux servers alike.</a:t>
-                      </a:r>
-                    </a:p>
-                    <a:p>
-                      <a:pPr marL="285750" lvl="0" indent="-285750" algn="just">
-                        <a:spcAft>
-                          <a:spcPts val="0"/>
-                        </a:spcAft>
-                        <a:buFont typeface="Arial" panose="020B0604020202020204" pitchFamily="34" charset="0"/>
-                        <a:buChar char="•"/>
-                      </a:pPr>
-                      <a:r>
-                        <a:rPr lang="en-US" sz="1800" dirty="0"/>
-                        <a:t>The front-end GUI can be a web-based interface making it accessible on any device with a web browser.</a:t>
-                      </a:r>
-                    </a:p>
-                  </a:txBody>
-                  <a:tcPr/>
-                </a:tc>
-                <a:extLst>
-                  <a:ext uri="{0D108BD9-81ED-4DB2-BD59-A6C34878D82A}">
-                    <a16:rowId xmlns:a16="http://schemas.microsoft.com/office/drawing/2014/main" val="1711652498"/>
-                  </a:ext>
-                </a:extLst>
-              </a:tr>
-              <a:tr h="370840">
-                <a:tc>
-                  <a:txBody>
-                    <a:bodyPr/>
-                    <a:lstStyle/>
-                    <a:p>
-                      <a:pPr algn="ctr"/>
-                      <a:r>
-                        <a:rPr lang="en-US" b="1" dirty="0"/>
-                        <a:t>Interoperability</a:t>
-                      </a:r>
-                      <a:endParaRPr lang="en-IN" b="1" dirty="0"/>
-                    </a:p>
-                  </a:txBody>
-                  <a:tcPr anchor="ctr"/>
-                </a:tc>
-                <a:tc>
-                  <a:txBody>
-                    <a:bodyPr/>
-                    <a:lstStyle/>
-                    <a:p>
-                      <a:pPr algn="just"/>
-                      <a:r>
-                        <a:rPr lang="en-US" dirty="0"/>
-                        <a:t>When developers create automated flows that behave similarly across platforms, then the flow must work on all these platforms (Unified Experience)</a:t>
-                      </a:r>
-                      <a:endParaRPr lang="en-IN" dirty="0"/>
-                    </a:p>
-                  </a:txBody>
-                  <a:tcPr anchor="ctr"/>
-                </a:tc>
-                <a:tc>
-                  <a:txBody>
-                    <a:bodyPr/>
-                    <a:lstStyle/>
-                    <a:p>
-                      <a:pPr marL="0" lvl="0" indent="0" algn="just">
-                        <a:spcAft>
-                          <a:spcPts val="0"/>
-                        </a:spcAft>
-                        <a:buFont typeface="Arial" panose="020B0604020202020204" pitchFamily="34" charset="0"/>
-                        <a:buNone/>
-                      </a:pPr>
-                      <a:r>
-                        <a:rPr lang="en-US" sz="1800" b="0" dirty="0"/>
-                        <a:t>Utilities for logging, remote command execution, process management and file management must be abstracted so that flows can use these functions without worrying about the target platform these flows would run on</a:t>
-                      </a:r>
-                    </a:p>
-                  </a:txBody>
-                  <a:tcPr/>
-                </a:tc>
-                <a:extLst>
-                  <a:ext uri="{0D108BD9-81ED-4DB2-BD59-A6C34878D82A}">
-                    <a16:rowId xmlns:a16="http://schemas.microsoft.com/office/drawing/2014/main" val="725873979"/>
-                  </a:ext>
-                </a:extLst>
-              </a:tr>
-            </a:tbl>
-          </a:graphicData>
-        </a:graphic>
-      </p:graphicFrame>
-      <p:sp>
-        <p:nvSpPr>
-          <p:cNvPr id="5" name="Title 1">
-            <a:extLst>
-              <a:ext uri="{FF2B5EF4-FFF2-40B4-BE49-F238E27FC236}">
-                <a16:creationId xmlns:a16="http://schemas.microsoft.com/office/drawing/2014/main" id="{22217235-77FE-445A-B34F-A830C7EB19F6}"/>
-              </a:ext>
-            </a:extLst>
-          </p:cNvPr>
           <p:cNvSpPr>
             <a:spLocks noGrp="1"/>
           </p:cNvSpPr>
@@ -7078,8 +5575,8 @@
         </p:nvSpPr>
         <p:spPr>
           <a:xfrm>
-            <a:off x="464814" y="647680"/>
-            <a:ext cx="11029616" cy="469939"/>
+            <a:off x="464815" y="647681"/>
+            <a:ext cx="11029616" cy="388640"/>
           </a:xfrm>
         </p:spPr>
         <p:txBody>
@@ -7089,8 +5586,105 @@
           <a:lstStyle/>
           <a:p>
             <a:r>
-              <a:rPr lang="en-US" sz="3200" dirty="0"/>
-              <a:t>Tactics to achieve Top 5 ASRs (Cont.)</a:t>
+              <a:rPr lang="en-US" sz="2100" dirty="0"/>
+              <a:t>Sequence Diagram For Lighting System Management By a smart home System</a:t>
+            </a:r>
+          </a:p>
+        </p:txBody>
+      </p:sp>
+      <p:pic>
+        <p:nvPicPr>
+          <p:cNvPr id="5" name="Picture 4" descr="Diagram&#10;&#10;Description automatically generated">
+            <a:extLst>
+              <a:ext uri="{FF2B5EF4-FFF2-40B4-BE49-F238E27FC236}">
+                <a16:creationId xmlns:a16="http://schemas.microsoft.com/office/drawing/2014/main" id="{18AF71C9-1D39-462A-8177-C2C2B76BACD3}"/>
+              </a:ext>
+            </a:extLst>
+          </p:cNvPr>
+          <p:cNvPicPr>
+            <a:picLocks noChangeAspect="1"/>
+          </p:cNvPicPr>
+          <p:nvPr/>
+        </p:nvPicPr>
+        <p:blipFill>
+          <a:blip r:embed="rId2"/>
+          <a:stretch>
+            <a:fillRect/>
+          </a:stretch>
+        </p:blipFill>
+        <p:spPr>
+          <a:xfrm>
+            <a:off x="4052891" y="1581088"/>
+            <a:ext cx="7674293" cy="4153025"/>
+          </a:xfrm>
+          <a:prstGeom prst="rect">
+            <a:avLst/>
+          </a:prstGeom>
+        </p:spPr>
+      </p:pic>
+      <p:sp>
+        <p:nvSpPr>
+          <p:cNvPr id="8" name="Content Placeholder 2">
+            <a:extLst>
+              <a:ext uri="{FF2B5EF4-FFF2-40B4-BE49-F238E27FC236}">
+                <a16:creationId xmlns:a16="http://schemas.microsoft.com/office/drawing/2014/main" id="{18B57EA3-6263-450C-8DC5-44E184117B4D}"/>
+              </a:ext>
+            </a:extLst>
+          </p:cNvPr>
+          <p:cNvSpPr>
+            <a:spLocks noGrp="1"/>
+          </p:cNvSpPr>
+          <p:nvPr>
+            <p:ph idx="1"/>
+          </p:nvPr>
+        </p:nvSpPr>
+        <p:spPr>
+          <a:xfrm>
+            <a:off x="464816" y="1036321"/>
+            <a:ext cx="3475417" cy="5242560"/>
+          </a:xfrm>
+        </p:spPr>
+        <p:txBody>
+          <a:bodyPr>
+            <a:normAutofit fontScale="77500" lnSpcReduction="20000"/>
+          </a:bodyPr>
+          <a:lstStyle/>
+          <a:p>
+            <a:pPr marL="0" indent="0" algn="just">
+              <a:buNone/>
+            </a:pPr>
+            <a:r>
+              <a:rPr lang="en-US" sz="1801" dirty="0"/>
+              <a:t>The sequence diagram to the right shows the use case of how rules are set for the lighting system’s behavior and how these rules are enforced by the smart hub based on events recorded by the IOT Sensor.</a:t>
+            </a:r>
+          </a:p>
+          <a:p>
+            <a:pPr algn="just"/>
+            <a:r>
+              <a:rPr lang="en-US" sz="1801" dirty="0"/>
+              <a:t>The authenticated user uses the app to set how the lighting should behave based on the signals given by the IOT sensor events (such as darkness level, or presence of a person etc.)</a:t>
+            </a:r>
+          </a:p>
+          <a:p>
+            <a:pPr algn="just"/>
+            <a:r>
+              <a:rPr lang="en-US" sz="1801" dirty="0"/>
+              <a:t>The app sends these rules to the smart hub via the hosted application. The Hub lets the lighting system know about the change in it’s expected behavior.</a:t>
+            </a:r>
+          </a:p>
+          <a:p>
+            <a:pPr algn="just"/>
+            <a:r>
+              <a:rPr lang="en-US" sz="1801" dirty="0"/>
+              <a:t>When the optical IOT sensor sees an event, it notifies it to the smart hub. The hub then notifies the system to take the action based on this event.</a:t>
+            </a:r>
+            <a:endParaRPr lang="en-IN" sz="1801" dirty="0"/>
+          </a:p>
+          <a:p>
+            <a:pPr algn="just"/>
+            <a:r>
+              <a:rPr lang="en-US" sz="1801" dirty="0"/>
+              <a:t>The system does the necessary job and notifies the hub which in turn logs the event in the hosted application</a:t>
             </a:r>
           </a:p>
         </p:txBody>
@@ -7098,7 +5692,7 @@
     </p:spTree>
     <p:extLst>
       <p:ext uri="{BB962C8B-B14F-4D97-AF65-F5344CB8AC3E}">
-        <p14:creationId xmlns:p14="http://schemas.microsoft.com/office/powerpoint/2010/main" val="531925859"/>
+        <p14:creationId xmlns:p14="http://schemas.microsoft.com/office/powerpoint/2010/main" val="2904492496"/>
       </p:ext>
     </p:extLst>
   </p:cSld>
@@ -7127,10 +5721,10 @@
       </p:grpSpPr>
       <p:sp>
         <p:nvSpPr>
-          <p:cNvPr id="2" name="Title 1">
+          <p:cNvPr id="3" name="Content Placeholder 2">
             <a:extLst>
               <a:ext uri="{FF2B5EF4-FFF2-40B4-BE49-F238E27FC236}">
-                <a16:creationId xmlns:a16="http://schemas.microsoft.com/office/drawing/2014/main" id="{5E562972-3449-42D1-8185-B4BEFD52AB44}"/>
+                <a16:creationId xmlns:a16="http://schemas.microsoft.com/office/drawing/2014/main" id="{AD123F5A-941C-4F63-9262-F136B668FBDE}"/>
               </a:ext>
             </a:extLst>
           </p:cNvPr>
@@ -7138,13 +5732,45 @@
             <a:spLocks noGrp="1"/>
           </p:cNvSpPr>
           <p:nvPr>
+            <p:ph idx="1"/>
+          </p:nvPr>
+        </p:nvSpPr>
+        <p:spPr>
+          <a:xfrm>
+            <a:off x="581195" y="1534529"/>
+            <a:ext cx="11029614" cy="5007588"/>
+          </a:xfrm>
+        </p:spPr>
+        <p:txBody>
+          <a:bodyPr>
+            <a:normAutofit/>
+          </a:bodyPr>
+          <a:lstStyle/>
+          <a:p>
+            <a:endParaRPr lang="en-IN" sz="1801" dirty="0"/>
+          </a:p>
+        </p:txBody>
+      </p:sp>
+      <p:sp>
+        <p:nvSpPr>
+          <p:cNvPr id="4" name="Title 1">
+            <a:extLst>
+              <a:ext uri="{FF2B5EF4-FFF2-40B4-BE49-F238E27FC236}">
+                <a16:creationId xmlns:a16="http://schemas.microsoft.com/office/drawing/2014/main" id="{F9B4CB05-2681-4DD6-B10E-EC6DFD4FF864}"/>
+              </a:ext>
+            </a:extLst>
+          </p:cNvPr>
+          <p:cNvSpPr>
+            <a:spLocks noGrp="1"/>
+          </p:cNvSpPr>
+          <p:nvPr>
             <p:ph type="title"/>
           </p:nvPr>
         </p:nvSpPr>
         <p:spPr>
           <a:xfrm>
-            <a:off x="464814" y="647680"/>
-            <a:ext cx="11029616" cy="469939"/>
+            <a:off x="448189" y="797311"/>
+            <a:ext cx="11029616" cy="469938"/>
           </a:xfrm>
         </p:spPr>
         <p:txBody>
@@ -7155,45 +5781,15 @@
           <a:p>
             <a:r>
               <a:rPr lang="en-US" sz="3200" dirty="0"/>
-              <a:t>Context Diagram</a:t>
-            </a:r>
-          </a:p>
-        </p:txBody>
-      </p:sp>
-      <p:pic>
-        <p:nvPicPr>
-          <p:cNvPr id="4" name="Picture 3" descr="Diagram&#10;&#10;Description automatically generated">
-            <a:extLst>
-              <a:ext uri="{FF2B5EF4-FFF2-40B4-BE49-F238E27FC236}">
-                <a16:creationId xmlns:a16="http://schemas.microsoft.com/office/drawing/2014/main" id="{E344BBF9-077B-480C-B5BB-8B7A08EF481C}"/>
-              </a:ext>
-            </a:extLst>
-          </p:cNvPr>
-          <p:cNvPicPr>
-            <a:picLocks noChangeAspect="1"/>
-          </p:cNvPicPr>
-          <p:nvPr/>
-        </p:nvPicPr>
-        <p:blipFill>
-          <a:blip r:embed="rId2"/>
-          <a:stretch>
-            <a:fillRect/>
-          </a:stretch>
-        </p:blipFill>
-        <p:spPr>
-          <a:xfrm>
-            <a:off x="2424112" y="1117619"/>
-            <a:ext cx="7343775" cy="5610225"/>
-          </a:xfrm>
-          <a:prstGeom prst="rect">
-            <a:avLst/>
-          </a:prstGeom>
-        </p:spPr>
-      </p:pic>
+              <a:t>Architectural Patterns used</a:t>
+            </a:r>
+          </a:p>
+        </p:txBody>
+      </p:sp>
     </p:spTree>
     <p:extLst>
       <p:ext uri="{BB962C8B-B14F-4D97-AF65-F5344CB8AC3E}">
-        <p14:creationId xmlns:p14="http://schemas.microsoft.com/office/powerpoint/2010/main" val="1945074552"/>
+        <p14:creationId xmlns:p14="http://schemas.microsoft.com/office/powerpoint/2010/main" val="708154913"/>
       </p:ext>
     </p:extLst>
   </p:cSld>
@@ -7222,10 +5818,10 @@
       </p:grpSpPr>
       <p:sp>
         <p:nvSpPr>
-          <p:cNvPr id="2" name="Title 1">
+          <p:cNvPr id="3" name="Content Placeholder 2">
             <a:extLst>
               <a:ext uri="{FF2B5EF4-FFF2-40B4-BE49-F238E27FC236}">
-                <a16:creationId xmlns:a16="http://schemas.microsoft.com/office/drawing/2014/main" id="{5E562972-3449-42D1-8185-B4BEFD52AB44}"/>
+                <a16:creationId xmlns:a16="http://schemas.microsoft.com/office/drawing/2014/main" id="{AD123F5A-941C-4F63-9262-F136B668FBDE}"/>
               </a:ext>
             </a:extLst>
           </p:cNvPr>
@@ -7233,13 +5829,80 @@
             <a:spLocks noGrp="1"/>
           </p:cNvSpPr>
           <p:nvPr>
+            <p:ph idx="1"/>
+          </p:nvPr>
+        </p:nvSpPr>
+        <p:spPr>
+          <a:xfrm>
+            <a:off x="581195" y="1534529"/>
+            <a:ext cx="11029614" cy="5007588"/>
+          </a:xfrm>
+        </p:spPr>
+        <p:txBody>
+          <a:bodyPr>
+            <a:normAutofit/>
+          </a:bodyPr>
+          <a:lstStyle/>
+          <a:p>
+            <a:pPr algn="just"/>
+            <a:r>
+              <a:rPr lang="en-US" sz="1801" dirty="0"/>
+              <a:t>Apart from thinking about functional requirements it is important to figure out the nonfunctional requirements that can potentially change the way the system is modelled. For example, performance requirements can affect how an entire system is designed and knowing about it early and having the intuition to think about such potential requirements is very important.</a:t>
+            </a:r>
+          </a:p>
+          <a:p>
+            <a:pPr algn="just"/>
+            <a:r>
+              <a:rPr lang="en-US" sz="1801" dirty="0"/>
+              <a:t>Knowing how the system acts as a backbox through a context diagram helps all stakeholders understand the bigger picture. It helps in clearly showing what belongs in a system and what does not.</a:t>
+            </a:r>
+          </a:p>
+          <a:p>
+            <a:pPr algn="just"/>
+            <a:r>
+              <a:rPr lang="en-US" sz="1801" dirty="0"/>
+              <a:t>The analysis of the system in different views (Module decomposition, utility trees, component connection etc.) can be templated and be reused for other similar systems. This helps in deriving more cost vs benefit of different architecture approaches for similar problems in the future.</a:t>
+            </a:r>
+          </a:p>
+          <a:p>
+            <a:pPr algn="just"/>
+            <a:r>
+              <a:rPr lang="en-US" sz="1801" dirty="0"/>
+              <a:t>The module view and component connection diagrams help developers visualize implementation strategies much earlier in system designing and makes planning (especially in AGILE) much easier.</a:t>
+            </a:r>
+          </a:p>
+          <a:p>
+            <a:pPr algn="just"/>
+            <a:r>
+              <a:rPr lang="en-US" sz="1801" dirty="0"/>
+              <a:t>The deployment view gives a clear image to operation teams on how the application modules are deployed and helps in rough estimation of cost early on easing planning.</a:t>
+            </a:r>
+          </a:p>
+          <a:p>
+            <a:endParaRPr lang="en-IN" sz="1801" dirty="0"/>
+          </a:p>
+        </p:txBody>
+      </p:sp>
+      <p:sp>
+        <p:nvSpPr>
+          <p:cNvPr id="4" name="Title 1">
+            <a:extLst>
+              <a:ext uri="{FF2B5EF4-FFF2-40B4-BE49-F238E27FC236}">
+                <a16:creationId xmlns:a16="http://schemas.microsoft.com/office/drawing/2014/main" id="{F9B4CB05-2681-4DD6-B10E-EC6DFD4FF864}"/>
+              </a:ext>
+            </a:extLst>
+          </p:cNvPr>
+          <p:cNvSpPr>
+            <a:spLocks noGrp="1"/>
+          </p:cNvSpPr>
+          <p:nvPr>
             <p:ph type="title"/>
           </p:nvPr>
         </p:nvSpPr>
         <p:spPr>
           <a:xfrm>
-            <a:off x="464814" y="647680"/>
-            <a:ext cx="11029616" cy="469939"/>
+            <a:off x="448189" y="797311"/>
+            <a:ext cx="11029616" cy="469938"/>
           </a:xfrm>
         </p:spPr>
         <p:txBody>
@@ -7249,47 +5912,16 @@
           <a:lstStyle/>
           <a:p>
             <a:r>
-              <a:rPr lang="en-US" sz="3200"/>
-              <a:t>Module Decomposition</a:t>
-            </a:r>
-            <a:endParaRPr lang="en-US" sz="3200" dirty="0"/>
-          </a:p>
-        </p:txBody>
-      </p:sp>
-      <p:pic>
-        <p:nvPicPr>
-          <p:cNvPr id="9" name="Picture 8" descr="Diagram&#10;&#10;Description automatically generated">
-            <a:extLst>
-              <a:ext uri="{FF2B5EF4-FFF2-40B4-BE49-F238E27FC236}">
-                <a16:creationId xmlns:a16="http://schemas.microsoft.com/office/drawing/2014/main" id="{A18B154A-66CC-4DF7-89AA-91F6B884D84C}"/>
-              </a:ext>
-            </a:extLst>
-          </p:cNvPr>
-          <p:cNvPicPr>
-            <a:picLocks noChangeAspect="1"/>
-          </p:cNvPicPr>
-          <p:nvPr/>
-        </p:nvPicPr>
-        <p:blipFill>
-          <a:blip r:embed="rId2"/>
-          <a:stretch>
-            <a:fillRect/>
-          </a:stretch>
-        </p:blipFill>
-        <p:spPr>
-          <a:xfrm>
-            <a:off x="2202671" y="1117619"/>
-            <a:ext cx="7786657" cy="5602778"/>
-          </a:xfrm>
-          <a:prstGeom prst="rect">
-            <a:avLst/>
-          </a:prstGeom>
-        </p:spPr>
-      </p:pic>
+              <a:rPr lang="en-US" sz="3200" dirty="0"/>
+              <a:t>Key Learnings</a:t>
+            </a:r>
+          </a:p>
+        </p:txBody>
+      </p:sp>
     </p:spTree>
     <p:extLst>
       <p:ext uri="{BB962C8B-B14F-4D97-AF65-F5344CB8AC3E}">
-        <p14:creationId xmlns:p14="http://schemas.microsoft.com/office/powerpoint/2010/main" val="2358348349"/>
+        <p14:creationId xmlns:p14="http://schemas.microsoft.com/office/powerpoint/2010/main" val="1588334654"/>
       </p:ext>
     </p:extLst>
   </p:cSld>
@@ -7569,15 +6201,6 @@
 </file>
 
 <file path=customXml/item1.xml><?xml version="1.0" encoding="utf-8"?>
-<p:properties xmlns:p="http://schemas.microsoft.com/office/2006/metadata/properties" xmlns:xsi="http://www.w3.org/2001/XMLSchema-instance" xmlns:pc="http://schemas.microsoft.com/office/infopath/2007/PartnerControls">
-  <documentManagement>
-    <Status xmlns="71af3243-3dd4-4a8d-8c0d-dd76da1f02a5">Not started</Status>
-    <MediaServiceKeyPoints xmlns="71af3243-3dd4-4a8d-8c0d-dd76da1f02a5" xsi:nil="true"/>
-  </documentManagement>
-</p:properties>
-</file>
-
-<file path=customXml/item2.xml><?xml version="1.0" encoding="utf-8"?>
 <?mso-contentType ?>
 <FormTemplates xmlns="http://schemas.microsoft.com/sharepoint/v3/contenttype/forms">
   <Display>DocumentLibraryForm</Display>
@@ -7586,7 +6209,7 @@
 </FormTemplates>
 </file>
 
-<file path=customXml/item3.xml><?xml version="1.0" encoding="utf-8"?>
+<file path=customXml/item2.xml><?xml version="1.0" encoding="utf-8"?>
 <ct:contentTypeSchema xmlns:ct="http://schemas.microsoft.com/office/2006/metadata/contentType" xmlns:ma="http://schemas.microsoft.com/office/2006/metadata/properties/metaAttributes" ct:_="" ma:_="" ma:contentTypeName="Document" ma:contentTypeID="0x01010079F111ED35F8CC479449609E8A0923A6" ma:contentTypeVersion="12" ma:contentTypeDescription="Create a new document." ma:contentTypeScope="" ma:versionID="a410dd7f93c95333ffa1b60ed6adedd1">
   <xsd:schema xmlns:xsd="http://www.w3.org/2001/XMLSchema" xmlns:xs="http://www.w3.org/2001/XMLSchema" xmlns:p="http://schemas.microsoft.com/office/2006/metadata/properties" xmlns:ns2="71af3243-3dd4-4a8d-8c0d-dd76da1f02a5" xmlns:ns3="16c05727-aa75-4e4a-9b5f-8a80a1165891" targetNamespace="http://schemas.microsoft.com/office/2006/metadata/properties" ma:root="true" ma:fieldsID="a936d9baba76aa3866493feff160faab" ns2:_="" ns3:_="">
     <xsd:import namespace="71af3243-3dd4-4a8d-8c0d-dd76da1f02a5"/>
@@ -7807,17 +6430,16 @@
 </ct:contentTypeSchema>
 </file>
 
-<file path=customXml/itemProps1.xml><?xml version="1.0" encoding="utf-8"?>
-<ds:datastoreItem xmlns:ds="http://schemas.openxmlformats.org/officeDocument/2006/customXml" ds:itemID="{8D289AE2-D2AE-49D1-AFAC-3A79F6794255}">
-  <ds:schemaRefs>
-    <ds:schemaRef ds:uri="http://schemas.microsoft.com/office/2006/metadata/properties"/>
-    <ds:schemaRef ds:uri="http://schemas.microsoft.com/office/infopath/2007/PartnerControls"/>
-    <ds:schemaRef ds:uri="71af3243-3dd4-4a8d-8c0d-dd76da1f02a5"/>
-  </ds:schemaRefs>
-</ds:datastoreItem>
+<file path=customXml/item3.xml><?xml version="1.0" encoding="utf-8"?>
+<p:properties xmlns:p="http://schemas.microsoft.com/office/2006/metadata/properties" xmlns:xsi="http://www.w3.org/2001/XMLSchema-instance" xmlns:pc="http://schemas.microsoft.com/office/infopath/2007/PartnerControls">
+  <documentManagement>
+    <Status xmlns="71af3243-3dd4-4a8d-8c0d-dd76da1f02a5">Not started</Status>
+    <MediaServiceKeyPoints xmlns="71af3243-3dd4-4a8d-8c0d-dd76da1f02a5" xsi:nil="true"/>
+  </documentManagement>
+</p:properties>
 </file>
 
-<file path=customXml/itemProps2.xml><?xml version="1.0" encoding="utf-8"?>
+<file path=customXml/itemProps1.xml><?xml version="1.0" encoding="utf-8"?>
 <ds:datastoreItem xmlns:ds="http://schemas.openxmlformats.org/officeDocument/2006/customXml" ds:itemID="{927BD4C1-B6B1-4715-ABF9-E660A51A4EA0}">
   <ds:schemaRefs>
     <ds:schemaRef ds:uri="http://schemas.microsoft.com/sharepoint/v3/contenttype/forms"/>
@@ -7825,7 +6447,7 @@
 </ds:datastoreItem>
 </file>
 
-<file path=customXml/itemProps3.xml><?xml version="1.0" encoding="utf-8"?>
+<file path=customXml/itemProps2.xml><?xml version="1.0" encoding="utf-8"?>
 <ds:datastoreItem xmlns:ds="http://schemas.openxmlformats.org/officeDocument/2006/customXml" ds:itemID="{41E7CA09-9778-4414-AE97-8064B12DA30E}">
   <ds:schemaRefs>
     <ds:schemaRef ds:uri="http://schemas.microsoft.com/office/2006/metadata/contentType"/>
@@ -7842,4 +6464,14 @@
     <ds:schemaRef ds:uri="http://schemas.microsoft.com/internal/obd"/>
   </ds:schemaRefs>
 </ds:datastoreItem>
+</file>
+
+<file path=customXml/itemProps3.xml><?xml version="1.0" encoding="utf-8"?>
+<ds:datastoreItem xmlns:ds="http://schemas.openxmlformats.org/officeDocument/2006/customXml" ds:itemID="{8D289AE2-D2AE-49D1-AFAC-3A79F6794255}">
+  <ds:schemaRefs>
+    <ds:schemaRef ds:uri="http://schemas.microsoft.com/office/2006/metadata/properties"/>
+    <ds:schemaRef ds:uri="http://schemas.microsoft.com/office/infopath/2007/PartnerControls"/>
+    <ds:schemaRef ds:uri="71af3243-3dd4-4a8d-8c0d-dd76da1f02a5"/>
+  </ds:schemaRefs>
+</ds:datastoreItem>
 </file>
--- a/Semester 2/Software Architecture/Assignment 2/SA-Assignment-2021MT12054.pptx
+++ b/Semester 2/Software Architecture/Assignment 2/SA-Assignment-2021MT12054.pptx
@@ -358,7 +358,7 @@
           <a:p>
             <a:fld id="{ED291B17-9318-49DB-B28B-6E5994AE9581}" type="datetime1">
               <a:rPr lang="en-US" smtClean="0"/>
-              <a:t>4/29/2022</a:t>
+              <a:t>4/30/2022</a:t>
             </a:fld>
             <a:endParaRPr lang="en-US" dirty="0"/>
           </a:p>
@@ -561,7 +561,7 @@
           <a:p>
             <a:fld id="{2CED4963-E985-44C4-B8C4-FDD613B7C2F8}" type="datetime1">
               <a:rPr lang="en-US" smtClean="0"/>
-              <a:t>4/29/2022</a:t>
+              <a:t>4/30/2022</a:t>
             </a:fld>
             <a:endParaRPr lang="en-US" dirty="0"/>
           </a:p>
@@ -923,7 +923,7 @@
           <a:p>
             <a:fld id="{ED291B17-9318-49DB-B28B-6E5994AE9581}" type="datetime1">
               <a:rPr lang="en-US" smtClean="0"/>
-              <a:t>4/29/2022</a:t>
+              <a:t>4/30/2022</a:t>
             </a:fld>
             <a:endParaRPr lang="en-US" dirty="0"/>
           </a:p>
@@ -1121,7 +1121,7 @@
           <a:p>
             <a:fld id="{78DD82B9-B8EE-4375-B6FF-88FA6ABB15D9}" type="datetime1">
               <a:rPr lang="en-US" smtClean="0"/>
-              <a:t>4/29/2022</a:t>
+              <a:t>4/30/2022</a:t>
             </a:fld>
             <a:endParaRPr lang="en-US" dirty="0"/>
           </a:p>
@@ -1433,7 +1433,7 @@
           <a:p>
             <a:fld id="{B2497495-0637-405E-AE64-5CC7506D51F5}" type="datetime1">
               <a:rPr lang="en-US" smtClean="0"/>
-              <a:t>4/29/2022</a:t>
+              <a:t>4/30/2022</a:t>
             </a:fld>
             <a:endParaRPr lang="en-US" dirty="0"/>
           </a:p>
@@ -1686,7 +1686,7 @@
           <a:p>
             <a:fld id="{7BFFD690-9426-415D-8B65-26881E07B2D4}" type="datetime1">
               <a:rPr lang="en-US" smtClean="0"/>
-              <a:t>4/29/2022</a:t>
+              <a:t>4/30/2022</a:t>
             </a:fld>
             <a:endParaRPr lang="en-US" dirty="0"/>
           </a:p>
@@ -2108,7 +2108,7 @@
           <a:p>
             <a:fld id="{04C4989A-474C-40DE-95B9-011C28B71673}" type="datetime1">
               <a:rPr lang="en-US" smtClean="0"/>
-              <a:t>4/29/2022</a:t>
+              <a:t>4/30/2022</a:t>
             </a:fld>
             <a:endParaRPr lang="en-US" dirty="0"/>
           </a:p>
@@ -2231,7 +2231,7 @@
           <a:p>
             <a:fld id="{5DB4ED54-5B5E-4A04-93D3-5772E3CE3818}" type="datetime1">
               <a:rPr lang="en-US" smtClean="0"/>
-              <a:t>4/29/2022</a:t>
+              <a:t>4/30/2022</a:t>
             </a:fld>
             <a:endParaRPr lang="en-US" dirty="0"/>
           </a:p>
@@ -2326,7 +2326,7 @@
           <a:p>
             <a:fld id="{4EDE50D6-574B-40AF-946F-D52A04ADE379}" type="datetime1">
               <a:rPr lang="en-US" smtClean="0"/>
-              <a:t>4/29/2022</a:t>
+              <a:t>4/30/2022</a:t>
             </a:fld>
             <a:endParaRPr lang="en-US" dirty="0"/>
           </a:p>
@@ -2703,7 +2703,7 @@
           <a:p>
             <a:fld id="{D82884F1-FFEA-405F-9602-3DCA865EDA4E}" type="datetime1">
               <a:rPr lang="en-US" smtClean="0"/>
-              <a:t>4/29/2022</a:t>
+              <a:t>4/30/2022</a:t>
             </a:fld>
             <a:endParaRPr lang="en-US" dirty="0"/>
           </a:p>
@@ -2996,7 +2996,7 @@
           <a:p>
             <a:fld id="{7E18DB4A-8810-4A10-AD5C-D5E2C667F5B3}" type="datetime1">
               <a:rPr lang="en-US" smtClean="0"/>
-              <a:t>4/29/2022</a:t>
+              <a:t>4/30/2022</a:t>
             </a:fld>
             <a:endParaRPr lang="en-US" dirty="0"/>
           </a:p>
@@ -3211,7 +3211,7 @@
           <a:p>
             <a:fld id="{ED291B17-9318-49DB-B28B-6E5994AE9581}" type="datetime1">
               <a:rPr lang="en-US" smtClean="0"/>
-              <a:t>4/29/2022</a:t>
+              <a:t>4/30/2022</a:t>
             </a:fld>
             <a:endParaRPr lang="en-US" dirty="0"/>
           </a:p>
@@ -4632,7 +4632,7 @@
             <p:ph idx="1"/>
             <p:extLst>
               <p:ext uri="{D42A27DB-BD31-4B8C-83A1-F6EECF244321}">
-                <p14:modId xmlns:p14="http://schemas.microsoft.com/office/powerpoint/2010/main" val="2167978553"/>
+                <p14:modId xmlns:p14="http://schemas.microsoft.com/office/powerpoint/2010/main" val="1850305950"/>
               </p:ext>
             </p:extLst>
           </p:nvPr>
@@ -4767,7 +4767,23 @@
                       </a:pPr>
                       <a:r>
                         <a:rPr lang="en-US" sz="1600" dirty="0"/>
-                        <a:t>The hosted cloud application and the hub (for direct local access) will handle requests to the smart home environment after authenticating with SSO (Single Sign On). Other measures such as two factor authentication can also be used</a:t>
+                        <a:t>The hosted cloud application and the hub (for direct local access) will handle requests to the smart home environment after </a:t>
+                      </a:r>
+                      <a:r>
+                        <a:rPr lang="en-US" sz="1600" b="1" dirty="0"/>
+                        <a:t>authenticating with SSO</a:t>
+                      </a:r>
+                      <a:r>
+                        <a:rPr lang="en-US" sz="1600" dirty="0"/>
+                        <a:t> (Single Sign On). Other measures such as </a:t>
+                      </a:r>
+                      <a:r>
+                        <a:rPr lang="en-US" sz="1600" b="1" dirty="0"/>
+                        <a:t>two factor authentication</a:t>
+                      </a:r>
+                      <a:r>
+                        <a:rPr lang="en-US" sz="1600" dirty="0"/>
+                        <a:t> can also be used</a:t>
                       </a:r>
                       <a:r>
                         <a:rPr lang="en-IN" sz="1600" dirty="0"/>
@@ -4846,7 +4862,15 @@
                       </a:pPr>
                       <a:r>
                         <a:rPr lang="en-US" sz="1600" dirty="0"/>
-                        <a:t>Any communication between smart systems must be encrypted with the network key or other tokens created while authenticating the user.</a:t>
+                        <a:t>Any communication between smart systems must be </a:t>
+                      </a:r>
+                      <a:r>
+                        <a:rPr lang="en-US" sz="1600" b="1" dirty="0"/>
+                        <a:t>encrypted with the network key or other tokens created while authenticating the user</a:t>
+                      </a:r>
+                      <a:r>
+                        <a:rPr lang="en-US" sz="1600" dirty="0"/>
+                        <a:t>.</a:t>
                       </a:r>
                     </a:p>
                     <a:p>
@@ -4869,7 +4893,15 @@
                       </a:pPr>
                       <a:r>
                         <a:rPr lang="en-US" sz="1600" dirty="0"/>
-                        <a:t>We can add new devices to the smart home environment by securely pairing these devices based on device identifier during setup to avoid a malicious device to interact with the environment</a:t>
+                        <a:t>We can add new devices to the smart home environment by securely </a:t>
+                      </a:r>
+                      <a:r>
+                        <a:rPr lang="en-US" sz="1600" b="1" dirty="0"/>
+                        <a:t>pairing these devices based on device identifier during setup</a:t>
+                      </a:r>
+                      <a:r>
+                        <a:rPr lang="en-US" sz="1600" dirty="0"/>
+                        <a:t> to avoid a malicious device to interact with the environment</a:t>
                       </a:r>
                     </a:p>
                     <a:p>
@@ -4969,14 +5001,14 @@
             <p:ph idx="1"/>
             <p:extLst>
               <p:ext uri="{D42A27DB-BD31-4B8C-83A1-F6EECF244321}">
-                <p14:modId xmlns:p14="http://schemas.microsoft.com/office/powerpoint/2010/main" val="644658131"/>
+                <p14:modId xmlns:p14="http://schemas.microsoft.com/office/powerpoint/2010/main" val="3777771863"/>
               </p:ext>
             </p:extLst>
           </p:nvPr>
         </p:nvGraphicFramePr>
         <p:xfrm>
-          <a:off x="813262" y="1162896"/>
-          <a:ext cx="10565476" cy="5371395"/>
+          <a:off x="813262" y="1202902"/>
+          <a:ext cx="10565476" cy="5311767"/>
         </p:xfrm>
         <a:graphic>
           <a:graphicData uri="http://schemas.openxmlformats.org/drawingml/2006/table">
@@ -5007,7 +5039,7 @@
                   </a:extLst>
                 </a:gridCol>
               </a:tblGrid>
-              <a:tr h="286256">
+              <a:tr h="331258">
                 <a:tc>
                   <a:txBody>
                     <a:bodyPr/>
@@ -5059,7 +5091,7 @@
                   </a:ext>
                 </a:extLst>
               </a:tr>
-              <a:tr h="1327181">
+              <a:tr h="2017650">
                 <a:tc rowSpan="2">
                   <a:txBody>
                     <a:bodyPr/>
@@ -5070,7 +5102,7 @@
                         <a:rPr lang="en-US" sz="1800" b="1" dirty="0"/>
                         <a:t>Availability</a:t>
                       </a:r>
-                      <a:endParaRPr lang="en-IN" sz="1800" b="1" dirty="0"/>
+                      <a:endParaRPr lang="en-IN" sz="1600" b="1" dirty="0"/>
                     </a:p>
                   </a:txBody>
                   <a:tcPr marT="45721" marB="45721" anchor="ctr"/>
@@ -5082,10 +5114,10 @@
                     <a:p>
                       <a:pPr algn="just"/>
                       <a:r>
-                        <a:rPr lang="en-US" sz="1800" dirty="0"/>
+                        <a:rPr lang="en-US" sz="1600" dirty="0"/>
                         <a:t>Detect faults with any systems in the smart home environment. </a:t>
                       </a:r>
-                      <a:endParaRPr lang="en-IN" sz="1800" dirty="0"/>
+                      <a:endParaRPr lang="en-IN" sz="1600" dirty="0"/>
                     </a:p>
                   </a:txBody>
                   <a:tcPr marT="45721" marB="45721" anchor="ctr"/>
@@ -5095,34 +5127,63 @@
                     <a:bodyPr/>
                     <a:lstStyle/>
                     <a:p>
-                      <a:pPr marL="0" lvl="0" indent="0" algn="just">
+                      <a:pPr marL="285750" lvl="0" indent="-285750" algn="just">
                         <a:spcAft>
                           <a:spcPts val="0"/>
                         </a:spcAft>
                         <a:buFont typeface="Arial" panose="020B0604020202020204" pitchFamily="34" charset="0"/>
-                        <a:buNone/>
+                        <a:buChar char="•"/>
                       </a:pPr>
                       <a:r>
-                        <a:rPr lang="en-US" sz="1800" dirty="0"/>
+                        <a:rPr lang="en-US" sz="1600" dirty="0"/>
                         <a:t>The smart hub checks for the availability of the systems by employing </a:t>
                       </a:r>
                       <a:r>
-                        <a:rPr lang="en-US" sz="1800" b="1" dirty="0"/>
+                        <a:rPr lang="en-US" sz="1600" b="1" dirty="0"/>
                         <a:t>ping/echo messages</a:t>
                       </a:r>
                       <a:r>
-                        <a:rPr lang="en-IN" sz="1800" dirty="0"/>
+                        <a:rPr lang="en-IN" sz="1600" dirty="0"/>
                         <a:t>. When there is a failure in response after a fixed number of retries then fault recovery can be triggered (This can be done activating the backup redundant system). The hub can also </a:t>
                       </a:r>
                       <a:r>
-                        <a:rPr lang="en-IN" sz="1800" b="1" dirty="0"/>
+                        <a:rPr lang="en-IN" sz="1600" b="1" dirty="0"/>
                         <a:t>notify the user of failures</a:t>
                       </a:r>
                       <a:r>
-                        <a:rPr lang="en-IN" sz="1800" dirty="0"/>
+                        <a:rPr lang="en-IN" sz="1600" dirty="0"/>
                         <a:t> in the system.</a:t>
                       </a:r>
-                      <a:endParaRPr lang="en-US" sz="1800" dirty="0"/>
+                    </a:p>
+                    <a:p>
+                      <a:pPr marL="285750" lvl="0" indent="-285750" algn="just">
+                        <a:spcAft>
+                          <a:spcPts val="0"/>
+                        </a:spcAft>
+                        <a:buFont typeface="Arial" panose="020B0604020202020204" pitchFamily="34" charset="0"/>
+                        <a:buChar char="•"/>
+                      </a:pPr>
+                      <a:r>
+                        <a:rPr lang="en-IN" sz="1600" dirty="0"/>
+                        <a:t>The hosted application should </a:t>
+                      </a:r>
+                      <a:r>
+                        <a:rPr lang="en-IN" sz="1600" b="1" dirty="0"/>
+                        <a:t>scale up on demand</a:t>
+                      </a:r>
+                      <a:r>
+                        <a:rPr lang="en-IN" sz="1600" dirty="0"/>
+                        <a:t> and </a:t>
+                      </a:r>
+                      <a:r>
+                        <a:rPr lang="en-IN" sz="1600" b="1" dirty="0"/>
+                        <a:t>not fail due to faults related to high traffic</a:t>
+                      </a:r>
+                      <a:r>
+                        <a:rPr lang="en-IN" sz="1600" dirty="0"/>
+                        <a:t>.</a:t>
+                      </a:r>
+                      <a:endParaRPr lang="en-US" sz="1600" dirty="0"/>
                     </a:p>
                   </a:txBody>
                   <a:tcPr marT="45721" marB="45721"/>
@@ -5133,7 +5194,7 @@
                   </a:ext>
                 </a:extLst>
               </a:tr>
-              <a:tr h="1168575">
+              <a:tr h="1535824">
                 <a:tc vMerge="1">
                   <a:txBody>
                     <a:bodyPr/>
@@ -5151,10 +5212,10 @@
                     <a:p>
                       <a:pPr algn="just"/>
                       <a:r>
-                        <a:rPr lang="en-US" sz="1800" dirty="0"/>
+                        <a:rPr lang="en-US" sz="1600" dirty="0"/>
                         <a:t>Recover faults when it is detected in any system or hub within the smart home system</a:t>
                       </a:r>
-                      <a:endParaRPr lang="en-IN" sz="1800" dirty="0"/>
+                      <a:endParaRPr lang="en-IN" sz="1600" dirty="0"/>
                     </a:p>
                   </a:txBody>
                   <a:tcPr marT="45721" marB="45721" anchor="ctr"/>
@@ -5164,7 +5225,7 @@
                     <a:bodyPr/>
                     <a:lstStyle/>
                     <a:p>
-                      <a:pPr marL="0" marR="0" lvl="0" indent="0" algn="just" defTabSz="457200" rtl="0" eaLnBrk="1" fontAlgn="auto" latinLnBrk="0" hangingPunct="1">
+                      <a:pPr marL="285750" marR="0" lvl="0" indent="-285750" algn="just" defTabSz="457200" rtl="0" eaLnBrk="1" fontAlgn="auto" latinLnBrk="0" hangingPunct="1">
                         <a:lnSpc>
                           <a:spcPct val="100000"/>
                         </a:lnSpc>
@@ -5177,29 +5238,56 @@
                         <a:buClrTx/>
                         <a:buSzTx/>
                         <a:buFont typeface="Arial" panose="020B0604020202020204" pitchFamily="34" charset="0"/>
-                        <a:buNone/>
+                        <a:buChar char="•"/>
                         <a:tabLst/>
                         <a:defRPr/>
                       </a:pPr>
                       <a:r>
-                        <a:rPr lang="en-US" sz="1800" dirty="0"/>
+                        <a:rPr lang="en-US" sz="1600" dirty="0"/>
                         <a:t>When the master hub fails, then we can employ </a:t>
                       </a:r>
                       <a:r>
-                        <a:rPr lang="en-US" sz="1800" b="1" dirty="0"/>
+                        <a:rPr lang="en-US" sz="1600" b="1" dirty="0"/>
                         <a:t>active redundancy</a:t>
                       </a:r>
                       <a:r>
-                        <a:rPr lang="en-US" sz="1800" dirty="0"/>
+                        <a:rPr lang="en-US" sz="1600" dirty="0"/>
                         <a:t>, where a new hub can come up soon and resume operations and </a:t>
                       </a:r>
                       <a:r>
-                        <a:rPr lang="en-US" sz="1800" b="1" dirty="0"/>
+                        <a:rPr lang="en-US" sz="1600" b="1" dirty="0"/>
                         <a:t>notify the user of the failure</a:t>
                       </a:r>
                       <a:r>
-                        <a:rPr lang="en-US" sz="1800" dirty="0"/>
-                        <a:t>. This measure can be employed on other systems and sensors as well</a:t>
+                        <a:rPr lang="en-US" sz="1600" dirty="0"/>
+                        <a:t>. </a:t>
+                      </a:r>
+                    </a:p>
+                    <a:p>
+                      <a:pPr marL="285750" marR="0" lvl="0" indent="-285750" algn="just" defTabSz="457200" rtl="0" eaLnBrk="1" fontAlgn="auto" latinLnBrk="0" hangingPunct="1">
+                        <a:lnSpc>
+                          <a:spcPct val="100000"/>
+                        </a:lnSpc>
+                        <a:spcBef>
+                          <a:spcPts val="0"/>
+                        </a:spcBef>
+                        <a:spcAft>
+                          <a:spcPts val="0"/>
+                        </a:spcAft>
+                        <a:buClrTx/>
+                        <a:buSzTx/>
+                        <a:buFont typeface="Arial" panose="020B0604020202020204" pitchFamily="34" charset="0"/>
+                        <a:buChar char="•"/>
+                        <a:tabLst/>
+                        <a:defRPr/>
+                      </a:pPr>
+                      <a:r>
+                        <a:rPr lang="en-US" sz="1600" dirty="0"/>
+                        <a:t>The application hosted would also need to employ redundancy to make sure </a:t>
+                      </a:r>
+                      <a:r>
+                        <a:rPr lang="en-US" sz="1600" b="1" dirty="0"/>
+                        <a:t>cloud services are highly available</a:t>
                       </a:r>
                     </a:p>
                   </a:txBody>
@@ -5211,7 +5299,7 @@
                   </a:ext>
                 </a:extLst>
               </a:tr>
-              <a:tr h="1561389">
+              <a:tr h="1379841">
                 <a:tc>
                   <a:txBody>
                     <a:bodyPr/>
@@ -5222,7 +5310,7 @@
                         <a:rPr lang="en-US" sz="1800" b="1" dirty="0"/>
                         <a:t>Interoperability</a:t>
                       </a:r>
-                      <a:endParaRPr lang="en-IN" sz="1800" b="1" dirty="0"/>
+                      <a:endParaRPr lang="en-IN" sz="1600" b="1" dirty="0"/>
                     </a:p>
                   </a:txBody>
                   <a:tcPr marT="45721" marB="45721" anchor="ctr"/>
@@ -5234,10 +5322,10 @@
                     <a:p>
                       <a:pPr algn="just"/>
                       <a:r>
-                        <a:rPr lang="en-US" sz="1800" dirty="0"/>
+                        <a:rPr lang="en-US" sz="1600" dirty="0"/>
                         <a:t>The system interfaces and works with existing popular smart home systems that use standard protocols for communication.</a:t>
                       </a:r>
-                      <a:endParaRPr lang="en-IN" sz="1800" dirty="0"/>
+                      <a:endParaRPr lang="en-IN" sz="1600" dirty="0"/>
                     </a:p>
                   </a:txBody>
                   <a:tcPr marT="45721" marB="45721" anchor="ctr"/>
@@ -5247,15 +5335,23 @@
                     <a:bodyPr/>
                     <a:lstStyle/>
                     <a:p>
-                      <a:pPr marL="0" indent="0">
+                      <a:pPr marL="0" indent="0" algn="just">
                         <a:buFont typeface="Arial" panose="020B0604020202020204" pitchFamily="34" charset="0"/>
                         <a:buNone/>
                       </a:pPr>
                       <a:r>
-                        <a:rPr lang="en-US" sz="1800" dirty="0"/>
-                        <a:t>The hub that maintains the smart home network must support popular smart home communication protocols such as ZigBee, Bluetooth LE or Z wave.</a:t>
+                        <a:rPr lang="en-US" sz="1600" dirty="0"/>
+                        <a:t>The hub that maintains the smart home network must support popular smart home communication protocols such as </a:t>
                       </a:r>
-                      <a:endParaRPr lang="en-IN" sz="1800" dirty="0"/>
+                      <a:r>
+                        <a:rPr lang="en-US" sz="1600" b="1" dirty="0"/>
+                        <a:t>ZigBee, Bluetooth LE or Z wave</a:t>
+                      </a:r>
+                      <a:r>
+                        <a:rPr lang="en-US" sz="1600" dirty="0"/>
+                        <a:t>.</a:t>
+                      </a:r>
+                      <a:endParaRPr lang="en-IN" sz="1600" dirty="0"/>
                     </a:p>
                   </a:txBody>
                   <a:tcPr marT="45721" marB="45721"/>
@@ -5747,6 +5843,54 @@
           </a:bodyPr>
           <a:lstStyle/>
           <a:p>
+            <a:pPr marL="0" indent="0" algn="just">
+              <a:buNone/>
+            </a:pPr>
+            <a:r>
+              <a:rPr lang="en-US" sz="2000" dirty="0"/>
+              <a:t>The following are the architectural patterns used in designing the Smart Home system:</a:t>
+            </a:r>
+          </a:p>
+          <a:p>
+            <a:pPr algn="just"/>
+            <a:r>
+              <a:rPr lang="en-US" sz="2000" b="1" u="sng" dirty="0"/>
+              <a:t>Broker Pattern:</a:t>
+            </a:r>
+            <a:r>
+              <a:rPr lang="en-US" sz="2000" dirty="0"/>
+              <a:t> This pattern is used in the smart home environment where a highly available broker handles the message delivery between the hubs and other smart systems (This is seen in the Component and Connector diagram shown earlier </a:t>
+            </a:r>
+            <a:r>
+              <a:rPr lang="en-US" sz="2000" dirty="0">
+                <a:solidFill>
+                  <a:schemeClr val="accent2"/>
+                </a:solidFill>
+                <a:hlinkClick r:id="rId2" action="ppaction://hlinksldjump">
+                  <a:extLst>
+                    <a:ext uri="{A12FA001-AC4F-418D-AE19-62706E023703}">
+                      <ahyp:hlinkClr xmlns:ahyp="http://schemas.microsoft.com/office/drawing/2018/hyperlinkcolor" val="tx"/>
+                    </a:ext>
+                  </a:extLst>
+                </a:hlinkClick>
+              </a:rPr>
+              <a:t>here</a:t>
+            </a:r>
+            <a:r>
+              <a:rPr lang="en-US" sz="2000" dirty="0"/>
+              <a:t>). The broker helps in getting decoupled components within a smart home to work together cohesively. This further helps in easing the interfacing of a new device later.</a:t>
+            </a:r>
+          </a:p>
+          <a:p>
+            <a:pPr algn="just"/>
+            <a:r>
+              <a:rPr lang="en-US" sz="2000" b="1" u="sng" dirty="0"/>
+              <a:t>Client Server:</a:t>
+            </a:r>
+            <a:r>
+              <a:rPr lang="en-US" sz="2000" dirty="0"/>
+              <a:t> This pattern is used in the cloud hosted application which handles the requests by many smart home users. The Server would act as a bridge between the mobile app and the respective home’s smart hub. The application should be capable of scaling up when the requests it receives increases.</a:t>
+            </a:r>
             <a:endParaRPr lang="en-IN" sz="1801" dirty="0"/>
           </a:p>
         </p:txBody>
@@ -5840,42 +5984,46 @@
         </p:spPr>
         <p:txBody>
           <a:bodyPr>
-            <a:normAutofit/>
+            <a:normAutofit lnSpcReduction="10000"/>
           </a:bodyPr>
           <a:lstStyle/>
           <a:p>
             <a:pPr algn="just"/>
+            <a:endParaRPr lang="en-US" sz="1801" dirty="0"/>
+          </a:p>
+          <a:p>
+            <a:pPr algn="just"/>
             <a:r>
               <a:rPr lang="en-US" sz="1801" dirty="0"/>
-              <a:t>Apart from thinking about functional requirements it is important to figure out the nonfunctional requirements that can potentially change the way the system is modelled. For example, performance requirements can affect how an entire system is designed and knowing about it early and having the intuition to think about such potential requirements is very important.</a:t>
+              <a:t>Highly available systems are necessary for smart homes. Smart systems can save a home from a disaster (Like in the case of gas management system), and if a failed system does not default to a mode of operation or have means to come back up fast then the results could be catastrophic.</a:t>
             </a:r>
           </a:p>
           <a:p>
             <a:pPr algn="just"/>
             <a:r>
               <a:rPr lang="en-US" sz="1801" dirty="0"/>
-              <a:t>Knowing how the system acts as a backbox through a context diagram helps all stakeholders understand the bigger picture. It helps in clearly showing what belongs in a system and what does not.</a:t>
+              <a:t>When it comes to designing smart homes, we need to make sure that the standards and the communication mode used are future proofed. Smart home technology evolves very fast, and systems must have the capability of interfacing with new devices without any hassle.</a:t>
             </a:r>
           </a:p>
           <a:p>
             <a:pPr algn="just"/>
             <a:r>
               <a:rPr lang="en-US" sz="1801" dirty="0"/>
-              <a:t>The analysis of the system in different views (Module decomposition, utility trees, component connection etc.) can be templated and be reused for other similar systems. This helps in deriving more cost vs benefit of different architecture approaches for similar problems in the future.</a:t>
+              <a:t>Apart from designing highly available smart hubs we also need to make sure that the cloud services that will be used by the mobile app also is. One would need to scale up the services when the number of active users increase. Since adoption rates of smart home technology is accelerating, we need to make sure that these rapidly increasing customers base could be served with little downtime.</a:t>
             </a:r>
           </a:p>
           <a:p>
             <a:pPr algn="just"/>
             <a:r>
               <a:rPr lang="en-US" sz="1801" dirty="0"/>
-              <a:t>The module view and component connection diagrams help developers visualize implementation strategies much earlier in system designing and makes planning (especially in AGILE) much easier.</a:t>
+              <a:t>The component connection diagrams help developers visualize implementation strategies much earlier in system designing and makes planning (especially in AGILE) much easier.</a:t>
             </a:r>
           </a:p>
           <a:p>
             <a:pPr algn="just"/>
             <a:r>
               <a:rPr lang="en-US" sz="1801" dirty="0"/>
-              <a:t>The deployment view gives a clear image to operation teams on how the application modules are deployed and helps in rough estimation of cost early on easing planning.</a:t>
+              <a:t>The deployment view gives a clear image to operation teams on how the application modules are deployed and helps in rough estimation of cost early on and eases planning.</a:t>
             </a:r>
           </a:p>
           <a:p>
@@ -6201,15 +6349,6 @@
 </file>
 
 <file path=customXml/item1.xml><?xml version="1.0" encoding="utf-8"?>
-<?mso-contentType ?>
-<FormTemplates xmlns="http://schemas.microsoft.com/sharepoint/v3/contenttype/forms">
-  <Display>DocumentLibraryForm</Display>
-  <Edit>DocumentLibraryForm</Edit>
-  <New>DocumentLibraryForm</New>
-</FormTemplates>
-</file>
-
-<file path=customXml/item2.xml><?xml version="1.0" encoding="utf-8"?>
 <ct:contentTypeSchema xmlns:ct="http://schemas.microsoft.com/office/2006/metadata/contentType" xmlns:ma="http://schemas.microsoft.com/office/2006/metadata/properties/metaAttributes" ct:_="" ma:_="" ma:contentTypeName="Document" ma:contentTypeID="0x01010079F111ED35F8CC479449609E8A0923A6" ma:contentTypeVersion="12" ma:contentTypeDescription="Create a new document." ma:contentTypeScope="" ma:versionID="a410dd7f93c95333ffa1b60ed6adedd1">
   <xsd:schema xmlns:xsd="http://www.w3.org/2001/XMLSchema" xmlns:xs="http://www.w3.org/2001/XMLSchema" xmlns:p="http://schemas.microsoft.com/office/2006/metadata/properties" xmlns:ns2="71af3243-3dd4-4a8d-8c0d-dd76da1f02a5" xmlns:ns3="16c05727-aa75-4e4a-9b5f-8a80a1165891" targetNamespace="http://schemas.microsoft.com/office/2006/metadata/properties" ma:root="true" ma:fieldsID="a936d9baba76aa3866493feff160faab" ns2:_="" ns3:_="">
     <xsd:import namespace="71af3243-3dd4-4a8d-8c0d-dd76da1f02a5"/>
@@ -6430,6 +6569,15 @@
 </ct:contentTypeSchema>
 </file>
 
+<file path=customXml/item2.xml><?xml version="1.0" encoding="utf-8"?>
+<?mso-contentType ?>
+<FormTemplates xmlns="http://schemas.microsoft.com/sharepoint/v3/contenttype/forms">
+  <Display>DocumentLibraryForm</Display>
+  <Edit>DocumentLibraryForm</Edit>
+  <New>DocumentLibraryForm</New>
+</FormTemplates>
+</file>
+
 <file path=customXml/item3.xml><?xml version="1.0" encoding="utf-8"?>
 <p:properties xmlns:p="http://schemas.microsoft.com/office/2006/metadata/properties" xmlns:xsi="http://www.w3.org/2001/XMLSchema-instance" xmlns:pc="http://schemas.microsoft.com/office/infopath/2007/PartnerControls">
   <documentManagement>
@@ -6440,14 +6588,6 @@
 </file>
 
 <file path=customXml/itemProps1.xml><?xml version="1.0" encoding="utf-8"?>
-<ds:datastoreItem xmlns:ds="http://schemas.openxmlformats.org/officeDocument/2006/customXml" ds:itemID="{927BD4C1-B6B1-4715-ABF9-E660A51A4EA0}">
-  <ds:schemaRefs>
-    <ds:schemaRef ds:uri="http://schemas.microsoft.com/sharepoint/v3/contenttype/forms"/>
-  </ds:schemaRefs>
-</ds:datastoreItem>
-</file>
-
-<file path=customXml/itemProps2.xml><?xml version="1.0" encoding="utf-8"?>
 <ds:datastoreItem xmlns:ds="http://schemas.openxmlformats.org/officeDocument/2006/customXml" ds:itemID="{41E7CA09-9778-4414-AE97-8064B12DA30E}">
   <ds:schemaRefs>
     <ds:schemaRef ds:uri="http://schemas.microsoft.com/office/2006/metadata/contentType"/>
@@ -6466,6 +6606,14 @@
 </ds:datastoreItem>
 </file>
 
+<file path=customXml/itemProps2.xml><?xml version="1.0" encoding="utf-8"?>
+<ds:datastoreItem xmlns:ds="http://schemas.openxmlformats.org/officeDocument/2006/customXml" ds:itemID="{927BD4C1-B6B1-4715-ABF9-E660A51A4EA0}">
+  <ds:schemaRefs>
+    <ds:schemaRef ds:uri="http://schemas.microsoft.com/sharepoint/v3/contenttype/forms"/>
+  </ds:schemaRefs>
+</ds:datastoreItem>
+</file>
+
 <file path=customXml/itemProps3.xml><?xml version="1.0" encoding="utf-8"?>
 <ds:datastoreItem xmlns:ds="http://schemas.openxmlformats.org/officeDocument/2006/customXml" ds:itemID="{8D289AE2-D2AE-49D1-AFAC-3A79F6794255}">
   <ds:schemaRefs>

--- a/Semester 2/Software Architecture/Assignment 2/SA-Assignment-2021MT12054.pptx
+++ b/Semester 2/Software Architecture/Assignment 2/SA-Assignment-2021MT12054.pptx
@@ -6,14 +6,15 @@
   </p:sldMasterIdLst>
   <p:sldIdLst>
     <p:sldId id="257" r:id="rId5"/>
-    <p:sldId id="262" r:id="rId6"/>
-    <p:sldId id="278" r:id="rId7"/>
-    <p:sldId id="272" r:id="rId8"/>
-    <p:sldId id="263" r:id="rId9"/>
-    <p:sldId id="266" r:id="rId10"/>
-    <p:sldId id="276" r:id="rId11"/>
-    <p:sldId id="271" r:id="rId12"/>
-    <p:sldId id="277" r:id="rId13"/>
+    <p:sldId id="277" r:id="rId6"/>
+    <p:sldId id="262" r:id="rId7"/>
+    <p:sldId id="278" r:id="rId8"/>
+    <p:sldId id="272" r:id="rId9"/>
+    <p:sldId id="263" r:id="rId10"/>
+    <p:sldId id="266" r:id="rId11"/>
+    <p:sldId id="276" r:id="rId12"/>
+    <p:sldId id="271" r:id="rId13"/>
+    <p:sldId id="279" r:id="rId14"/>
   </p:sldIdLst>
   <p:sldSz cx="12192000" cy="6858000"/>
   <p:notesSz cx="6858000" cy="9144000"/>
@@ -4169,8 +4170,8 @@
         </p:nvSpPr>
         <p:spPr>
           <a:xfrm>
-            <a:off x="4253326" y="5945674"/>
-            <a:ext cx="7383655" cy="455122"/>
+            <a:off x="4579247" y="5537327"/>
+            <a:ext cx="3703321" cy="863469"/>
           </a:xfrm>
           <a:prstGeom prst="rect">
             <a:avLst/>
@@ -4178,7 +4179,7 @@
         </p:spPr>
         <p:txBody>
           <a:bodyPr vert="horz" lIns="91440" tIns="45721" rIns="91440" bIns="45721" rtlCol="0" anchor="t">
-            <a:normAutofit fontScale="47500" lnSpcReduction="20000"/>
+            <a:normAutofit fontScale="55000" lnSpcReduction="20000"/>
           </a:bodyPr>
           <a:lstStyle>
             <a:lvl1pPr marL="0" indent="0" algn="l" defTabSz="457200" rtl="0" eaLnBrk="1" latinLnBrk="0" hangingPunct="1">
@@ -4400,22 +4401,52 @@
             </a:lvl9pPr>
           </a:lstStyle>
           <a:p>
-            <a:pPr algn="r">
+            <a:pPr>
               <a:spcAft>
                 <a:spcPts val="0"/>
               </a:spcAft>
             </a:pPr>
             <a:r>
-              <a:rPr lang="en-US" sz="3300" b="1" dirty="0">
+              <a:rPr lang="en-US" sz="2900" b="1" dirty="0">
                 <a:solidFill>
                   <a:schemeClr val="tx1"/>
                 </a:solidFill>
               </a:rPr>
-              <a:t>Akhil Sudhakaran  -  2021MT12054  -  2021mt12054@wilp.bits-pilani.ac.in</a:t>
-            </a:r>
-          </a:p>
-          <a:p>
-            <a:pPr algn="r">
+              <a:t>Akhil Sudhakaran</a:t>
+            </a:r>
+          </a:p>
+          <a:p>
+            <a:pPr>
+              <a:spcAft>
+                <a:spcPts val="0"/>
+              </a:spcAft>
+            </a:pPr>
+            <a:r>
+              <a:rPr lang="en-US" sz="2900" b="1" dirty="0">
+                <a:solidFill>
+                  <a:schemeClr val="tx1"/>
+                </a:solidFill>
+              </a:rPr>
+              <a:t>2021MT12054 </a:t>
+            </a:r>
+          </a:p>
+          <a:p>
+            <a:pPr>
+              <a:spcAft>
+                <a:spcPts val="0"/>
+              </a:spcAft>
+            </a:pPr>
+            <a:r>
+              <a:rPr lang="en-US" sz="2900" b="1" dirty="0">
+                <a:solidFill>
+                  <a:schemeClr val="tx1"/>
+                </a:solidFill>
+              </a:rPr>
+              <a:t>2021mt12054@wilp.bits-pilani.ac.in</a:t>
+            </a:r>
+          </a:p>
+          <a:p>
+            <a:pPr>
               <a:spcAft>
                 <a:spcPts val="0"/>
               </a:spcAft>
@@ -4448,7 +4479,7 @@
         </p:blipFill>
         <p:spPr>
           <a:xfrm>
-            <a:off x="656435" y="1324230"/>
+            <a:off x="651149" y="1419228"/>
             <a:ext cx="3294091" cy="3294091"/>
           </a:xfrm>
           <a:prstGeom prst="rect">
@@ -4460,6 +4491,142 @@
     <p:extLst>
       <p:ext uri="{BB962C8B-B14F-4D97-AF65-F5344CB8AC3E}">
         <p14:creationId xmlns:p14="http://schemas.microsoft.com/office/powerpoint/2010/main" val="2475805559"/>
+      </p:ext>
+    </p:extLst>
+  </p:cSld>
+  <p:clrMapOvr>
+    <a:masterClrMapping/>
+  </p:clrMapOvr>
+</p:sld>
+</file>
+
+<file path=ppt/slides/slide10.xml><?xml version="1.0" encoding="utf-8"?>
+<p:sld xmlns:a="http://schemas.openxmlformats.org/drawingml/2006/main" xmlns:r="http://schemas.openxmlformats.org/officeDocument/2006/relationships" xmlns:p="http://schemas.openxmlformats.org/presentationml/2006/main">
+  <p:cSld>
+    <p:spTree>
+      <p:nvGrpSpPr>
+        <p:cNvPr id="1" name=""/>
+        <p:cNvGrpSpPr/>
+        <p:nvPr/>
+      </p:nvGrpSpPr>
+      <p:grpSpPr>
+        <a:xfrm>
+          <a:off x="0" y="0"/>
+          <a:ext cx="0" cy="0"/>
+          <a:chOff x="0" y="0"/>
+          <a:chExt cx="0" cy="0"/>
+        </a:xfrm>
+      </p:grpSpPr>
+      <p:sp>
+        <p:nvSpPr>
+          <p:cNvPr id="3" name="Content Placeholder 2">
+            <a:extLst>
+              <a:ext uri="{FF2B5EF4-FFF2-40B4-BE49-F238E27FC236}">
+                <a16:creationId xmlns:a16="http://schemas.microsoft.com/office/drawing/2014/main" id="{AD123F5A-941C-4F63-9262-F136B668FBDE}"/>
+              </a:ext>
+            </a:extLst>
+          </p:cNvPr>
+          <p:cNvSpPr>
+            <a:spLocks noGrp="1"/>
+          </p:cNvSpPr>
+          <p:nvPr>
+            <p:ph idx="1"/>
+          </p:nvPr>
+        </p:nvSpPr>
+        <p:spPr>
+          <a:xfrm>
+            <a:off x="581195" y="1534529"/>
+            <a:ext cx="11029614" cy="5007588"/>
+          </a:xfrm>
+        </p:spPr>
+        <p:txBody>
+          <a:bodyPr>
+            <a:normAutofit lnSpcReduction="10000"/>
+          </a:bodyPr>
+          <a:lstStyle/>
+          <a:p>
+            <a:pPr algn="just"/>
+            <a:endParaRPr lang="en-US" sz="1801" dirty="0"/>
+          </a:p>
+          <a:p>
+            <a:pPr algn="just"/>
+            <a:r>
+              <a:rPr lang="en-US" sz="1801" dirty="0"/>
+              <a:t>Highly available systems are necessary for smart homes. Smart systems can save a home from a disaster (Like in the case of gas management system), and if a failed system does not default to a mode of operation or have means to come back up fast then the results could be catastrophic.</a:t>
+            </a:r>
+          </a:p>
+          <a:p>
+            <a:pPr algn="just"/>
+            <a:r>
+              <a:rPr lang="en-US" sz="1801" dirty="0"/>
+              <a:t>When it comes to designing smart homes, we need to make sure that the standards and the communication mode used are future proofed. Smart home technology evolves very fast, and systems must have the capability of interfacing with new devices without any hassle.</a:t>
+            </a:r>
+          </a:p>
+          <a:p>
+            <a:pPr algn="just"/>
+            <a:r>
+              <a:rPr lang="en-US" sz="1801" dirty="0"/>
+              <a:t>Apart from designing highly available smart hubs we also need to make sure that the cloud services that will be used by the mobile app also is HA. One would need to scale up the services when the number of active users increase. Since adoption rates of smart home technology is accelerating, we need to make sure that these rapidly increasing customers base could be served with little downtime.</a:t>
+            </a:r>
+          </a:p>
+          <a:p>
+            <a:pPr algn="just"/>
+            <a:r>
+              <a:rPr lang="en-US" sz="1801" dirty="0"/>
+              <a:t>The component connection diagrams help developers visualize implementation strategies much earlier in system designing and makes planning (especially in AGILE) much easier.</a:t>
+            </a:r>
+          </a:p>
+          <a:p>
+            <a:pPr algn="just"/>
+            <a:r>
+              <a:rPr lang="en-US" sz="1801" dirty="0"/>
+              <a:t>The deployment view gives a clear image to operation teams on how the application modules are deployed and helps in rough estimation of cost early on and eases planning.</a:t>
+            </a:r>
+          </a:p>
+          <a:p>
+            <a:endParaRPr lang="en-IN" sz="1801" dirty="0"/>
+          </a:p>
+        </p:txBody>
+      </p:sp>
+      <p:sp>
+        <p:nvSpPr>
+          <p:cNvPr id="4" name="Title 1">
+            <a:extLst>
+              <a:ext uri="{FF2B5EF4-FFF2-40B4-BE49-F238E27FC236}">
+                <a16:creationId xmlns:a16="http://schemas.microsoft.com/office/drawing/2014/main" id="{F9B4CB05-2681-4DD6-B10E-EC6DFD4FF864}"/>
+              </a:ext>
+            </a:extLst>
+          </p:cNvPr>
+          <p:cNvSpPr>
+            <a:spLocks noGrp="1"/>
+          </p:cNvSpPr>
+          <p:nvPr>
+            <p:ph type="title"/>
+          </p:nvPr>
+        </p:nvSpPr>
+        <p:spPr>
+          <a:xfrm>
+            <a:off x="448189" y="797311"/>
+            <a:ext cx="11029616" cy="469938"/>
+          </a:xfrm>
+        </p:spPr>
+        <p:txBody>
+          <a:bodyPr>
+            <a:noAutofit/>
+          </a:bodyPr>
+          <a:lstStyle/>
+          <a:p>
+            <a:r>
+              <a:rPr lang="en-US" sz="3200" dirty="0"/>
+              <a:t>Key Learnings</a:t>
+            </a:r>
+          </a:p>
+        </p:txBody>
+      </p:sp>
+    </p:spTree>
+    <p:extLst>
+      <p:ext uri="{BB962C8B-B14F-4D97-AF65-F5344CB8AC3E}">
+        <p14:creationId xmlns:p14="http://schemas.microsoft.com/office/powerpoint/2010/main" val="592060917"/>
       </p:ext>
     </p:extLst>
   </p:cSld>
@@ -4488,6 +4655,135 @@
       </p:grpSpPr>
       <p:sp>
         <p:nvSpPr>
+          <p:cNvPr id="3" name="Content Placeholder 2">
+            <a:extLst>
+              <a:ext uri="{FF2B5EF4-FFF2-40B4-BE49-F238E27FC236}">
+                <a16:creationId xmlns:a16="http://schemas.microsoft.com/office/drawing/2014/main" id="{AD123F5A-941C-4F63-9262-F136B668FBDE}"/>
+              </a:ext>
+            </a:extLst>
+          </p:cNvPr>
+          <p:cNvSpPr>
+            <a:spLocks noGrp="1"/>
+          </p:cNvSpPr>
+          <p:nvPr>
+            <p:ph idx="1"/>
+          </p:nvPr>
+        </p:nvSpPr>
+        <p:spPr>
+          <a:xfrm>
+            <a:off x="581193" y="1390719"/>
+            <a:ext cx="11029614" cy="4076562"/>
+          </a:xfrm>
+        </p:spPr>
+        <p:txBody>
+          <a:bodyPr>
+            <a:normAutofit/>
+          </a:bodyPr>
+          <a:lstStyle/>
+          <a:p>
+            <a:pPr algn="just"/>
+            <a:r>
+              <a:rPr lang="en-US" sz="1801" dirty="0"/>
+              <a:t>A smart home system manages day to day tasks such as lighting, whether control, gas supply control and gate/door management.</a:t>
+            </a:r>
+          </a:p>
+          <a:p>
+            <a:pPr algn="just"/>
+            <a:r>
+              <a:rPr lang="en-US" sz="1801" dirty="0"/>
+              <a:t>A user can set instructions to events recorded by sensors via a mobile application by connecting through a cloud hosted application or directly to a hub in the local home network.</a:t>
+            </a:r>
+          </a:p>
+          <a:p>
+            <a:pPr algn="just"/>
+            <a:r>
+              <a:rPr lang="en-US" sz="1801" dirty="0"/>
+              <a:t>The hub makes sure that the systems that it interacts with trigger actions based on the Sensor events it receives. The hub and the systems also make sure that the default behavior is followed when no events are recorded.</a:t>
+            </a:r>
+          </a:p>
+          <a:p>
+            <a:pPr algn="just"/>
+            <a:r>
+              <a:rPr lang="en-US" sz="1801" dirty="0"/>
+              <a:t>In case of drastic events such as gas leakage or gate stuck in the middle of closure, the hub notifies the user through the cloud service (or via the local network if the phone is in the local network) of such an event so that action can be taken</a:t>
+            </a:r>
+          </a:p>
+          <a:p>
+            <a:pPr algn="just"/>
+            <a:r>
+              <a:rPr lang="en-IN" sz="1801" dirty="0"/>
+              <a:t>The hub also can listen to instructions given by smart speaker devices such as Alexa and Google home.</a:t>
+            </a:r>
+          </a:p>
+        </p:txBody>
+      </p:sp>
+      <p:sp>
+        <p:nvSpPr>
+          <p:cNvPr id="4" name="Title 1">
+            <a:extLst>
+              <a:ext uri="{FF2B5EF4-FFF2-40B4-BE49-F238E27FC236}">
+                <a16:creationId xmlns:a16="http://schemas.microsoft.com/office/drawing/2014/main" id="{F9B4CB05-2681-4DD6-B10E-EC6DFD4FF864}"/>
+              </a:ext>
+            </a:extLst>
+          </p:cNvPr>
+          <p:cNvSpPr>
+            <a:spLocks noGrp="1"/>
+          </p:cNvSpPr>
+          <p:nvPr>
+            <p:ph type="title"/>
+          </p:nvPr>
+        </p:nvSpPr>
+        <p:spPr>
+          <a:xfrm>
+            <a:off x="448189" y="797311"/>
+            <a:ext cx="11029616" cy="469938"/>
+          </a:xfrm>
+        </p:spPr>
+        <p:txBody>
+          <a:bodyPr>
+            <a:noAutofit/>
+          </a:bodyPr>
+          <a:lstStyle/>
+          <a:p>
+            <a:r>
+              <a:rPr lang="en-US" sz="3200" dirty="0"/>
+              <a:t>Details on the smart home system</a:t>
+            </a:r>
+          </a:p>
+        </p:txBody>
+      </p:sp>
+    </p:spTree>
+    <p:extLst>
+      <p:ext uri="{BB962C8B-B14F-4D97-AF65-F5344CB8AC3E}">
+        <p14:creationId xmlns:p14="http://schemas.microsoft.com/office/powerpoint/2010/main" val="1588334654"/>
+      </p:ext>
+    </p:extLst>
+  </p:cSld>
+  <p:clrMapOvr>
+    <a:masterClrMapping/>
+  </p:clrMapOvr>
+</p:sld>
+</file>
+
+<file path=ppt/slides/slide3.xml><?xml version="1.0" encoding="utf-8"?>
+<p:sld xmlns:a="http://schemas.openxmlformats.org/drawingml/2006/main" xmlns:r="http://schemas.openxmlformats.org/officeDocument/2006/relationships" xmlns:p="http://schemas.openxmlformats.org/presentationml/2006/main">
+  <p:cSld>
+    <p:spTree>
+      <p:nvGrpSpPr>
+        <p:cNvPr id="1" name=""/>
+        <p:cNvGrpSpPr/>
+        <p:nvPr/>
+      </p:nvGrpSpPr>
+      <p:grpSpPr>
+        <a:xfrm>
+          <a:off x="0" y="0"/>
+          <a:ext cx="0" cy="0"/>
+          <a:chOff x="0" y="0"/>
+          <a:chExt cx="0" cy="0"/>
+        </a:xfrm>
+      </p:grpSpPr>
+      <p:sp>
+        <p:nvSpPr>
           <p:cNvPr id="2" name="Title 1">
             <a:extLst>
               <a:ext uri="{FF2B5EF4-FFF2-40B4-BE49-F238E27FC236}">
@@ -4504,7 +4800,7 @@
         </p:nvSpPr>
         <p:spPr>
           <a:xfrm>
-            <a:off x="464815" y="647681"/>
+            <a:off x="464815" y="581179"/>
             <a:ext cx="11029616" cy="469938"/>
           </a:xfrm>
         </p:spPr>
@@ -4523,10 +4819,10 @@
       </p:sp>
       <p:pic>
         <p:nvPicPr>
-          <p:cNvPr id="4" name="Picture 3" descr="Diagram&#10;&#10;Description automatically generated">
+          <p:cNvPr id="5" name="Picture 4" descr="Diagram&#10;&#10;Description automatically generated">
             <a:extLst>
               <a:ext uri="{FF2B5EF4-FFF2-40B4-BE49-F238E27FC236}">
-                <a16:creationId xmlns:a16="http://schemas.microsoft.com/office/drawing/2014/main" id="{FC2584F5-93A6-440F-9865-192B7469347C}"/>
+                <a16:creationId xmlns:a16="http://schemas.microsoft.com/office/drawing/2014/main" id="{B723C867-8E3F-4FBE-9ECA-5ECEBF65337B}"/>
               </a:ext>
             </a:extLst>
           </p:cNvPr>
@@ -4543,8 +4839,8 @@
         </p:blipFill>
         <p:spPr>
           <a:xfrm>
-            <a:off x="2519362" y="1117619"/>
-            <a:ext cx="7153275" cy="5448300"/>
+            <a:off x="2344882" y="1117619"/>
+            <a:ext cx="7502236" cy="5686535"/>
           </a:xfrm>
           <a:prstGeom prst="rect">
             <a:avLst/>
@@ -4564,7 +4860,7 @@
 </p:sld>
 </file>
 
-<file path=ppt/slides/slide3.xml><?xml version="1.0" encoding="utf-8"?>
+<file path=ppt/slides/slide4.xml><?xml version="1.0" encoding="utf-8"?>
 <p:sld xmlns:a="http://schemas.openxmlformats.org/drawingml/2006/main" xmlns:r="http://schemas.openxmlformats.org/officeDocument/2006/relationships" xmlns:p="http://schemas.openxmlformats.org/presentationml/2006/main">
   <p:cSld>
     <p:spTree>
@@ -4933,7 +5229,7 @@
 </p:sld>
 </file>
 
-<file path=ppt/slides/slide4.xml><?xml version="1.0" encoding="utf-8"?>
+<file path=ppt/slides/slide5.xml><?xml version="1.0" encoding="utf-8"?>
 <p:sld xmlns:a="http://schemas.openxmlformats.org/drawingml/2006/main" xmlns:r="http://schemas.openxmlformats.org/officeDocument/2006/relationships" xmlns:p="http://schemas.openxmlformats.org/presentationml/2006/main">
   <p:cSld>
     <p:spTree>
@@ -5001,14 +5297,14 @@
             <p:ph idx="1"/>
             <p:extLst>
               <p:ext uri="{D42A27DB-BD31-4B8C-83A1-F6EECF244321}">
-                <p14:modId xmlns:p14="http://schemas.microsoft.com/office/powerpoint/2010/main" val="3777771863"/>
+                <p14:modId xmlns:p14="http://schemas.microsoft.com/office/powerpoint/2010/main" val="1359800814"/>
               </p:ext>
             </p:extLst>
           </p:nvPr>
         </p:nvGraphicFramePr>
         <p:xfrm>
-          <a:off x="813262" y="1202902"/>
-          <a:ext cx="10565476" cy="5311767"/>
+          <a:off x="813262" y="1117619"/>
+          <a:ext cx="10565476" cy="5527071"/>
         </p:xfrm>
         <a:graphic>
           <a:graphicData uri="http://schemas.openxmlformats.org/drawingml/2006/table">
@@ -5047,8 +5343,23 @@
                     <a:p>
                       <a:pPr algn="ctr"/>
                       <a:r>
-                        <a:rPr lang="en-US" sz="1600" dirty="0"/>
+                        <a:rPr lang="en-US" sz="1400" dirty="0"/>
                         <a:t>Quality Attribute</a:t>
+                      </a:r>
+                      <a:endParaRPr lang="en-IN" sz="1400" dirty="0"/>
+                    </a:p>
+                  </a:txBody>
+                  <a:tcPr marT="45721" marB="45721"/>
+                </a:tc>
+                <a:tc>
+                  <a:txBody>
+                    <a:bodyPr/>
+                    <a:lstStyle/>
+                    <a:p>
+                      <a:pPr algn="ctr"/>
+                      <a:r>
+                        <a:rPr lang="en-US" sz="1400" dirty="0"/>
+                        <a:t>Scenario (Attribute Refinement)</a:t>
                       </a:r>
                       <a:endParaRPr lang="en-IN" sz="1600" dirty="0"/>
                     </a:p>
@@ -5062,25 +5373,10 @@
                     <a:p>
                       <a:pPr algn="ctr"/>
                       <a:r>
-                        <a:rPr lang="en-US" sz="1600" dirty="0"/>
-                        <a:t>Scenario (Attribute Refinement)</a:t>
-                      </a:r>
-                      <a:endParaRPr lang="en-IN" sz="1800" dirty="0"/>
-                    </a:p>
-                  </a:txBody>
-                  <a:tcPr marT="45721" marB="45721"/>
-                </a:tc>
-                <a:tc>
-                  <a:txBody>
-                    <a:bodyPr/>
-                    <a:lstStyle/>
-                    <a:p>
-                      <a:pPr algn="ctr"/>
-                      <a:r>
-                        <a:rPr lang="en-US" sz="1600" dirty="0"/>
+                        <a:rPr lang="en-US" sz="1400" dirty="0"/>
                         <a:t>Tactics</a:t>
                       </a:r>
-                      <a:endParaRPr lang="en-IN" sz="1800" dirty="0"/>
+                      <a:endParaRPr lang="en-IN" sz="1600" dirty="0"/>
                     </a:p>
                   </a:txBody>
                   <a:tcPr marT="45721" marB="45721"/>
@@ -5099,10 +5395,10 @@
                     <a:p>
                       <a:pPr algn="ctr"/>
                       <a:r>
-                        <a:rPr lang="en-US" sz="1800" b="1" dirty="0"/>
+                        <a:rPr lang="en-US" sz="1600" b="1" dirty="0"/>
                         <a:t>Availability</a:t>
                       </a:r>
-                      <a:endParaRPr lang="en-IN" sz="1600" b="1" dirty="0"/>
+                      <a:endParaRPr lang="en-IN" sz="1400" b="1" dirty="0"/>
                     </a:p>
                   </a:txBody>
                   <a:tcPr marT="45721" marB="45721" anchor="ctr"/>
@@ -5114,10 +5410,10 @@
                     <a:p>
                       <a:pPr algn="just"/>
                       <a:r>
-                        <a:rPr lang="en-US" sz="1600" dirty="0"/>
+                        <a:rPr lang="en-US" sz="1400" dirty="0"/>
                         <a:t>Detect faults with any systems in the smart home environment. </a:t>
                       </a:r>
-                      <a:endParaRPr lang="en-IN" sz="1600" dirty="0"/>
+                      <a:endParaRPr lang="en-IN" sz="1400" dirty="0"/>
                     </a:p>
                   </a:txBody>
                   <a:tcPr marT="45721" marB="45721" anchor="ctr"/>
@@ -5135,23 +5431,23 @@
                         <a:buChar char="•"/>
                       </a:pPr>
                       <a:r>
-                        <a:rPr lang="en-US" sz="1600" dirty="0"/>
+                        <a:rPr lang="en-US" sz="1400" dirty="0"/>
                         <a:t>The smart hub checks for the availability of the systems by employing </a:t>
                       </a:r>
                       <a:r>
-                        <a:rPr lang="en-US" sz="1600" b="1" dirty="0"/>
+                        <a:rPr lang="en-US" sz="1400" b="1" dirty="0"/>
                         <a:t>ping/echo messages</a:t>
                       </a:r>
                       <a:r>
-                        <a:rPr lang="en-IN" sz="1600" dirty="0"/>
+                        <a:rPr lang="en-IN" sz="1400" dirty="0"/>
                         <a:t>. When there is a failure in response after a fixed number of retries then fault recovery can be triggered (This can be done activating the backup redundant system). The hub can also </a:t>
                       </a:r>
                       <a:r>
-                        <a:rPr lang="en-IN" sz="1600" b="1" dirty="0"/>
+                        <a:rPr lang="en-IN" sz="1400" b="1" dirty="0"/>
                         <a:t>notify the user of failures</a:t>
                       </a:r>
                       <a:r>
-                        <a:rPr lang="en-IN" sz="1600" dirty="0"/>
+                        <a:rPr lang="en-IN" sz="1400" dirty="0"/>
                         <a:t> in the system.</a:t>
                       </a:r>
                     </a:p>
@@ -5164,26 +5460,26 @@
                         <a:buChar char="•"/>
                       </a:pPr>
                       <a:r>
-                        <a:rPr lang="en-IN" sz="1600" dirty="0"/>
+                        <a:rPr lang="en-IN" sz="1400" dirty="0"/>
                         <a:t>The hosted application should </a:t>
                       </a:r>
                       <a:r>
-                        <a:rPr lang="en-IN" sz="1600" b="1" dirty="0"/>
+                        <a:rPr lang="en-IN" sz="1400" b="1" dirty="0"/>
                         <a:t>scale up on demand</a:t>
                       </a:r>
                       <a:r>
-                        <a:rPr lang="en-IN" sz="1600" dirty="0"/>
+                        <a:rPr lang="en-IN" sz="1400" dirty="0"/>
                         <a:t> and </a:t>
                       </a:r>
                       <a:r>
-                        <a:rPr lang="en-IN" sz="1600" b="1" dirty="0"/>
+                        <a:rPr lang="en-IN" sz="1400" b="1" dirty="0"/>
                         <a:t>not fail due to faults related to high traffic</a:t>
                       </a:r>
                       <a:r>
-                        <a:rPr lang="en-IN" sz="1600" dirty="0"/>
+                        <a:rPr lang="en-IN" sz="1400" dirty="0"/>
                         <a:t>.</a:t>
                       </a:r>
-                      <a:endParaRPr lang="en-US" sz="1600" dirty="0"/>
+                      <a:endParaRPr lang="en-US" sz="1400" dirty="0"/>
                     </a:p>
                   </a:txBody>
                   <a:tcPr marT="45721" marB="45721"/>
@@ -5212,10 +5508,10 @@
                     <a:p>
                       <a:pPr algn="just"/>
                       <a:r>
-                        <a:rPr lang="en-US" sz="1600" dirty="0"/>
+                        <a:rPr lang="en-US" sz="1400" dirty="0"/>
                         <a:t>Recover faults when it is detected in any system or hub within the smart home system</a:t>
                       </a:r>
-                      <a:endParaRPr lang="en-IN" sz="1600" dirty="0"/>
+                      <a:endParaRPr lang="en-IN" sz="1400" dirty="0"/>
                     </a:p>
                   </a:txBody>
                   <a:tcPr marT="45721" marB="45721" anchor="ctr"/>
@@ -5243,23 +5539,23 @@
                         <a:defRPr/>
                       </a:pPr>
                       <a:r>
-                        <a:rPr lang="en-US" sz="1600" dirty="0"/>
+                        <a:rPr lang="en-US" sz="1400" dirty="0"/>
                         <a:t>When the master hub fails, then we can employ </a:t>
                       </a:r>
                       <a:r>
-                        <a:rPr lang="en-US" sz="1600" b="1" dirty="0"/>
+                        <a:rPr lang="en-US" sz="1400" b="1" dirty="0"/>
                         <a:t>active redundancy</a:t>
                       </a:r>
                       <a:r>
-                        <a:rPr lang="en-US" sz="1600" dirty="0"/>
+                        <a:rPr lang="en-US" sz="1400" dirty="0"/>
                         <a:t>, where a new hub can come up soon and resume operations and </a:t>
                       </a:r>
                       <a:r>
-                        <a:rPr lang="en-US" sz="1600" b="1" dirty="0"/>
+                        <a:rPr lang="en-US" sz="1400" b="1" dirty="0"/>
                         <a:t>notify the user of the failure</a:t>
                       </a:r>
                       <a:r>
-                        <a:rPr lang="en-US" sz="1600" dirty="0"/>
+                        <a:rPr lang="en-US" sz="1400" dirty="0"/>
                         <a:t>. </a:t>
                       </a:r>
                     </a:p>
@@ -5282,12 +5578,35 @@
                         <a:defRPr/>
                       </a:pPr>
                       <a:r>
-                        <a:rPr lang="en-US" sz="1600" dirty="0"/>
+                        <a:rPr lang="en-US" sz="1400" dirty="0"/>
+                        <a:t>The broker used for communication should also be replicated, so that on a failure scenario </a:t>
+                      </a:r>
+                    </a:p>
+                    <a:p>
+                      <a:pPr marL="285750" marR="0" lvl="0" indent="-285750" algn="just" defTabSz="457200" rtl="0" eaLnBrk="1" fontAlgn="auto" latinLnBrk="0" hangingPunct="1">
+                        <a:lnSpc>
+                          <a:spcPct val="100000"/>
+                        </a:lnSpc>
+                        <a:spcBef>
+                          <a:spcPts val="0"/>
+                        </a:spcBef>
+                        <a:spcAft>
+                          <a:spcPts val="0"/>
+                        </a:spcAft>
+                        <a:buClrTx/>
+                        <a:buSzTx/>
+                        <a:buFont typeface="Arial" panose="020B0604020202020204" pitchFamily="34" charset="0"/>
+                        <a:buChar char="•"/>
+                        <a:tabLst/>
+                        <a:defRPr/>
+                      </a:pPr>
+                      <a:r>
+                        <a:rPr lang="en-US" sz="1400" dirty="0"/>
                         <a:t>The application hosted would also need to employ redundancy to make sure </a:t>
                       </a:r>
                       <a:r>
-                        <a:rPr lang="en-US" sz="1600" b="1" dirty="0"/>
-                        <a:t>cloud services are highly available</a:t>
+                        <a:rPr lang="en-US" sz="1400" b="1" dirty="0"/>
+                        <a:t>cloud services are highly available and use deployment strategies which aid in scaling up on demand</a:t>
                       </a:r>
                     </a:p>
                   </a:txBody>
@@ -5307,10 +5626,10 @@
                     <a:p>
                       <a:pPr algn="ctr"/>
                       <a:r>
-                        <a:rPr lang="en-US" sz="1800" b="1" dirty="0"/>
+                        <a:rPr lang="en-US" sz="1600" b="1" dirty="0"/>
                         <a:t>Interoperability</a:t>
                       </a:r>
-                      <a:endParaRPr lang="en-IN" sz="1600" b="1" dirty="0"/>
+                      <a:endParaRPr lang="en-IN" sz="1400" b="1" dirty="0"/>
                     </a:p>
                   </a:txBody>
                   <a:tcPr marT="45721" marB="45721" anchor="ctr"/>
@@ -5322,10 +5641,10 @@
                     <a:p>
                       <a:pPr algn="just"/>
                       <a:r>
-                        <a:rPr lang="en-US" sz="1600" dirty="0"/>
+                        <a:rPr lang="en-US" sz="1400" dirty="0"/>
                         <a:t>The system interfaces and works with existing popular smart home systems that use standard protocols for communication.</a:t>
                       </a:r>
-                      <a:endParaRPr lang="en-IN" sz="1600" dirty="0"/>
+                      <a:endParaRPr lang="en-IN" sz="1400" dirty="0"/>
                     </a:p>
                   </a:txBody>
                   <a:tcPr marT="45721" marB="45721" anchor="ctr"/>
@@ -5340,18 +5659,18 @@
                         <a:buNone/>
                       </a:pPr>
                       <a:r>
-                        <a:rPr lang="en-US" sz="1600" dirty="0"/>
+                        <a:rPr lang="en-US" sz="1400" dirty="0"/>
                         <a:t>The hub that maintains the smart home network must support popular smart home communication protocols such as </a:t>
                       </a:r>
                       <a:r>
-                        <a:rPr lang="en-US" sz="1600" b="1" dirty="0"/>
+                        <a:rPr lang="en-US" sz="1400" b="1" dirty="0"/>
                         <a:t>ZigBee, Bluetooth LE or Z wave</a:t>
                       </a:r>
                       <a:r>
-                        <a:rPr lang="en-US" sz="1600" dirty="0"/>
+                        <a:rPr lang="en-US" sz="1400" dirty="0"/>
                         <a:t>.</a:t>
                       </a:r>
-                      <a:endParaRPr lang="en-IN" sz="1600" dirty="0"/>
+                      <a:endParaRPr lang="en-IN" sz="1400" dirty="0"/>
                     </a:p>
                   </a:txBody>
                   <a:tcPr marT="45721" marB="45721"/>
@@ -5379,168 +5698,6 @@
 </p:sld>
 </file>
 
-<file path=ppt/slides/slide5.xml><?xml version="1.0" encoding="utf-8"?>
-<p:sld xmlns:a="http://schemas.openxmlformats.org/drawingml/2006/main" xmlns:r="http://schemas.openxmlformats.org/officeDocument/2006/relationships" xmlns:p="http://schemas.openxmlformats.org/presentationml/2006/main">
-  <p:cSld>
-    <p:spTree>
-      <p:nvGrpSpPr>
-        <p:cNvPr id="1" name=""/>
-        <p:cNvGrpSpPr/>
-        <p:nvPr/>
-      </p:nvGrpSpPr>
-      <p:grpSpPr>
-        <a:xfrm>
-          <a:off x="0" y="0"/>
-          <a:ext cx="0" cy="0"/>
-          <a:chOff x="0" y="0"/>
-          <a:chExt cx="0" cy="0"/>
-        </a:xfrm>
-      </p:grpSpPr>
-      <p:sp>
-        <p:nvSpPr>
-          <p:cNvPr id="2" name="Title 1">
-            <a:extLst>
-              <a:ext uri="{FF2B5EF4-FFF2-40B4-BE49-F238E27FC236}">
-                <a16:creationId xmlns:a16="http://schemas.microsoft.com/office/drawing/2014/main" id="{5E562972-3449-42D1-8185-B4BEFD52AB44}"/>
-              </a:ext>
-            </a:extLst>
-          </p:cNvPr>
-          <p:cNvSpPr>
-            <a:spLocks noGrp="1"/>
-          </p:cNvSpPr>
-          <p:nvPr>
-            <p:ph type="title"/>
-          </p:nvPr>
-        </p:nvSpPr>
-        <p:spPr>
-          <a:xfrm>
-            <a:off x="480050" y="556913"/>
-            <a:ext cx="11029616" cy="469938"/>
-          </a:xfrm>
-        </p:spPr>
-        <p:txBody>
-          <a:bodyPr>
-            <a:noAutofit/>
-          </a:bodyPr>
-          <a:lstStyle/>
-          <a:p>
-            <a:r>
-              <a:rPr lang="en-US" sz="2400" dirty="0"/>
-              <a:t>Component Connector Diagram</a:t>
-            </a:r>
-          </a:p>
-        </p:txBody>
-      </p:sp>
-      <p:sp>
-        <p:nvSpPr>
-          <p:cNvPr id="8" name="Content Placeholder 2">
-            <a:extLst>
-              <a:ext uri="{FF2B5EF4-FFF2-40B4-BE49-F238E27FC236}">
-                <a16:creationId xmlns:a16="http://schemas.microsoft.com/office/drawing/2014/main" id="{601E0D89-CF0D-410C-B6FF-09858188B4E2}"/>
-              </a:ext>
-            </a:extLst>
-          </p:cNvPr>
-          <p:cNvSpPr>
-            <a:spLocks noGrp="1"/>
-          </p:cNvSpPr>
-          <p:nvPr>
-            <p:ph idx="1"/>
-          </p:nvPr>
-        </p:nvSpPr>
-        <p:spPr>
-          <a:xfrm>
-            <a:off x="367685" y="5180311"/>
-            <a:ext cx="11456629" cy="1516379"/>
-          </a:xfrm>
-        </p:spPr>
-        <p:txBody>
-          <a:bodyPr>
-            <a:normAutofit fontScale="70000" lnSpcReduction="20000"/>
-          </a:bodyPr>
-          <a:lstStyle/>
-          <a:p>
-            <a:pPr marL="0" indent="0" algn="just">
-              <a:buNone/>
-            </a:pPr>
-            <a:r>
-              <a:rPr lang="en-US" sz="1801" dirty="0"/>
-              <a:t>The following are the interactions that are seen between the major components in the system:</a:t>
-            </a:r>
-          </a:p>
-          <a:p>
-            <a:pPr algn="just"/>
-            <a:r>
-              <a:rPr lang="en-US" sz="1801" dirty="0"/>
-              <a:t>The smart phone application can either send instructions via the cloud hosted services from a remote network or even send them in the local network through Wi-Fi.</a:t>
-            </a:r>
-          </a:p>
-          <a:p>
-            <a:pPr algn="just"/>
-            <a:r>
-              <a:rPr lang="en-US" sz="1801" dirty="0"/>
-              <a:t>The user can also use smart speakers such as Alexa or Google home to give instructions to the hub via the local </a:t>
-            </a:r>
-            <a:r>
-              <a:rPr lang="en-US" sz="1801" dirty="0" err="1"/>
-              <a:t>wifi</a:t>
-            </a:r>
-            <a:r>
-              <a:rPr lang="en-US" sz="1801" dirty="0"/>
-              <a:t> network</a:t>
-            </a:r>
-          </a:p>
-          <a:p>
-            <a:pPr algn="just"/>
-            <a:r>
-              <a:rPr lang="en-US" sz="1801" dirty="0"/>
-              <a:t>The IOT sensors, and other smart systems use standard low energy communication protocols such as ZigBee or Bluetooth LE. The Gate system, whether control and other systems communicate with the smart home hub through messages sent via a broker.</a:t>
-            </a:r>
-          </a:p>
-        </p:txBody>
-      </p:sp>
-      <p:pic>
-        <p:nvPicPr>
-          <p:cNvPr id="10" name="Picture 9" descr="Diagram&#10;&#10;Description automatically generated">
-            <a:extLst>
-              <a:ext uri="{FF2B5EF4-FFF2-40B4-BE49-F238E27FC236}">
-                <a16:creationId xmlns:a16="http://schemas.microsoft.com/office/drawing/2014/main" id="{CECF5F5D-F180-4F3A-ABCA-6095767F484C}"/>
-              </a:ext>
-            </a:extLst>
-          </p:cNvPr>
-          <p:cNvPicPr>
-            <a:picLocks noChangeAspect="1"/>
-          </p:cNvPicPr>
-          <p:nvPr/>
-        </p:nvPicPr>
-        <p:blipFill>
-          <a:blip r:embed="rId2"/>
-          <a:stretch>
-            <a:fillRect/>
-          </a:stretch>
-        </p:blipFill>
-        <p:spPr>
-          <a:xfrm>
-            <a:off x="528636" y="1026851"/>
-            <a:ext cx="11134725" cy="4019550"/>
-          </a:xfrm>
-          <a:prstGeom prst="rect">
-            <a:avLst/>
-          </a:prstGeom>
-        </p:spPr>
-      </p:pic>
-    </p:spTree>
-    <p:extLst>
-      <p:ext uri="{BB962C8B-B14F-4D97-AF65-F5344CB8AC3E}">
-        <p14:creationId xmlns:p14="http://schemas.microsoft.com/office/powerpoint/2010/main" val="1945074552"/>
-      </p:ext>
-    </p:extLst>
-  </p:cSld>
-  <p:clrMapOvr>
-    <a:masterClrMapping/>
-  </p:clrMapOvr>
-</p:sld>
-</file>
-
 <file path=ppt/slides/slide6.xml><?xml version="1.0" encoding="utf-8"?>
 <p:sld xmlns:a="http://schemas.openxmlformats.org/drawingml/2006/main" xmlns:r="http://schemas.openxmlformats.org/officeDocument/2006/relationships" xmlns:p="http://schemas.openxmlformats.org/presentationml/2006/main">
   <p:cSld>
@@ -5576,7 +5733,7 @@
         </p:nvSpPr>
         <p:spPr>
           <a:xfrm>
-            <a:off x="464815" y="647681"/>
+            <a:off x="480050" y="556913"/>
             <a:ext cx="11029616" cy="469938"/>
           </a:xfrm>
         </p:spPr>
@@ -5587,18 +5744,86 @@
           <a:lstStyle/>
           <a:p>
             <a:r>
-              <a:rPr lang="en-US" sz="3200" dirty="0"/>
-              <a:t>Deployment Diagram</a:t>
+              <a:rPr lang="en-US" sz="2400"/>
+              <a:t>Component Connector Diagram</a:t>
+            </a:r>
+            <a:endParaRPr lang="en-US" sz="2400" dirty="0"/>
+          </a:p>
+        </p:txBody>
+      </p:sp>
+      <p:sp>
+        <p:nvSpPr>
+          <p:cNvPr id="8" name="Content Placeholder 2">
+            <a:extLst>
+              <a:ext uri="{FF2B5EF4-FFF2-40B4-BE49-F238E27FC236}">
+                <a16:creationId xmlns:a16="http://schemas.microsoft.com/office/drawing/2014/main" id="{601E0D89-CF0D-410C-B6FF-09858188B4E2}"/>
+              </a:ext>
+            </a:extLst>
+          </p:cNvPr>
+          <p:cNvSpPr>
+            <a:spLocks noGrp="1"/>
+          </p:cNvSpPr>
+          <p:nvPr>
+            <p:ph idx="1"/>
+          </p:nvPr>
+        </p:nvSpPr>
+        <p:spPr>
+          <a:xfrm>
+            <a:off x="367685" y="5180311"/>
+            <a:ext cx="11456629" cy="1516379"/>
+          </a:xfrm>
+        </p:spPr>
+        <p:txBody>
+          <a:bodyPr>
+            <a:normAutofit fontScale="70000" lnSpcReduction="20000"/>
+          </a:bodyPr>
+          <a:lstStyle/>
+          <a:p>
+            <a:pPr marL="0" indent="0" algn="just">
+              <a:buNone/>
+            </a:pPr>
+            <a:r>
+              <a:rPr lang="en-US" sz="1801" dirty="0"/>
+              <a:t>The following are the interactions that are seen between the major components in the system:</a:t>
+            </a:r>
+          </a:p>
+          <a:p>
+            <a:pPr algn="just"/>
+            <a:r>
+              <a:rPr lang="en-US" sz="1801" dirty="0"/>
+              <a:t>The smart phone application can either send instructions via the cloud hosted services from a remote network or even send them in the local network through Wi-Fi.</a:t>
+            </a:r>
+          </a:p>
+          <a:p>
+            <a:pPr algn="just"/>
+            <a:r>
+              <a:rPr lang="en-US" sz="1801" dirty="0"/>
+              <a:t>The user can also use smart speakers such as Alexa or Google home to give instructions to the hub via </a:t>
+            </a:r>
+            <a:r>
+              <a:rPr lang="en-US" sz="1801" dirty="0" err="1"/>
+              <a:t>wifi</a:t>
+            </a:r>
+            <a:r>
+              <a:rPr lang="en-US" sz="1801" dirty="0"/>
+              <a:t> network.</a:t>
+            </a:r>
+          </a:p>
+          <a:p>
+            <a:pPr algn="just"/>
+            <a:r>
+              <a:rPr lang="en-US" sz="1801" dirty="0"/>
+              <a:t>The IOT sensors, and other smart systems use standard low energy communication protocols such as ZigBee or Bluetooth LE. The Gate system, whether control and other systems communicate with the smart home hub through messages sent via a broker.</a:t>
             </a:r>
           </a:p>
         </p:txBody>
       </p:sp>
       <p:pic>
         <p:nvPicPr>
-          <p:cNvPr id="4" name="Picture 3" descr="Diagram&#10;&#10;Description automatically generated">
+          <p:cNvPr id="6" name="Picture 5" descr="Diagram&#10;&#10;Description automatically generated">
             <a:extLst>
               <a:ext uri="{FF2B5EF4-FFF2-40B4-BE49-F238E27FC236}">
-                <a16:creationId xmlns:a16="http://schemas.microsoft.com/office/drawing/2014/main" id="{AD2EF966-19B7-4CBE-8BB0-7468A73BB6B3}"/>
+                <a16:creationId xmlns:a16="http://schemas.microsoft.com/office/drawing/2014/main" id="{6E50C0B4-C823-4CD5-BEB1-B0782BB75658}"/>
               </a:ext>
             </a:extLst>
           </p:cNvPr>
@@ -5615,8 +5840,8 @@
         </p:blipFill>
         <p:spPr>
           <a:xfrm>
-            <a:off x="2019880" y="1197292"/>
-            <a:ext cx="8152239" cy="5112068"/>
+            <a:off x="334430" y="935411"/>
+            <a:ext cx="11523138" cy="4153460"/>
           </a:xfrm>
           <a:prstGeom prst="rect">
             <a:avLst/>
@@ -5626,7 +5851,7 @@
     </p:spTree>
     <p:extLst>
       <p:ext uri="{BB962C8B-B14F-4D97-AF65-F5344CB8AC3E}">
-        <p14:creationId xmlns:p14="http://schemas.microsoft.com/office/powerpoint/2010/main" val="523763789"/>
+        <p14:creationId xmlns:p14="http://schemas.microsoft.com/office/powerpoint/2010/main" val="1945074552"/>
       </p:ext>
     </p:extLst>
   </p:cSld>
@@ -5672,7 +5897,7 @@
         <p:spPr>
           <a:xfrm>
             <a:off x="464815" y="647681"/>
-            <a:ext cx="11029616" cy="388640"/>
+            <a:ext cx="11029616" cy="469938"/>
           </a:xfrm>
         </p:spPr>
         <p:txBody>
@@ -5682,8 +5907,313 @@
           <a:lstStyle/>
           <a:p>
             <a:r>
-              <a:rPr lang="en-US" sz="2100" dirty="0"/>
+              <a:rPr lang="en-US" sz="3200" dirty="0"/>
+              <a:t>Deployment Diagram</a:t>
+            </a:r>
+          </a:p>
+        </p:txBody>
+      </p:sp>
+      <p:pic>
+        <p:nvPicPr>
+          <p:cNvPr id="5" name="Picture 4" descr="Diagram&#10;&#10;Description automatically generated">
+            <a:extLst>
+              <a:ext uri="{FF2B5EF4-FFF2-40B4-BE49-F238E27FC236}">
+                <a16:creationId xmlns:a16="http://schemas.microsoft.com/office/drawing/2014/main" id="{B08AA7CA-55A2-4FFF-80E7-8D43FFDE09BB}"/>
+              </a:ext>
+            </a:extLst>
+          </p:cNvPr>
+          <p:cNvPicPr>
+            <a:picLocks noChangeAspect="1"/>
+          </p:cNvPicPr>
+          <p:nvPr/>
+        </p:nvPicPr>
+        <p:blipFill>
+          <a:blip r:embed="rId2"/>
+          <a:stretch>
+            <a:fillRect/>
+          </a:stretch>
+        </p:blipFill>
+        <p:spPr>
+          <a:xfrm>
+            <a:off x="1909956" y="1192433"/>
+            <a:ext cx="8372088" cy="5249930"/>
+          </a:xfrm>
+          <a:prstGeom prst="rect">
+            <a:avLst/>
+          </a:prstGeom>
+        </p:spPr>
+      </p:pic>
+    </p:spTree>
+    <p:extLst>
+      <p:ext uri="{BB962C8B-B14F-4D97-AF65-F5344CB8AC3E}">
+        <p14:creationId xmlns:p14="http://schemas.microsoft.com/office/powerpoint/2010/main" val="523763789"/>
+      </p:ext>
+    </p:extLst>
+  </p:cSld>
+  <p:clrMapOvr>
+    <a:masterClrMapping/>
+  </p:clrMapOvr>
+</p:sld>
+</file>
+
+<file path=ppt/slides/slide8.xml><?xml version="1.0" encoding="utf-8"?>
+<p:sld xmlns:a="http://schemas.openxmlformats.org/drawingml/2006/main" xmlns:r="http://schemas.openxmlformats.org/officeDocument/2006/relationships" xmlns:p="http://schemas.openxmlformats.org/presentationml/2006/main">
+  <p:cSld>
+    <p:bg>
+      <p:bgPr>
+        <a:solidFill>
+          <a:schemeClr val="bg1"/>
+        </a:solidFill>
+        <a:effectLst/>
+      </p:bgPr>
+    </p:bg>
+    <p:spTree>
+      <p:nvGrpSpPr>
+        <p:cNvPr id="1" name=""/>
+        <p:cNvGrpSpPr/>
+        <p:nvPr/>
+      </p:nvGrpSpPr>
+      <p:grpSpPr>
+        <a:xfrm>
+          <a:off x="0" y="0"/>
+          <a:ext cx="0" cy="0"/>
+          <a:chOff x="0" y="0"/>
+          <a:chExt cx="0" cy="0"/>
+        </a:xfrm>
+      </p:grpSpPr>
+      <p:sp>
+        <p:nvSpPr>
+          <p:cNvPr id="13" name="Rectangle 12">
+            <a:extLst>
+              <a:ext uri="{FF2B5EF4-FFF2-40B4-BE49-F238E27FC236}">
+                <a16:creationId xmlns:a16="http://schemas.microsoft.com/office/drawing/2014/main" id="{3CED7894-4F62-4A6C-8DB5-DB5BE08E9C03}"/>
+              </a:ext>
+              <a:ext uri="{C183D7F6-B498-43B3-948B-1728B52AA6E4}">
+                <adec:decorative xmlns:adec="http://schemas.microsoft.com/office/drawing/2017/decorative" val="1"/>
+              </a:ext>
+            </a:extLst>
+          </p:cNvPr>
+          <p:cNvSpPr>
+            <a:spLocks noGrp="1" noRot="1" noChangeAspect="1" noMove="1" noResize="1" noEditPoints="1" noAdjustHandles="1" noChangeArrowheads="1" noChangeShapeType="1" noTextEdit="1"/>
+          </p:cNvSpPr>
+          <p:nvPr>
+            <p:extLst>
+              <p:ext uri="{386F3935-93C4-4BCD-93E2-E3B085C9AB24}">
+                <p16:designElem xmlns:p16="http://schemas.microsoft.com/office/powerpoint/2015/main" val="1"/>
+              </p:ext>
+            </p:extLst>
+          </p:nvPr>
+        </p:nvSpPr>
+        <p:spPr>
+          <a:xfrm>
+            <a:off x="0" y="0"/>
+            <a:ext cx="12192000" cy="6858000"/>
+          </a:xfrm>
+          <a:prstGeom prst="rect">
+            <a:avLst/>
+          </a:prstGeom>
+          <a:solidFill>
+            <a:schemeClr val="bg1">
+              <a:lumMod val="75000"/>
+              <a:lumOff val="25000"/>
+            </a:schemeClr>
+          </a:solidFill>
+          <a:ln>
+            <a:noFill/>
+          </a:ln>
+          <a:effectLst/>
+        </p:spPr>
+        <p:style>
+          <a:lnRef idx="1">
+            <a:schemeClr val="accent1"/>
+          </a:lnRef>
+          <a:fillRef idx="3">
+            <a:schemeClr val="accent1"/>
+          </a:fillRef>
+          <a:effectRef idx="2">
+            <a:schemeClr val="accent1"/>
+          </a:effectRef>
+          <a:fontRef idx="minor">
+            <a:schemeClr val="lt1"/>
+          </a:fontRef>
+        </p:style>
+      </p:sp>
+      <p:sp>
+        <p:nvSpPr>
+          <p:cNvPr id="2" name="Title 1">
+            <a:extLst>
+              <a:ext uri="{FF2B5EF4-FFF2-40B4-BE49-F238E27FC236}">
+                <a16:creationId xmlns:a16="http://schemas.microsoft.com/office/drawing/2014/main" id="{5E562972-3449-42D1-8185-B4BEFD52AB44}"/>
+              </a:ext>
+            </a:extLst>
+          </p:cNvPr>
+          <p:cNvSpPr>
+            <a:spLocks noGrp="1"/>
+          </p:cNvSpPr>
+          <p:nvPr>
+            <p:ph type="title"/>
+          </p:nvPr>
+        </p:nvSpPr>
+        <p:spPr>
+          <a:xfrm>
+            <a:off x="609906" y="702155"/>
+            <a:ext cx="3568661" cy="1269713"/>
+          </a:xfrm>
+        </p:spPr>
+        <p:txBody>
+          <a:bodyPr>
+            <a:normAutofit/>
+          </a:bodyPr>
+          <a:lstStyle/>
+          <a:p>
+            <a:pPr>
+              <a:lnSpc>
+                <a:spcPct val="90000"/>
+              </a:lnSpc>
+            </a:pPr>
+            <a:r>
+              <a:rPr lang="en-US" sz="2000"/>
               <a:t>Sequence Diagram For Lighting System Management By a smart home System</a:t>
+            </a:r>
+          </a:p>
+        </p:txBody>
+      </p:sp>
+      <p:sp>
+        <p:nvSpPr>
+          <p:cNvPr id="15" name="Rectangle 14">
+            <a:extLst>
+              <a:ext uri="{FF2B5EF4-FFF2-40B4-BE49-F238E27FC236}">
+                <a16:creationId xmlns:a16="http://schemas.microsoft.com/office/drawing/2014/main" id="{E536F3B4-50F6-4C52-8F76-4EB1214719DC}"/>
+              </a:ext>
+              <a:ext uri="{C183D7F6-B498-43B3-948B-1728B52AA6E4}">
+                <adec:decorative xmlns:adec="http://schemas.microsoft.com/office/drawing/2017/decorative" val="1"/>
+              </a:ext>
+            </a:extLst>
+          </p:cNvPr>
+          <p:cNvSpPr>
+            <a:spLocks noGrp="1" noRot="1" noChangeAspect="1" noMove="1" noResize="1" noEditPoints="1" noAdjustHandles="1" noChangeArrowheads="1" noChangeShapeType="1" noTextEdit="1"/>
+          </p:cNvSpPr>
+          <p:nvPr>
+            <p:extLst>
+              <p:ext uri="{386F3935-93C4-4BCD-93E2-E3B085C9AB24}">
+                <p16:designElem xmlns:p16="http://schemas.microsoft.com/office/powerpoint/2015/main" val="1"/>
+              </p:ext>
+            </p:extLst>
+          </p:nvPr>
+        </p:nvSpPr>
+        <p:spPr>
+          <a:xfrm>
+            <a:off x="638620" y="457200"/>
+            <a:ext cx="3511233" cy="91439"/>
+          </a:xfrm>
+          <a:prstGeom prst="rect">
+            <a:avLst/>
+          </a:prstGeom>
+          <a:solidFill>
+            <a:schemeClr val="accent1"/>
+          </a:solidFill>
+          <a:ln>
+            <a:noFill/>
+          </a:ln>
+          <a:effectLst/>
+        </p:spPr>
+        <p:style>
+          <a:lnRef idx="1">
+            <a:schemeClr val="accent1"/>
+          </a:lnRef>
+          <a:fillRef idx="3">
+            <a:schemeClr val="accent1"/>
+          </a:fillRef>
+          <a:effectRef idx="2">
+            <a:schemeClr val="accent1"/>
+          </a:effectRef>
+          <a:fontRef idx="minor">
+            <a:schemeClr val="lt1"/>
+          </a:fontRef>
+        </p:style>
+      </p:sp>
+      <p:sp>
+        <p:nvSpPr>
+          <p:cNvPr id="8" name="Content Placeholder 2">
+            <a:extLst>
+              <a:ext uri="{FF2B5EF4-FFF2-40B4-BE49-F238E27FC236}">
+                <a16:creationId xmlns:a16="http://schemas.microsoft.com/office/drawing/2014/main" id="{18B57EA3-6263-450C-8DC5-44E184117B4D}"/>
+              </a:ext>
+            </a:extLst>
+          </p:cNvPr>
+          <p:cNvSpPr>
+            <a:spLocks noGrp="1"/>
+          </p:cNvSpPr>
+          <p:nvPr>
+            <p:ph idx="1"/>
+          </p:nvPr>
+        </p:nvSpPr>
+        <p:spPr>
+          <a:xfrm>
+            <a:off x="609906" y="1917740"/>
+            <a:ext cx="3568661" cy="4483060"/>
+          </a:xfrm>
+        </p:spPr>
+        <p:txBody>
+          <a:bodyPr>
+            <a:normAutofit/>
+          </a:bodyPr>
+          <a:lstStyle/>
+          <a:p>
+            <a:pPr marL="0" indent="0">
+              <a:lnSpc>
+                <a:spcPct val="100000"/>
+              </a:lnSpc>
+              <a:buNone/>
+            </a:pPr>
+            <a:r>
+              <a:rPr lang="en-US" sz="1200" dirty="0"/>
+              <a:t>The sequence diagram to the right shows the use case of how rules are set for the lighting system’s behavior and how these rules are enforced by the smart hub based on events recorded by the IOT Sensor.</a:t>
+            </a:r>
+          </a:p>
+          <a:p>
+            <a:pPr>
+              <a:lnSpc>
+                <a:spcPct val="100000"/>
+              </a:lnSpc>
+            </a:pPr>
+            <a:r>
+              <a:rPr lang="en-US" sz="1200" dirty="0"/>
+              <a:t>The authenticated user uses the app to set how the lighting should behave based on the signals given by the IOT sensor events (such as darkness level, or presence of a person etc.)</a:t>
+            </a:r>
+          </a:p>
+          <a:p>
+            <a:pPr>
+              <a:lnSpc>
+                <a:spcPct val="100000"/>
+              </a:lnSpc>
+            </a:pPr>
+            <a:r>
+              <a:rPr lang="en-US" sz="1200" dirty="0"/>
+              <a:t>The app sends these rules to the smart hub via the hosted application. The Hub lets the lighting system know about the change in it’s expected behavior.</a:t>
+            </a:r>
+          </a:p>
+          <a:p>
+            <a:pPr>
+              <a:lnSpc>
+                <a:spcPct val="100000"/>
+              </a:lnSpc>
+            </a:pPr>
+            <a:r>
+              <a:rPr lang="en-US" sz="1200" dirty="0"/>
+              <a:t>When the optical IOT sensor sees an event, it notifies it to the smart hub. The hub then notifies the system to take the action based on this event.</a:t>
+            </a:r>
+            <a:endParaRPr lang="en-IN" sz="1200" dirty="0"/>
+          </a:p>
+          <a:p>
+            <a:pPr>
+              <a:lnSpc>
+                <a:spcPct val="100000"/>
+              </a:lnSpc>
+            </a:pPr>
+            <a:r>
+              <a:rPr lang="en-US" sz="1200" dirty="0"/>
+              <a:t>The system does the necessary job and notifies the hub which in turn logs the event in the hosted application</a:t>
             </a:r>
           </a:p>
         </p:txBody>
@@ -5710,230 +6240,18 @@
         </p:blipFill>
         <p:spPr>
           <a:xfrm>
-            <a:off x="4052891" y="1581088"/>
-            <a:ext cx="7674293" cy="4153025"/>
+            <a:off x="4178567" y="1460540"/>
+            <a:ext cx="7562780" cy="4083900"/>
           </a:xfrm>
           <a:prstGeom prst="rect">
             <a:avLst/>
           </a:prstGeom>
         </p:spPr>
       </p:pic>
-      <p:sp>
-        <p:nvSpPr>
-          <p:cNvPr id="8" name="Content Placeholder 2">
-            <a:extLst>
-              <a:ext uri="{FF2B5EF4-FFF2-40B4-BE49-F238E27FC236}">
-                <a16:creationId xmlns:a16="http://schemas.microsoft.com/office/drawing/2014/main" id="{18B57EA3-6263-450C-8DC5-44E184117B4D}"/>
-              </a:ext>
-            </a:extLst>
-          </p:cNvPr>
-          <p:cNvSpPr>
-            <a:spLocks noGrp="1"/>
-          </p:cNvSpPr>
-          <p:nvPr>
-            <p:ph idx="1"/>
-          </p:nvPr>
-        </p:nvSpPr>
-        <p:spPr>
-          <a:xfrm>
-            <a:off x="464816" y="1036321"/>
-            <a:ext cx="3475417" cy="5242560"/>
-          </a:xfrm>
-        </p:spPr>
-        <p:txBody>
-          <a:bodyPr>
-            <a:normAutofit fontScale="77500" lnSpcReduction="20000"/>
-          </a:bodyPr>
-          <a:lstStyle/>
-          <a:p>
-            <a:pPr marL="0" indent="0" algn="just">
-              <a:buNone/>
-            </a:pPr>
-            <a:r>
-              <a:rPr lang="en-US" sz="1801" dirty="0"/>
-              <a:t>The sequence diagram to the right shows the use case of how rules are set for the lighting system’s behavior and how these rules are enforced by the smart hub based on events recorded by the IOT Sensor.</a:t>
-            </a:r>
-          </a:p>
-          <a:p>
-            <a:pPr algn="just"/>
-            <a:r>
-              <a:rPr lang="en-US" sz="1801" dirty="0"/>
-              <a:t>The authenticated user uses the app to set how the lighting should behave based on the signals given by the IOT sensor events (such as darkness level, or presence of a person etc.)</a:t>
-            </a:r>
-          </a:p>
-          <a:p>
-            <a:pPr algn="just"/>
-            <a:r>
-              <a:rPr lang="en-US" sz="1801" dirty="0"/>
-              <a:t>The app sends these rules to the smart hub via the hosted application. The Hub lets the lighting system know about the change in it’s expected behavior.</a:t>
-            </a:r>
-          </a:p>
-          <a:p>
-            <a:pPr algn="just"/>
-            <a:r>
-              <a:rPr lang="en-US" sz="1801" dirty="0"/>
-              <a:t>When the optical IOT sensor sees an event, it notifies it to the smart hub. The hub then notifies the system to take the action based on this event.</a:t>
-            </a:r>
-            <a:endParaRPr lang="en-IN" sz="1801" dirty="0"/>
-          </a:p>
-          <a:p>
-            <a:pPr algn="just"/>
-            <a:r>
-              <a:rPr lang="en-US" sz="1801" dirty="0"/>
-              <a:t>The system does the necessary job and notifies the hub which in turn logs the event in the hosted application</a:t>
-            </a:r>
-          </a:p>
-        </p:txBody>
-      </p:sp>
     </p:spTree>
     <p:extLst>
       <p:ext uri="{BB962C8B-B14F-4D97-AF65-F5344CB8AC3E}">
         <p14:creationId xmlns:p14="http://schemas.microsoft.com/office/powerpoint/2010/main" val="2904492496"/>
-      </p:ext>
-    </p:extLst>
-  </p:cSld>
-  <p:clrMapOvr>
-    <a:masterClrMapping/>
-  </p:clrMapOvr>
-</p:sld>
-</file>
-
-<file path=ppt/slides/slide8.xml><?xml version="1.0" encoding="utf-8"?>
-<p:sld xmlns:a="http://schemas.openxmlformats.org/drawingml/2006/main" xmlns:r="http://schemas.openxmlformats.org/officeDocument/2006/relationships" xmlns:p="http://schemas.openxmlformats.org/presentationml/2006/main">
-  <p:cSld>
-    <p:spTree>
-      <p:nvGrpSpPr>
-        <p:cNvPr id="1" name=""/>
-        <p:cNvGrpSpPr/>
-        <p:nvPr/>
-      </p:nvGrpSpPr>
-      <p:grpSpPr>
-        <a:xfrm>
-          <a:off x="0" y="0"/>
-          <a:ext cx="0" cy="0"/>
-          <a:chOff x="0" y="0"/>
-          <a:chExt cx="0" cy="0"/>
-        </a:xfrm>
-      </p:grpSpPr>
-      <p:sp>
-        <p:nvSpPr>
-          <p:cNvPr id="3" name="Content Placeholder 2">
-            <a:extLst>
-              <a:ext uri="{FF2B5EF4-FFF2-40B4-BE49-F238E27FC236}">
-                <a16:creationId xmlns:a16="http://schemas.microsoft.com/office/drawing/2014/main" id="{AD123F5A-941C-4F63-9262-F136B668FBDE}"/>
-              </a:ext>
-            </a:extLst>
-          </p:cNvPr>
-          <p:cNvSpPr>
-            <a:spLocks noGrp="1"/>
-          </p:cNvSpPr>
-          <p:nvPr>
-            <p:ph idx="1"/>
-          </p:nvPr>
-        </p:nvSpPr>
-        <p:spPr>
-          <a:xfrm>
-            <a:off x="581195" y="1534529"/>
-            <a:ext cx="11029614" cy="5007588"/>
-          </a:xfrm>
-        </p:spPr>
-        <p:txBody>
-          <a:bodyPr>
-            <a:normAutofit/>
-          </a:bodyPr>
-          <a:lstStyle/>
-          <a:p>
-            <a:pPr marL="0" indent="0" algn="just">
-              <a:buNone/>
-            </a:pPr>
-            <a:r>
-              <a:rPr lang="en-US" sz="2000" dirty="0"/>
-              <a:t>The following are the architectural patterns used in designing the Smart Home system:</a:t>
-            </a:r>
-          </a:p>
-          <a:p>
-            <a:pPr algn="just"/>
-            <a:r>
-              <a:rPr lang="en-US" sz="2000" b="1" u="sng" dirty="0"/>
-              <a:t>Broker Pattern:</a:t>
-            </a:r>
-            <a:r>
-              <a:rPr lang="en-US" sz="2000" dirty="0"/>
-              <a:t> This pattern is used in the smart home environment where a highly available broker handles the message delivery between the hubs and other smart systems (This is seen in the Component and Connector diagram shown earlier </a:t>
-            </a:r>
-            <a:r>
-              <a:rPr lang="en-US" sz="2000" dirty="0">
-                <a:solidFill>
-                  <a:schemeClr val="accent2"/>
-                </a:solidFill>
-                <a:hlinkClick r:id="rId2" action="ppaction://hlinksldjump">
-                  <a:extLst>
-                    <a:ext uri="{A12FA001-AC4F-418D-AE19-62706E023703}">
-                      <ahyp:hlinkClr xmlns:ahyp="http://schemas.microsoft.com/office/drawing/2018/hyperlinkcolor" val="tx"/>
-                    </a:ext>
-                  </a:extLst>
-                </a:hlinkClick>
-              </a:rPr>
-              <a:t>here</a:t>
-            </a:r>
-            <a:r>
-              <a:rPr lang="en-US" sz="2000" dirty="0"/>
-              <a:t>). The broker helps in getting decoupled components within a smart home to work together cohesively. This further helps in easing the interfacing of a new device later.</a:t>
-            </a:r>
-          </a:p>
-          <a:p>
-            <a:pPr algn="just"/>
-            <a:r>
-              <a:rPr lang="en-US" sz="2000" b="1" u="sng" dirty="0"/>
-              <a:t>Client Server:</a:t>
-            </a:r>
-            <a:r>
-              <a:rPr lang="en-US" sz="2000" dirty="0"/>
-              <a:t> This pattern is used in the cloud hosted application which handles the requests by many smart home users. The Server would act as a bridge between the mobile app and the respective home’s smart hub. The application should be capable of scaling up when the requests it receives increases.</a:t>
-            </a:r>
-            <a:endParaRPr lang="en-IN" sz="1801" dirty="0"/>
-          </a:p>
-        </p:txBody>
-      </p:sp>
-      <p:sp>
-        <p:nvSpPr>
-          <p:cNvPr id="4" name="Title 1">
-            <a:extLst>
-              <a:ext uri="{FF2B5EF4-FFF2-40B4-BE49-F238E27FC236}">
-                <a16:creationId xmlns:a16="http://schemas.microsoft.com/office/drawing/2014/main" id="{F9B4CB05-2681-4DD6-B10E-EC6DFD4FF864}"/>
-              </a:ext>
-            </a:extLst>
-          </p:cNvPr>
-          <p:cNvSpPr>
-            <a:spLocks noGrp="1"/>
-          </p:cNvSpPr>
-          <p:nvPr>
-            <p:ph type="title"/>
-          </p:nvPr>
-        </p:nvSpPr>
-        <p:spPr>
-          <a:xfrm>
-            <a:off x="448189" y="797311"/>
-            <a:ext cx="11029616" cy="469938"/>
-          </a:xfrm>
-        </p:spPr>
-        <p:txBody>
-          <a:bodyPr>
-            <a:noAutofit/>
-          </a:bodyPr>
-          <a:lstStyle/>
-          <a:p>
-            <a:r>
-              <a:rPr lang="en-US" sz="3200" dirty="0"/>
-              <a:t>Architectural Patterns used</a:t>
-            </a:r>
-          </a:p>
-        </p:txBody>
-      </p:sp>
-    </p:spTree>
-    <p:extLst>
-      <p:ext uri="{BB962C8B-B14F-4D97-AF65-F5344CB8AC3E}">
-        <p14:creationId xmlns:p14="http://schemas.microsoft.com/office/powerpoint/2010/main" val="708154913"/>
       </p:ext>
     </p:extLst>
   </p:cSld>
@@ -5984,49 +6302,58 @@
         </p:spPr>
         <p:txBody>
           <a:bodyPr>
-            <a:normAutofit lnSpcReduction="10000"/>
+            <a:normAutofit/>
           </a:bodyPr>
           <a:lstStyle/>
           <a:p>
+            <a:pPr marL="0" indent="0" algn="just">
+              <a:buNone/>
+            </a:pPr>
+            <a:r>
+              <a:rPr lang="en-US" sz="2000" dirty="0"/>
+              <a:t>The following are the architectural patterns used in designing the Smart Home system:</a:t>
+            </a:r>
+          </a:p>
+          <a:p>
             <a:pPr algn="just"/>
-            <a:endParaRPr lang="en-US" sz="1801" dirty="0"/>
+            <a:r>
+              <a:rPr lang="en-US" sz="2000" b="1" u="sng" dirty="0"/>
+              <a:t>Broker Pattern:</a:t>
+            </a:r>
+            <a:r>
+              <a:rPr lang="en-US" sz="2000" dirty="0"/>
+              <a:t> This pattern is used in the smart home environment where a highly available broker handles the message delivery between the hubs and other smart systems (This is seen in the Component and Connector diagram shown earlier </a:t>
+            </a:r>
+            <a:r>
+              <a:rPr lang="en-US" sz="2000" dirty="0">
+                <a:solidFill>
+                  <a:schemeClr val="accent2"/>
+                </a:solidFill>
+                <a:hlinkClick r:id="rId2" action="ppaction://hlinksldjump">
+                  <a:extLst>
+                    <a:ext uri="{A12FA001-AC4F-418D-AE19-62706E023703}">
+                      <ahyp:hlinkClr xmlns:ahyp="http://schemas.microsoft.com/office/drawing/2018/hyperlinkcolor" val="tx"/>
+                    </a:ext>
+                  </a:extLst>
+                </a:hlinkClick>
+              </a:rPr>
+              <a:t>here</a:t>
+            </a:r>
+            <a:r>
+              <a:rPr lang="en-US" sz="2000" dirty="0"/>
+              <a:t>). The broker helps in getting decoupled components within a smart home to work together cohesively. This further helps in easing the interfacing of a new device later.</a:t>
+            </a:r>
           </a:p>
           <a:p>
             <a:pPr algn="just"/>
             <a:r>
-              <a:rPr lang="en-US" sz="1801" dirty="0"/>
-              <a:t>Highly available systems are necessary for smart homes. Smart systems can save a home from a disaster (Like in the case of gas management system), and if a failed system does not default to a mode of operation or have means to come back up fast then the results could be catastrophic.</a:t>
-            </a:r>
-          </a:p>
-          <a:p>
-            <a:pPr algn="just"/>
-            <a:r>
-              <a:rPr lang="en-US" sz="1801" dirty="0"/>
-              <a:t>When it comes to designing smart homes, we need to make sure that the standards and the communication mode used are future proofed. Smart home technology evolves very fast, and systems must have the capability of interfacing with new devices without any hassle.</a:t>
-            </a:r>
-          </a:p>
-          <a:p>
-            <a:pPr algn="just"/>
-            <a:r>
-              <a:rPr lang="en-US" sz="1801" dirty="0"/>
-              <a:t>Apart from designing highly available smart hubs we also need to make sure that the cloud services that will be used by the mobile app also is. One would need to scale up the services when the number of active users increase. Since adoption rates of smart home technology is accelerating, we need to make sure that these rapidly increasing customers base could be served with little downtime.</a:t>
-            </a:r>
-          </a:p>
-          <a:p>
-            <a:pPr algn="just"/>
-            <a:r>
-              <a:rPr lang="en-US" sz="1801" dirty="0"/>
-              <a:t>The component connection diagrams help developers visualize implementation strategies much earlier in system designing and makes planning (especially in AGILE) much easier.</a:t>
-            </a:r>
-          </a:p>
-          <a:p>
-            <a:pPr algn="just"/>
-            <a:r>
-              <a:rPr lang="en-US" sz="1801" dirty="0"/>
-              <a:t>The deployment view gives a clear image to operation teams on how the application modules are deployed and helps in rough estimation of cost early on and eases planning.</a:t>
-            </a:r>
-          </a:p>
-          <a:p>
+              <a:rPr lang="en-US" sz="2000" b="1" u="sng" dirty="0"/>
+              <a:t>Client Server:</a:t>
+            </a:r>
+            <a:r>
+              <a:rPr lang="en-US" sz="2000" dirty="0"/>
+              <a:t> This pattern is used in the cloud hosted application which handles the requests by many smart home users. The Server would act as a bridge between the mobile app and the respective home’s smart hub. The application should be capable of scaling up when the requests it receives increases.</a:t>
+            </a:r>
             <a:endParaRPr lang="en-IN" sz="1801" dirty="0"/>
           </a:p>
         </p:txBody>
@@ -6061,7 +6388,7 @@
           <a:p>
             <a:r>
               <a:rPr lang="en-US" sz="3200" dirty="0"/>
-              <a:t>Key Learnings</a:t>
+              <a:t>Architectural Patterns used</a:t>
             </a:r>
           </a:p>
         </p:txBody>
@@ -6069,7 +6396,7 @@
     </p:spTree>
     <p:extLst>
       <p:ext uri="{BB962C8B-B14F-4D97-AF65-F5344CB8AC3E}">
-        <p14:creationId xmlns:p14="http://schemas.microsoft.com/office/powerpoint/2010/main" val="1588334654"/>
+        <p14:creationId xmlns:p14="http://schemas.microsoft.com/office/powerpoint/2010/main" val="708154913"/>
       </p:ext>
     </p:extLst>
   </p:cSld>

--- a/Semester 2/Software Architecture/Assignment 2/SA-Assignment-2021MT12054.pptx
+++ b/Semester 2/Software Architecture/Assignment 2/SA-Assignment-2021MT12054.pptx
@@ -359,7 +359,7 @@
           <a:p>
             <a:fld id="{ED291B17-9318-49DB-B28B-6E5994AE9581}" type="datetime1">
               <a:rPr lang="en-US" smtClean="0"/>
-              <a:t>4/30/2022</a:t>
+              <a:t>5/1/2022</a:t>
             </a:fld>
             <a:endParaRPr lang="en-US" dirty="0"/>
           </a:p>
@@ -562,7 +562,7 @@
           <a:p>
             <a:fld id="{2CED4963-E985-44C4-B8C4-FDD613B7C2F8}" type="datetime1">
               <a:rPr lang="en-US" smtClean="0"/>
-              <a:t>4/30/2022</a:t>
+              <a:t>5/1/2022</a:t>
             </a:fld>
             <a:endParaRPr lang="en-US" dirty="0"/>
           </a:p>
@@ -924,7 +924,7 @@
           <a:p>
             <a:fld id="{ED291B17-9318-49DB-B28B-6E5994AE9581}" type="datetime1">
               <a:rPr lang="en-US" smtClean="0"/>
-              <a:t>4/30/2022</a:t>
+              <a:t>5/1/2022</a:t>
             </a:fld>
             <a:endParaRPr lang="en-US" dirty="0"/>
           </a:p>
@@ -1122,7 +1122,7 @@
           <a:p>
             <a:fld id="{78DD82B9-B8EE-4375-B6FF-88FA6ABB15D9}" type="datetime1">
               <a:rPr lang="en-US" smtClean="0"/>
-              <a:t>4/30/2022</a:t>
+              <a:t>5/1/2022</a:t>
             </a:fld>
             <a:endParaRPr lang="en-US" dirty="0"/>
           </a:p>
@@ -1434,7 +1434,7 @@
           <a:p>
             <a:fld id="{B2497495-0637-405E-AE64-5CC7506D51F5}" type="datetime1">
               <a:rPr lang="en-US" smtClean="0"/>
-              <a:t>4/30/2022</a:t>
+              <a:t>5/1/2022</a:t>
             </a:fld>
             <a:endParaRPr lang="en-US" dirty="0"/>
           </a:p>
@@ -1687,7 +1687,7 @@
           <a:p>
             <a:fld id="{7BFFD690-9426-415D-8B65-26881E07B2D4}" type="datetime1">
               <a:rPr lang="en-US" smtClean="0"/>
-              <a:t>4/30/2022</a:t>
+              <a:t>5/1/2022</a:t>
             </a:fld>
             <a:endParaRPr lang="en-US" dirty="0"/>
           </a:p>
@@ -2109,7 +2109,7 @@
           <a:p>
             <a:fld id="{04C4989A-474C-40DE-95B9-011C28B71673}" type="datetime1">
               <a:rPr lang="en-US" smtClean="0"/>
-              <a:t>4/30/2022</a:t>
+              <a:t>5/1/2022</a:t>
             </a:fld>
             <a:endParaRPr lang="en-US" dirty="0"/>
           </a:p>
@@ -2232,7 +2232,7 @@
           <a:p>
             <a:fld id="{5DB4ED54-5B5E-4A04-93D3-5772E3CE3818}" type="datetime1">
               <a:rPr lang="en-US" smtClean="0"/>
-              <a:t>4/30/2022</a:t>
+              <a:t>5/1/2022</a:t>
             </a:fld>
             <a:endParaRPr lang="en-US" dirty="0"/>
           </a:p>
@@ -2327,7 +2327,7 @@
           <a:p>
             <a:fld id="{4EDE50D6-574B-40AF-946F-D52A04ADE379}" type="datetime1">
               <a:rPr lang="en-US" smtClean="0"/>
-              <a:t>4/30/2022</a:t>
+              <a:t>5/1/2022</a:t>
             </a:fld>
             <a:endParaRPr lang="en-US" dirty="0"/>
           </a:p>
@@ -2704,7 +2704,7 @@
           <a:p>
             <a:fld id="{D82884F1-FFEA-405F-9602-3DCA865EDA4E}" type="datetime1">
               <a:rPr lang="en-US" smtClean="0"/>
-              <a:t>4/30/2022</a:t>
+              <a:t>5/1/2022</a:t>
             </a:fld>
             <a:endParaRPr lang="en-US" dirty="0"/>
           </a:p>
@@ -2997,7 +2997,7 @@
           <a:p>
             <a:fld id="{7E18DB4A-8810-4A10-AD5C-D5E2C667F5B3}" type="datetime1">
               <a:rPr lang="en-US" smtClean="0"/>
-              <a:t>4/30/2022</a:t>
+              <a:t>5/1/2022</a:t>
             </a:fld>
             <a:endParaRPr lang="en-US" dirty="0"/>
           </a:p>
@@ -3212,7 +3212,7 @@
           <a:p>
             <a:fld id="{ED291B17-9318-49DB-B28B-6E5994AE9581}" type="datetime1">
               <a:rPr lang="en-US" smtClean="0"/>
-              <a:t>4/30/2022</a:t>
+              <a:t>5/1/2022</a:t>
             </a:fld>
             <a:endParaRPr lang="en-US" dirty="0"/>
           </a:p>
@@ -3987,7 +3987,7 @@
           <a:p>
             <a:r>
               <a:rPr lang="en-US" sz="1801" b="1" dirty="0"/>
-              <a:t>A system that handles IOT sensor events and execute routines for Lighting, whether control, Gate/Door Control and Security Systems</a:t>
+              <a:t>A system that handles IOT sensor events and execute routines for Lighting, whether control, Gate/Door Control and Security Systems for a home</a:t>
             </a:r>
           </a:p>
         </p:txBody>
@@ -4170,8 +4170,8 @@
         </p:nvSpPr>
         <p:spPr>
           <a:xfrm>
-            <a:off x="4579247" y="5537327"/>
-            <a:ext cx="3703321" cy="863469"/>
+            <a:off x="4579247" y="5537328"/>
+            <a:ext cx="3703321" cy="663968"/>
           </a:xfrm>
           <a:prstGeom prst="rect">
             <a:avLst/>
@@ -4412,22 +4412,7 @@
                   <a:schemeClr val="tx1"/>
                 </a:solidFill>
               </a:rPr>
-              <a:t>Akhil Sudhakaran</a:t>
-            </a:r>
-          </a:p>
-          <a:p>
-            <a:pPr>
-              <a:spcAft>
-                <a:spcPts val="0"/>
-              </a:spcAft>
-            </a:pPr>
-            <a:r>
-              <a:rPr lang="en-US" sz="2900" b="1" dirty="0">
-                <a:solidFill>
-                  <a:schemeClr val="tx1"/>
-                </a:solidFill>
-              </a:rPr>
-              <a:t>2021MT12054 </a:t>
+              <a:t>Akhil Sudhakaran - 2021MT12054 </a:t>
             </a:r>
           </a:p>
           <a:p>
@@ -4535,13 +4520,13 @@
         </p:nvSpPr>
         <p:spPr>
           <a:xfrm>
-            <a:off x="581195" y="1534529"/>
+            <a:off x="581193" y="1384900"/>
             <a:ext cx="11029614" cy="5007588"/>
           </a:xfrm>
         </p:spPr>
         <p:txBody>
           <a:bodyPr>
-            <a:normAutofit lnSpcReduction="10000"/>
+            <a:normAutofit fontScale="92500" lnSpcReduction="20000"/>
           </a:bodyPr>
           <a:lstStyle/>
           <a:p>
@@ -4581,6 +4566,13 @@
             <a:r>
               <a:rPr lang="en-US" sz="1801" dirty="0"/>
               <a:t>The deployment view gives a clear image to operation teams on how the application modules are deployed and helps in rough estimation of cost early on and eases planning.</a:t>
+            </a:r>
+          </a:p>
+          <a:p>
+            <a:pPr algn="just"/>
+            <a:r>
+              <a:rPr lang="en-US" sz="1801" dirty="0"/>
+              <a:t>Sequence diagrams for different use cases give developers a clear idea on what is expected from the system and all the players involved in that use case. This will also ease development planning.</a:t>
             </a:r>
           </a:p>
           <a:p>
@@ -4684,14 +4676,14 @@
             <a:pPr algn="just"/>
             <a:r>
               <a:rPr lang="en-US" sz="1801" dirty="0"/>
-              <a:t>A smart home system manages day to day tasks such as lighting, whether control, gas supply control and gate/door management.</a:t>
+              <a:t>A smart home system manages day to day tasks such as lighting, whether control, gas supply control and gate/door management in a home.</a:t>
             </a:r>
           </a:p>
           <a:p>
             <a:pPr algn="just"/>
             <a:r>
               <a:rPr lang="en-US" sz="1801" dirty="0"/>
-              <a:t>A user can set instructions to events recorded by sensors via a mobile application by connecting through a cloud hosted application or directly to a hub in the local home network.</a:t>
+              <a:t>A user can set instructions for smart systems (in response to events recorded by sensors) via a mobile application by connecting through a cloud hosted application or directly to a hub in the local home network.</a:t>
             </a:r>
           </a:p>
           <a:p>
@@ -4747,7 +4739,7 @@
           <a:p>
             <a:r>
               <a:rPr lang="en-US" sz="3200" dirty="0"/>
-              <a:t>Details on the smart home system</a:t>
+              <a:t>Goals of the smart home system</a:t>
             </a:r>
           </a:p>
         </p:txBody>
@@ -4928,7 +4920,7 @@
             <p:ph idx="1"/>
             <p:extLst>
               <p:ext uri="{D42A27DB-BD31-4B8C-83A1-F6EECF244321}">
-                <p14:modId xmlns:p14="http://schemas.microsoft.com/office/powerpoint/2010/main" val="1850305950"/>
+                <p14:modId xmlns:p14="http://schemas.microsoft.com/office/powerpoint/2010/main" val="2342889638"/>
               </p:ext>
             </p:extLst>
           </p:nvPr>
@@ -5042,7 +5034,7 @@
                       <a:pPr algn="just"/>
                       <a:r>
                         <a:rPr lang="en-US" sz="1600" dirty="0"/>
-                        <a:t>Only authorized users can interact with the smart home system. Role based users can also </a:t>
+                        <a:t>Only authorized users can interact with the smart home system. Role based permissions need to be supported as well.</a:t>
                       </a:r>
                       <a:endParaRPr lang="en-IN" sz="1600" dirty="0"/>
                     </a:p>
@@ -6056,13 +6048,13 @@
         </p:nvSpPr>
         <p:spPr>
           <a:xfrm>
-            <a:off x="609906" y="702155"/>
-            <a:ext cx="3568661" cy="1269713"/>
+            <a:off x="638620" y="719434"/>
+            <a:ext cx="10188327" cy="328450"/>
           </a:xfrm>
         </p:spPr>
         <p:txBody>
           <a:bodyPr>
-            <a:normAutofit/>
+            <a:noAutofit/>
           </a:bodyPr>
           <a:lstStyle/>
           <a:p>
@@ -6072,7 +6064,7 @@
               </a:lnSpc>
             </a:pPr>
             <a:r>
-              <a:rPr lang="en-US" sz="2000"/>
+              <a:rPr lang="en-US" sz="2000" dirty="0"/>
               <a:t>Sequence Diagram For Lighting System Management By a smart home System</a:t>
             </a:r>
           </a:p>
@@ -6150,8 +6142,8 @@
         </p:nvSpPr>
         <p:spPr>
           <a:xfrm>
-            <a:off x="609906" y="1917740"/>
-            <a:ext cx="3568661" cy="4483060"/>
+            <a:off x="609906" y="976819"/>
+            <a:ext cx="3568661" cy="5423981"/>
           </a:xfrm>
         </p:spPr>
         <p:txBody>
@@ -6167,7 +6159,7 @@
               <a:buNone/>
             </a:pPr>
             <a:r>
-              <a:rPr lang="en-US" sz="1200" dirty="0"/>
+              <a:rPr lang="en-US" sz="1400" dirty="0"/>
               <a:t>The sequence diagram to the right shows the use case of how rules are set for the lighting system’s behavior and how these rules are enforced by the smart hub based on events recorded by the IOT Sensor.</a:t>
             </a:r>
           </a:p>
@@ -6178,7 +6170,7 @@
               </a:lnSpc>
             </a:pPr>
             <a:r>
-              <a:rPr lang="en-US" sz="1200" dirty="0"/>
+              <a:rPr lang="en-US" sz="1400" dirty="0"/>
               <a:t>The authenticated user uses the app to set how the lighting should behave based on the signals given by the IOT sensor events (such as darkness level, or presence of a person etc.)</a:t>
             </a:r>
           </a:p>
@@ -6189,7 +6181,7 @@
               </a:lnSpc>
             </a:pPr>
             <a:r>
-              <a:rPr lang="en-US" sz="1200" dirty="0"/>
+              <a:rPr lang="en-US" sz="1400" dirty="0"/>
               <a:t>The app sends these rules to the smart hub via the hosted application. The Hub lets the lighting system know about the change in it’s expected behavior.</a:t>
             </a:r>
           </a:p>
@@ -6200,10 +6192,10 @@
               </a:lnSpc>
             </a:pPr>
             <a:r>
-              <a:rPr lang="en-US" sz="1200" dirty="0"/>
+              <a:rPr lang="en-US" sz="1400" dirty="0"/>
               <a:t>When the optical IOT sensor sees an event, it notifies it to the smart hub. The hub then notifies the system to take the action based on this event.</a:t>
             </a:r>
-            <a:endParaRPr lang="en-IN" sz="1200" dirty="0"/>
+            <a:endParaRPr lang="en-IN" sz="1400" dirty="0"/>
           </a:p>
           <a:p>
             <a:pPr>
@@ -6212,7 +6204,7 @@
               </a:lnSpc>
             </a:pPr>
             <a:r>
-              <a:rPr lang="en-US" sz="1200" dirty="0"/>
+              <a:rPr lang="en-US" sz="1400" dirty="0"/>
               <a:t>The system does the necessary job and notifies the hub which in turn logs the event in the hosted application</a:t>
             </a:r>
           </a:p>
@@ -6240,7 +6232,7 @@
         </p:blipFill>
         <p:spPr>
           <a:xfrm>
-            <a:off x="4178567" y="1460540"/>
+            <a:off x="4149853" y="1646859"/>
             <a:ext cx="7562780" cy="4083900"/>
           </a:xfrm>
           <a:prstGeom prst="rect">
@@ -6296,7 +6288,7 @@
         </p:nvSpPr>
         <p:spPr>
           <a:xfrm>
-            <a:off x="581195" y="1534529"/>
+            <a:off x="581193" y="1335023"/>
             <a:ext cx="11029614" cy="5007588"/>
           </a:xfrm>
         </p:spPr>
@@ -6322,7 +6314,7 @@
             </a:r>
             <a:r>
               <a:rPr lang="en-US" sz="2000" dirty="0"/>
-              <a:t> This pattern is used in the smart home environment where a highly available broker handles the message delivery between the hubs and other smart systems (This is seen in the Component and Connector diagram shown earlier </a:t>
+              <a:t> This pattern is used in the smart home environment where a broker (highly available and replicating) handles the message delivery between the hubs and other smart systems (This is seen in the Component and Connector diagram shown earlier </a:t>
             </a:r>
             <a:r>
               <a:rPr lang="en-US" sz="2000" dirty="0">
@@ -6341,7 +6333,7 @@
             </a:r>
             <a:r>
               <a:rPr lang="en-US" sz="2000" dirty="0"/>
-              <a:t>). The broker helps in getting decoupled components within a smart home to work together cohesively. This further helps in easing the interfacing of a new device later.</a:t>
+              <a:t>). The broker helps in getting decoupled components within a smart home to work together cohesively. This further helps in easing the interfacing of a new device later on.</a:t>
             </a:r>
           </a:p>
           <a:p>
@@ -6676,6 +6668,15 @@
 </file>
 
 <file path=customXml/item1.xml><?xml version="1.0" encoding="utf-8"?>
+<?mso-contentType ?>
+<FormTemplates xmlns="http://schemas.microsoft.com/sharepoint/v3/contenttype/forms">
+  <Display>DocumentLibraryForm</Display>
+  <Edit>DocumentLibraryForm</Edit>
+  <New>DocumentLibraryForm</New>
+</FormTemplates>
+</file>
+
+<file path=customXml/item2.xml><?xml version="1.0" encoding="utf-8"?>
 <ct:contentTypeSchema xmlns:ct="http://schemas.microsoft.com/office/2006/metadata/contentType" xmlns:ma="http://schemas.microsoft.com/office/2006/metadata/properties/metaAttributes" ct:_="" ma:_="" ma:contentTypeName="Document" ma:contentTypeID="0x01010079F111ED35F8CC479449609E8A0923A6" ma:contentTypeVersion="12" ma:contentTypeDescription="Create a new document." ma:contentTypeScope="" ma:versionID="a410dd7f93c95333ffa1b60ed6adedd1">
   <xsd:schema xmlns:xsd="http://www.w3.org/2001/XMLSchema" xmlns:xs="http://www.w3.org/2001/XMLSchema" xmlns:p="http://schemas.microsoft.com/office/2006/metadata/properties" xmlns:ns2="71af3243-3dd4-4a8d-8c0d-dd76da1f02a5" xmlns:ns3="16c05727-aa75-4e4a-9b5f-8a80a1165891" targetNamespace="http://schemas.microsoft.com/office/2006/metadata/properties" ma:root="true" ma:fieldsID="a936d9baba76aa3866493feff160faab" ns2:_="" ns3:_="">
     <xsd:import namespace="71af3243-3dd4-4a8d-8c0d-dd76da1f02a5"/>
@@ -6896,15 +6897,6 @@
 </ct:contentTypeSchema>
 </file>
 
-<file path=customXml/item2.xml><?xml version="1.0" encoding="utf-8"?>
-<?mso-contentType ?>
-<FormTemplates xmlns="http://schemas.microsoft.com/sharepoint/v3/contenttype/forms">
-  <Display>DocumentLibraryForm</Display>
-  <Edit>DocumentLibraryForm</Edit>
-  <New>DocumentLibraryForm</New>
-</FormTemplates>
-</file>
-
 <file path=customXml/item3.xml><?xml version="1.0" encoding="utf-8"?>
 <p:properties xmlns:p="http://schemas.microsoft.com/office/2006/metadata/properties" xmlns:xsi="http://www.w3.org/2001/XMLSchema-instance" xmlns:pc="http://schemas.microsoft.com/office/infopath/2007/PartnerControls">
   <documentManagement>
@@ -6915,6 +6907,14 @@
 </file>
 
 <file path=customXml/itemProps1.xml><?xml version="1.0" encoding="utf-8"?>
+<ds:datastoreItem xmlns:ds="http://schemas.openxmlformats.org/officeDocument/2006/customXml" ds:itemID="{927BD4C1-B6B1-4715-ABF9-E660A51A4EA0}">
+  <ds:schemaRefs>
+    <ds:schemaRef ds:uri="http://schemas.microsoft.com/sharepoint/v3/contenttype/forms"/>
+  </ds:schemaRefs>
+</ds:datastoreItem>
+</file>
+
+<file path=customXml/itemProps2.xml><?xml version="1.0" encoding="utf-8"?>
 <ds:datastoreItem xmlns:ds="http://schemas.openxmlformats.org/officeDocument/2006/customXml" ds:itemID="{41E7CA09-9778-4414-AE97-8064B12DA30E}">
   <ds:schemaRefs>
     <ds:schemaRef ds:uri="http://schemas.microsoft.com/office/2006/metadata/contentType"/>
@@ -6933,14 +6933,6 @@
 </ds:datastoreItem>
 </file>
 
-<file path=customXml/itemProps2.xml><?xml version="1.0" encoding="utf-8"?>
-<ds:datastoreItem xmlns:ds="http://schemas.openxmlformats.org/officeDocument/2006/customXml" ds:itemID="{927BD4C1-B6B1-4715-ABF9-E660A51A4EA0}">
-  <ds:schemaRefs>
-    <ds:schemaRef ds:uri="http://schemas.microsoft.com/sharepoint/v3/contenttype/forms"/>
-  </ds:schemaRefs>
-</ds:datastoreItem>
-</file>
-
 <file path=customXml/itemProps3.xml><?xml version="1.0" encoding="utf-8"?>
 <ds:datastoreItem xmlns:ds="http://schemas.openxmlformats.org/officeDocument/2006/customXml" ds:itemID="{8D289AE2-D2AE-49D1-AFAC-3A79F6794255}">
   <ds:schemaRefs>

--- a/Semester 2/Software Architecture/Assignment 2/SA-Assignment-2021MT12054.pptx
+++ b/Semester 2/Software Architecture/Assignment 2/SA-Assignment-2021MT12054.pptx
@@ -359,7 +359,7 @@
           <a:p>
             <a:fld id="{ED291B17-9318-49DB-B28B-6E5994AE9581}" type="datetime1">
               <a:rPr lang="en-US" smtClean="0"/>
-              <a:t>5/1/2022</a:t>
+              <a:t>5/2/2022</a:t>
             </a:fld>
             <a:endParaRPr lang="en-US" dirty="0"/>
           </a:p>
@@ -562,7 +562,7 @@
           <a:p>
             <a:fld id="{2CED4963-E985-44C4-B8C4-FDD613B7C2F8}" type="datetime1">
               <a:rPr lang="en-US" smtClean="0"/>
-              <a:t>5/1/2022</a:t>
+              <a:t>5/2/2022</a:t>
             </a:fld>
             <a:endParaRPr lang="en-US" dirty="0"/>
           </a:p>
@@ -924,7 +924,7 @@
           <a:p>
             <a:fld id="{ED291B17-9318-49DB-B28B-6E5994AE9581}" type="datetime1">
               <a:rPr lang="en-US" smtClean="0"/>
-              <a:t>5/1/2022</a:t>
+              <a:t>5/2/2022</a:t>
             </a:fld>
             <a:endParaRPr lang="en-US" dirty="0"/>
           </a:p>
@@ -1122,7 +1122,7 @@
           <a:p>
             <a:fld id="{78DD82B9-B8EE-4375-B6FF-88FA6ABB15D9}" type="datetime1">
               <a:rPr lang="en-US" smtClean="0"/>
-              <a:t>5/1/2022</a:t>
+              <a:t>5/2/2022</a:t>
             </a:fld>
             <a:endParaRPr lang="en-US" dirty="0"/>
           </a:p>
@@ -1434,7 +1434,7 @@
           <a:p>
             <a:fld id="{B2497495-0637-405E-AE64-5CC7506D51F5}" type="datetime1">
               <a:rPr lang="en-US" smtClean="0"/>
-              <a:t>5/1/2022</a:t>
+              <a:t>5/2/2022</a:t>
             </a:fld>
             <a:endParaRPr lang="en-US" dirty="0"/>
           </a:p>
@@ -1687,7 +1687,7 @@
           <a:p>
             <a:fld id="{7BFFD690-9426-415D-8B65-26881E07B2D4}" type="datetime1">
               <a:rPr lang="en-US" smtClean="0"/>
-              <a:t>5/1/2022</a:t>
+              <a:t>5/2/2022</a:t>
             </a:fld>
             <a:endParaRPr lang="en-US" dirty="0"/>
           </a:p>
@@ -2109,7 +2109,7 @@
           <a:p>
             <a:fld id="{04C4989A-474C-40DE-95B9-011C28B71673}" type="datetime1">
               <a:rPr lang="en-US" smtClean="0"/>
-              <a:t>5/1/2022</a:t>
+              <a:t>5/2/2022</a:t>
             </a:fld>
             <a:endParaRPr lang="en-US" dirty="0"/>
           </a:p>
@@ -2232,7 +2232,7 @@
           <a:p>
             <a:fld id="{5DB4ED54-5B5E-4A04-93D3-5772E3CE3818}" type="datetime1">
               <a:rPr lang="en-US" smtClean="0"/>
-              <a:t>5/1/2022</a:t>
+              <a:t>5/2/2022</a:t>
             </a:fld>
             <a:endParaRPr lang="en-US" dirty="0"/>
           </a:p>
@@ -2327,7 +2327,7 @@
           <a:p>
             <a:fld id="{4EDE50D6-574B-40AF-946F-D52A04ADE379}" type="datetime1">
               <a:rPr lang="en-US" smtClean="0"/>
-              <a:t>5/1/2022</a:t>
+              <a:t>5/2/2022</a:t>
             </a:fld>
             <a:endParaRPr lang="en-US" dirty="0"/>
           </a:p>
@@ -2704,7 +2704,7 @@
           <a:p>
             <a:fld id="{D82884F1-FFEA-405F-9602-3DCA865EDA4E}" type="datetime1">
               <a:rPr lang="en-US" smtClean="0"/>
-              <a:t>5/1/2022</a:t>
+              <a:t>5/2/2022</a:t>
             </a:fld>
             <a:endParaRPr lang="en-US" dirty="0"/>
           </a:p>
@@ -2997,7 +2997,7 @@
           <a:p>
             <a:fld id="{7E18DB4A-8810-4A10-AD5C-D5E2C667F5B3}" type="datetime1">
               <a:rPr lang="en-US" smtClean="0"/>
-              <a:t>5/1/2022</a:t>
+              <a:t>5/2/2022</a:t>
             </a:fld>
             <a:endParaRPr lang="en-US" dirty="0"/>
           </a:p>
@@ -3212,7 +3212,7 @@
           <a:p>
             <a:fld id="{ED291B17-9318-49DB-B28B-6E5994AE9581}" type="datetime1">
               <a:rPr lang="en-US" smtClean="0"/>
-              <a:t>5/1/2022</a:t>
+              <a:t>5/2/2022</a:t>
             </a:fld>
             <a:endParaRPr lang="en-US" dirty="0"/>
           </a:p>
@@ -4526,7 +4526,7 @@
         </p:spPr>
         <p:txBody>
           <a:bodyPr>
-            <a:normAutofit fontScale="92500" lnSpcReduction="20000"/>
+            <a:normAutofit lnSpcReduction="10000"/>
           </a:bodyPr>
           <a:lstStyle/>
           <a:p>
@@ -4536,43 +4536,90 @@
           <a:p>
             <a:pPr algn="just"/>
             <a:r>
+              <a:rPr lang="en-US" sz="1801" b="1" dirty="0"/>
+              <a:t>Highly available systems are necessary for smart homes</a:t>
+            </a:r>
+            <a:r>
               <a:rPr lang="en-US" sz="1801" dirty="0"/>
-              <a:t>Highly available systems are necessary for smart homes. Smart systems can save a home from a disaster (Like in the case of gas management system), and if a failed system does not default to a mode of operation or have means to come back up fast then the results could be catastrophic.</a:t>
+              <a:t>. Smart systems can save a home from a disaster (Like in the case of gas management system), and </a:t>
+            </a:r>
+            <a:r>
+              <a:rPr lang="en-US" sz="1801" b="1" dirty="0"/>
+              <a:t>if a failed system does not default to a mode of operation or have means to come back up fast, the results could be catastrophic</a:t>
+            </a:r>
+            <a:r>
+              <a:rPr lang="en-US" sz="1801" dirty="0"/>
+              <a:t>. we also need to make sure that the cloud services that will be used by the mobile app also is HA</a:t>
+            </a:r>
+            <a:r>
+              <a:rPr lang="en-US" sz="1801" b="1" dirty="0"/>
+              <a:t>. One would need to scale up the services when the number of active users increase</a:t>
+            </a:r>
+            <a:r>
+              <a:rPr lang="en-US" sz="1801" dirty="0"/>
+              <a:t>. Since adoption rates of smart home technology is accelerating, we need to make sure that these rapidly increasing customers base could be served with little downtime.</a:t>
             </a:r>
           </a:p>
           <a:p>
             <a:pPr algn="just"/>
             <a:r>
               <a:rPr lang="en-US" sz="1801" dirty="0"/>
-              <a:t>When it comes to designing smart homes, we need to make sure that the standards and the communication mode used are future proofed. Smart home technology evolves very fast, and systems must have the capability of interfacing with new devices without any hassle.</a:t>
+              <a:t>When it comes to designing smart homes, we need to make sure that the </a:t>
+            </a:r>
+            <a:r>
+              <a:rPr lang="en-US" sz="1801" b="1" dirty="0"/>
+              <a:t>standards and the communication mode used are future proofed</a:t>
+            </a:r>
+            <a:r>
+              <a:rPr lang="en-US" sz="1801" dirty="0"/>
+              <a:t>. Smart home technology evolves very fast, and systems must have the capability of interfacing with new devices without any hassle. </a:t>
             </a:r>
           </a:p>
           <a:p>
             <a:pPr algn="just"/>
             <a:r>
               <a:rPr lang="en-US" sz="1801" dirty="0"/>
-              <a:t>Apart from designing highly available smart hubs we also need to make sure that the cloud services that will be used by the mobile app also is HA. One would need to scale up the services when the number of active users increase. Since adoption rates of smart home technology is accelerating, we need to make sure that these rapidly increasing customers base could be served with little downtime.</a:t>
-            </a:r>
-          </a:p>
-          <a:p>
-            <a:pPr algn="just"/>
+              <a:t>The </a:t>
+            </a:r>
+            <a:r>
+              <a:rPr lang="en-US" sz="1801" b="1" dirty="0"/>
+              <a:t>component connection diagrams help developers visualize implementation strategies much earlier in system designing</a:t>
+            </a:r>
             <a:r>
               <a:rPr lang="en-US" sz="1801" dirty="0"/>
-              <a:t>The component connection diagrams help developers visualize implementation strategies much earlier in system designing and makes planning (especially in AGILE) much easier.</a:t>
-            </a:r>
-          </a:p>
-          <a:p>
-            <a:pPr algn="just"/>
+              <a:t> and makes planning (especially in AGILE) much easier. The </a:t>
+            </a:r>
+            <a:r>
+              <a:rPr lang="en-US" sz="1801" b="1" dirty="0"/>
+              <a:t>deployment view gives a clear image to operation teams on how the application modules are deployed</a:t>
+            </a:r>
             <a:r>
               <a:rPr lang="en-US" sz="1801" dirty="0"/>
-              <a:t>The deployment view gives a clear image to operation teams on how the application modules are deployed and helps in rough estimation of cost early on and eases planning.</a:t>
-            </a:r>
-          </a:p>
-          <a:p>
-            <a:pPr algn="just"/>
+              <a:t> and helps in </a:t>
+            </a:r>
+            <a:r>
+              <a:rPr lang="en-US" sz="1801" b="1" dirty="0"/>
+              <a:t>rough estimation of cost</a:t>
+            </a:r>
             <a:r>
               <a:rPr lang="en-US" sz="1801" dirty="0"/>
-              <a:t>Sequence diagrams for different use cases give developers a clear idea on what is expected from the system and all the players involved in that use case. This will also ease development planning.</a:t>
+              <a:t> early on and eases planning. </a:t>
+            </a:r>
+            <a:r>
+              <a:rPr lang="en-US" sz="1801" b="1" dirty="0"/>
+              <a:t>Sequence diagrams for different use cases give developers a clear idea on what is expected from the system</a:t>
+            </a:r>
+            <a:r>
+              <a:rPr lang="en-US" sz="1801" dirty="0"/>
+              <a:t> and all the players involved in that use case. This will also </a:t>
+            </a:r>
+            <a:r>
+              <a:rPr lang="en-US" sz="1801" b="1" dirty="0"/>
+              <a:t>ease development planning</a:t>
+            </a:r>
+            <a:r>
+              <a:rPr lang="en-US" sz="1801" dirty="0"/>
+              <a:t>.</a:t>
             </a:r>
           </a:p>
           <a:p>
@@ -6668,15 +6715,6 @@
 </file>
 
 <file path=customXml/item1.xml><?xml version="1.0" encoding="utf-8"?>
-<?mso-contentType ?>
-<FormTemplates xmlns="http://schemas.microsoft.com/sharepoint/v3/contenttype/forms">
-  <Display>DocumentLibraryForm</Display>
-  <Edit>DocumentLibraryForm</Edit>
-  <New>DocumentLibraryForm</New>
-</FormTemplates>
-</file>
-
-<file path=customXml/item2.xml><?xml version="1.0" encoding="utf-8"?>
 <ct:contentTypeSchema xmlns:ct="http://schemas.microsoft.com/office/2006/metadata/contentType" xmlns:ma="http://schemas.microsoft.com/office/2006/metadata/properties/metaAttributes" ct:_="" ma:_="" ma:contentTypeName="Document" ma:contentTypeID="0x01010079F111ED35F8CC479449609E8A0923A6" ma:contentTypeVersion="12" ma:contentTypeDescription="Create a new document." ma:contentTypeScope="" ma:versionID="a410dd7f93c95333ffa1b60ed6adedd1">
   <xsd:schema xmlns:xsd="http://www.w3.org/2001/XMLSchema" xmlns:xs="http://www.w3.org/2001/XMLSchema" xmlns:p="http://schemas.microsoft.com/office/2006/metadata/properties" xmlns:ns2="71af3243-3dd4-4a8d-8c0d-dd76da1f02a5" xmlns:ns3="16c05727-aa75-4e4a-9b5f-8a80a1165891" targetNamespace="http://schemas.microsoft.com/office/2006/metadata/properties" ma:root="true" ma:fieldsID="a936d9baba76aa3866493feff160faab" ns2:_="" ns3:_="">
     <xsd:import namespace="71af3243-3dd4-4a8d-8c0d-dd76da1f02a5"/>
@@ -6897,6 +6935,15 @@
 </ct:contentTypeSchema>
 </file>
 
+<file path=customXml/item2.xml><?xml version="1.0" encoding="utf-8"?>
+<?mso-contentType ?>
+<FormTemplates xmlns="http://schemas.microsoft.com/sharepoint/v3/contenttype/forms">
+  <Display>DocumentLibraryForm</Display>
+  <Edit>DocumentLibraryForm</Edit>
+  <New>DocumentLibraryForm</New>
+</FormTemplates>
+</file>
+
 <file path=customXml/item3.xml><?xml version="1.0" encoding="utf-8"?>
 <p:properties xmlns:p="http://schemas.microsoft.com/office/2006/metadata/properties" xmlns:xsi="http://www.w3.org/2001/XMLSchema-instance" xmlns:pc="http://schemas.microsoft.com/office/infopath/2007/PartnerControls">
   <documentManagement>
@@ -6907,14 +6954,6 @@
 </file>
 
 <file path=customXml/itemProps1.xml><?xml version="1.0" encoding="utf-8"?>
-<ds:datastoreItem xmlns:ds="http://schemas.openxmlformats.org/officeDocument/2006/customXml" ds:itemID="{927BD4C1-B6B1-4715-ABF9-E660A51A4EA0}">
-  <ds:schemaRefs>
-    <ds:schemaRef ds:uri="http://schemas.microsoft.com/sharepoint/v3/contenttype/forms"/>
-  </ds:schemaRefs>
-</ds:datastoreItem>
-</file>
-
-<file path=customXml/itemProps2.xml><?xml version="1.0" encoding="utf-8"?>
 <ds:datastoreItem xmlns:ds="http://schemas.openxmlformats.org/officeDocument/2006/customXml" ds:itemID="{41E7CA09-9778-4414-AE97-8064B12DA30E}">
   <ds:schemaRefs>
     <ds:schemaRef ds:uri="http://schemas.microsoft.com/office/2006/metadata/contentType"/>
@@ -6933,12 +6972,27 @@
 </ds:datastoreItem>
 </file>
 
+<file path=customXml/itemProps2.xml><?xml version="1.0" encoding="utf-8"?>
+<ds:datastoreItem xmlns:ds="http://schemas.openxmlformats.org/officeDocument/2006/customXml" ds:itemID="{927BD4C1-B6B1-4715-ABF9-E660A51A4EA0}">
+  <ds:schemaRefs>
+    <ds:schemaRef ds:uri="http://schemas.microsoft.com/sharepoint/v3/contenttype/forms"/>
+  </ds:schemaRefs>
+</ds:datastoreItem>
+</file>
+
 <file path=customXml/itemProps3.xml><?xml version="1.0" encoding="utf-8"?>
 <ds:datastoreItem xmlns:ds="http://schemas.openxmlformats.org/officeDocument/2006/customXml" ds:itemID="{8D289AE2-D2AE-49D1-AFAC-3A79F6794255}">
   <ds:schemaRefs>
+    <ds:schemaRef ds:uri="http://purl.org/dc/elements/1.1/"/>
+    <ds:schemaRef ds:uri="http://schemas.microsoft.com/office/2006/documentManagement/types"/>
+    <ds:schemaRef ds:uri="http://purl.org/dc/terms/"/>
+    <ds:schemaRef ds:uri="16c05727-aa75-4e4a-9b5f-8a80a1165891"/>
+    <ds:schemaRef ds:uri="http://purl.org/dc/dcmitype/"/>
+    <ds:schemaRef ds:uri="http://schemas.microsoft.com/office/infopath/2007/PartnerControls"/>
+    <ds:schemaRef ds:uri="http://schemas.openxmlformats.org/package/2006/metadata/core-properties"/>
+    <ds:schemaRef ds:uri="71af3243-3dd4-4a8d-8c0d-dd76da1f02a5"/>
     <ds:schemaRef ds:uri="http://schemas.microsoft.com/office/2006/metadata/properties"/>
-    <ds:schemaRef ds:uri="http://schemas.microsoft.com/office/infopath/2007/PartnerControls"/>
-    <ds:schemaRef ds:uri="71af3243-3dd4-4a8d-8c0d-dd76da1f02a5"/>
+    <ds:schemaRef ds:uri="http://www.w3.org/XML/1998/namespace"/>
   </ds:schemaRefs>
 </ds:datastoreItem>
 </file>